--- a/나의자랑 위한 연구노트 정리건 .pptx
+++ b/나의자랑 위한 연구노트 정리건 .pptx
@@ -5435,8 +5435,8 @@
         </p:blipFill>
         <p:spPr>
           <a:xfrm>
-            <a:off x="192821" y="1222664"/>
-            <a:ext cx="3045096" cy="2135135"/>
+            <a:off x="407388" y="1202760"/>
+            <a:ext cx="2792884" cy="1958291"/>
           </a:xfrm>
           <a:prstGeom prst="rect">
             <a:avLst/>
@@ -5473,6 +5473,3224 @@
           <a:chExt cx="0" cy="0"/>
         </a:xfrm>
       </p:grpSpPr>
+      <p:pic>
+        <p:nvPicPr>
+          <p:cNvPr id="4" name="Picture 212" descr="방향-07">
+            <a:extLst>
+              <a:ext uri="{FF2B5EF4-FFF2-40B4-BE49-F238E27FC236}">
+                <a16:creationId xmlns:a16="http://schemas.microsoft.com/office/drawing/2014/main" id="{5FB329B7-42C6-1D33-2F81-147F11212CBF}"/>
+              </a:ext>
+            </a:extLst>
+          </p:cNvPr>
+          <p:cNvPicPr>
+            <a:picLocks noChangeAspect="1" noChangeArrowheads="1"/>
+          </p:cNvPicPr>
+          <p:nvPr/>
+        </p:nvPicPr>
+        <p:blipFill>
+          <a:blip r:embed="rId2" cstate="print">
+            <a:grayscl/>
+          </a:blip>
+          <a:srcRect/>
+          <a:stretch>
+            <a:fillRect/>
+          </a:stretch>
+        </p:blipFill>
+        <p:spPr bwMode="auto">
+          <a:xfrm rot="5400000">
+            <a:off x="1964321" y="2859519"/>
+            <a:ext cx="4528116" cy="1322513"/>
+          </a:xfrm>
+          <a:prstGeom prst="rect">
+            <a:avLst/>
+          </a:prstGeom>
+          <a:noFill/>
+          <a:ln w="9525">
+            <a:noFill/>
+            <a:miter lim="800000"/>
+            <a:headEnd/>
+            <a:tailEnd/>
+          </a:ln>
+        </p:spPr>
+      </p:pic>
+      <p:pic>
+        <p:nvPicPr>
+          <p:cNvPr id="3" name="그림 2">
+            <a:extLst>
+              <a:ext uri="{FF2B5EF4-FFF2-40B4-BE49-F238E27FC236}">
+                <a16:creationId xmlns:a16="http://schemas.microsoft.com/office/drawing/2014/main" id="{91C4B51E-1C81-DC2B-274A-02599D21785C}"/>
+              </a:ext>
+            </a:extLst>
+          </p:cNvPr>
+          <p:cNvPicPr>
+            <a:picLocks noChangeAspect="1"/>
+          </p:cNvPicPr>
+          <p:nvPr/>
+        </p:nvPicPr>
+        <p:blipFill>
+          <a:blip r:embed="rId3"/>
+          <a:stretch>
+            <a:fillRect/>
+          </a:stretch>
+        </p:blipFill>
+        <p:spPr>
+          <a:xfrm>
+            <a:off x="204057" y="2194895"/>
+            <a:ext cx="4024322" cy="2468209"/>
+          </a:xfrm>
+          <a:prstGeom prst="rect">
+            <a:avLst/>
+          </a:prstGeom>
+        </p:spPr>
+      </p:pic>
+      <p:graphicFrame>
+        <p:nvGraphicFramePr>
+          <p:cNvPr id="5" name="표 13">
+            <a:extLst>
+              <a:ext uri="{FF2B5EF4-FFF2-40B4-BE49-F238E27FC236}">
+                <a16:creationId xmlns:a16="http://schemas.microsoft.com/office/drawing/2014/main" id="{80CD6AC6-E0B8-344B-EF3F-10E0276C60FB}"/>
+              </a:ext>
+            </a:extLst>
+          </p:cNvPr>
+          <p:cNvGraphicFramePr>
+            <a:graphicFrameLocks noGrp="1"/>
+          </p:cNvGraphicFramePr>
+          <p:nvPr>
+            <p:extLst>
+              <p:ext uri="{D42A27DB-BD31-4B8C-83A1-F6EECF244321}">
+                <p14:modId xmlns:p14="http://schemas.microsoft.com/office/powerpoint/2010/main" val="1861345438"/>
+              </p:ext>
+            </p:extLst>
+          </p:nvPr>
+        </p:nvGraphicFramePr>
+        <p:xfrm>
+          <a:off x="5006473" y="702644"/>
+          <a:ext cx="3933469" cy="5552093"/>
+        </p:xfrm>
+        <a:graphic>
+          <a:graphicData uri="http://schemas.openxmlformats.org/drawingml/2006/table">
+            <a:tbl>
+              <a:tblPr firstRow="1" bandRow="1">
+                <a:tableStyleId>{5940675A-B579-460E-94D1-54222C63F5DA}</a:tableStyleId>
+              </a:tblPr>
+              <a:tblGrid>
+                <a:gridCol w="907053">
+                  <a:extLst>
+                    <a:ext uri="{9D8B030D-6E8A-4147-A177-3AD203B41FA5}">
+                      <a16:colId xmlns:a16="http://schemas.microsoft.com/office/drawing/2014/main" val="1327647064"/>
+                    </a:ext>
+                  </a:extLst>
+                </a:gridCol>
+                <a:gridCol w="1162049">
+                  <a:extLst>
+                    <a:ext uri="{9D8B030D-6E8A-4147-A177-3AD203B41FA5}">
+                      <a16:colId xmlns:a16="http://schemas.microsoft.com/office/drawing/2014/main" val="211279273"/>
+                    </a:ext>
+                  </a:extLst>
+                </a:gridCol>
+                <a:gridCol w="1864367">
+                  <a:extLst>
+                    <a:ext uri="{9D8B030D-6E8A-4147-A177-3AD203B41FA5}">
+                      <a16:colId xmlns:a16="http://schemas.microsoft.com/office/drawing/2014/main" val="3385339361"/>
+                    </a:ext>
+                  </a:extLst>
+                </a:gridCol>
+              </a:tblGrid>
+              <a:tr h="293503">
+                <a:tc gridSpan="2">
+                  <a:txBody>
+                    <a:bodyPr/>
+                    <a:lstStyle/>
+                    <a:p>
+                      <a:pPr algn="ctr" latinLnBrk="1"/>
+                      <a:r>
+                        <a:rPr lang="ko-KR" altLang="en-US" sz="1200" b="1" dirty="0">
+                          <a:ea typeface="KoPub돋움체 Bold" panose="02020603020101020101"/>
+                        </a:rPr>
+                        <a:t>항목 </a:t>
+                      </a:r>
+                    </a:p>
+                  </a:txBody>
+                  <a:tcPr anchor="ctr">
+                    <a:lnL w="19050" cap="flat" cmpd="sng" algn="ctr">
+                      <a:solidFill>
+                        <a:schemeClr val="tx1"/>
+                      </a:solidFill>
+                      <a:prstDash val="solid"/>
+                      <a:round/>
+                      <a:headEnd type="none" w="med" len="med"/>
+                      <a:tailEnd type="none" w="med" len="med"/>
+                    </a:lnL>
+                    <a:lnR w="6350" cap="flat" cmpd="sng" algn="ctr">
+                      <a:solidFill>
+                        <a:schemeClr val="tx1"/>
+                      </a:solidFill>
+                      <a:prstDash val="solid"/>
+                      <a:round/>
+                      <a:headEnd type="none" w="med" len="med"/>
+                      <a:tailEnd type="none" w="med" len="med"/>
+                    </a:lnR>
+                    <a:lnT w="19050" cap="flat" cmpd="sng" algn="ctr">
+                      <a:solidFill>
+                        <a:schemeClr val="tx1"/>
+                      </a:solidFill>
+                      <a:prstDash val="solid"/>
+                      <a:round/>
+                      <a:headEnd type="none" w="med" len="med"/>
+                      <a:tailEnd type="none" w="med" len="med"/>
+                    </a:lnT>
+                    <a:lnB w="6350" cap="flat" cmpd="sng" algn="ctr">
+                      <a:solidFill>
+                        <a:schemeClr val="tx1"/>
+                      </a:solidFill>
+                      <a:prstDash val="solid"/>
+                      <a:round/>
+                      <a:headEnd type="none" w="med" len="med"/>
+                      <a:tailEnd type="none" w="med" len="med"/>
+                    </a:lnB>
+                    <a:solidFill>
+                      <a:schemeClr val="bg1">
+                        <a:lumMod val="95000"/>
+                      </a:schemeClr>
+                    </a:solidFill>
+                  </a:tcPr>
+                </a:tc>
+                <a:tc hMerge="1">
+                  <a:txBody>
+                    <a:bodyPr/>
+                    <a:lstStyle/>
+                    <a:p>
+                      <a:pPr latinLnBrk="1"/>
+                      <a:endParaRPr lang="ko-KR" altLang="en-US"/>
+                    </a:p>
+                  </a:txBody>
+                  <a:tcPr/>
+                </a:tc>
+                <a:tc>
+                  <a:txBody>
+                    <a:bodyPr/>
+                    <a:lstStyle/>
+                    <a:p>
+                      <a:pPr algn="ctr" latinLnBrk="1"/>
+                      <a:r>
+                        <a:rPr lang="ko-KR" altLang="en-US" sz="1200" b="1" dirty="0">
+                          <a:ea typeface="KoPub돋움체 Bold" panose="02020603020101020101"/>
+                        </a:rPr>
+                        <a:t>내용 </a:t>
+                      </a:r>
+                    </a:p>
+                  </a:txBody>
+                  <a:tcPr anchor="ctr">
+                    <a:lnL w="6350" cap="flat" cmpd="sng" algn="ctr">
+                      <a:solidFill>
+                        <a:schemeClr val="tx1"/>
+                      </a:solidFill>
+                      <a:prstDash val="solid"/>
+                      <a:round/>
+                      <a:headEnd type="none" w="med" len="med"/>
+                      <a:tailEnd type="none" w="med" len="med"/>
+                    </a:lnL>
+                    <a:lnR w="19050" cap="flat" cmpd="sng" algn="ctr">
+                      <a:solidFill>
+                        <a:schemeClr val="tx1"/>
+                      </a:solidFill>
+                      <a:prstDash val="solid"/>
+                      <a:round/>
+                      <a:headEnd type="none" w="med" len="med"/>
+                      <a:tailEnd type="none" w="med" len="med"/>
+                    </a:lnR>
+                    <a:lnT w="19050" cap="flat" cmpd="sng" algn="ctr">
+                      <a:solidFill>
+                        <a:schemeClr val="tx1"/>
+                      </a:solidFill>
+                      <a:prstDash val="solid"/>
+                      <a:round/>
+                      <a:headEnd type="none" w="med" len="med"/>
+                      <a:tailEnd type="none" w="med" len="med"/>
+                    </a:lnT>
+                    <a:lnB w="6350" cap="flat" cmpd="sng" algn="ctr">
+                      <a:solidFill>
+                        <a:schemeClr val="tx1"/>
+                      </a:solidFill>
+                      <a:prstDash val="solid"/>
+                      <a:round/>
+                      <a:headEnd type="none" w="med" len="med"/>
+                      <a:tailEnd type="none" w="med" len="med"/>
+                    </a:lnB>
+                    <a:solidFill>
+                      <a:schemeClr val="bg1">
+                        <a:lumMod val="95000"/>
+                      </a:schemeClr>
+                    </a:solidFill>
+                  </a:tcPr>
+                </a:tc>
+                <a:extLst>
+                  <a:ext uri="{0D108BD9-81ED-4DB2-BD59-A6C34878D82A}">
+                    <a16:rowId xmlns:a16="http://schemas.microsoft.com/office/drawing/2014/main" val="1081942679"/>
+                  </a:ext>
+                </a:extLst>
+              </a:tr>
+              <a:tr h="277197">
+                <a:tc gridSpan="2">
+                  <a:txBody>
+                    <a:bodyPr/>
+                    <a:lstStyle/>
+                    <a:p>
+                      <a:pPr algn="ctr" latinLnBrk="1"/>
+                      <a:r>
+                        <a:rPr lang="ko-KR" altLang="en-US" sz="1100" dirty="0">
+                          <a:latin typeface="KoPub돋움체_Pro Light" panose="00000300000000000000" pitchFamily="50" charset="-127"/>
+                          <a:ea typeface="KoPub돋움체_Pro Light" panose="00000300000000000000" pitchFamily="50" charset="-127"/>
+                        </a:rPr>
+                        <a:t>전지 종류   </a:t>
+                      </a:r>
+                    </a:p>
+                  </a:txBody>
+                  <a:tcPr anchor="ctr">
+                    <a:lnL w="19050" cap="flat" cmpd="sng" algn="ctr">
+                      <a:solidFill>
+                        <a:schemeClr val="tx1"/>
+                      </a:solidFill>
+                      <a:prstDash val="solid"/>
+                      <a:round/>
+                      <a:headEnd type="none" w="med" len="med"/>
+                      <a:tailEnd type="none" w="med" len="med"/>
+                    </a:lnL>
+                    <a:lnR w="6350" cap="flat" cmpd="sng" algn="ctr">
+                      <a:solidFill>
+                        <a:schemeClr val="tx1"/>
+                      </a:solidFill>
+                      <a:prstDash val="solid"/>
+                      <a:round/>
+                      <a:headEnd type="none" w="med" len="med"/>
+                      <a:tailEnd type="none" w="med" len="med"/>
+                    </a:lnR>
+                    <a:lnT w="6350" cap="flat" cmpd="sng" algn="ctr">
+                      <a:solidFill>
+                        <a:schemeClr val="tx1"/>
+                      </a:solidFill>
+                      <a:prstDash val="solid"/>
+                      <a:round/>
+                      <a:headEnd type="none" w="med" len="med"/>
+                      <a:tailEnd type="none" w="med" len="med"/>
+                    </a:lnT>
+                    <a:lnB w="12700" cap="flat" cmpd="sng" algn="ctr">
+                      <a:solidFill>
+                        <a:schemeClr val="tx1"/>
+                      </a:solidFill>
+                      <a:prstDash val="sysDot"/>
+                      <a:round/>
+                      <a:headEnd type="none" w="med" len="med"/>
+                      <a:tailEnd type="none" w="med" len="med"/>
+                    </a:lnB>
+                  </a:tcPr>
+                </a:tc>
+                <a:tc hMerge="1">
+                  <a:txBody>
+                    <a:bodyPr/>
+                    <a:lstStyle/>
+                    <a:p>
+                      <a:pPr latinLnBrk="1"/>
+                      <a:endParaRPr lang="ko-KR" altLang="en-US"/>
+                    </a:p>
+                  </a:txBody>
+                  <a:tcPr/>
+                </a:tc>
+                <a:tc>
+                  <a:txBody>
+                    <a:bodyPr/>
+                    <a:lstStyle/>
+                    <a:p>
+                      <a:pPr algn="ctr" latinLnBrk="1"/>
+                      <a:r>
+                        <a:rPr lang="en-US" altLang="ko-KR" sz="1100" dirty="0">
+                          <a:latin typeface="KoPub돋움체_Pro Light" panose="00000300000000000000" pitchFamily="50" charset="-127"/>
+                          <a:ea typeface="KoPub돋움체_Pro Light" panose="00000300000000000000" pitchFamily="50" charset="-127"/>
+                        </a:rPr>
+                        <a:t>NCM</a:t>
+                      </a:r>
+                      <a:endParaRPr lang="ko-KR" altLang="en-US" sz="1100" dirty="0">
+                        <a:latin typeface="KoPub돋움체_Pro Light" panose="00000300000000000000" pitchFamily="50" charset="-127"/>
+                        <a:ea typeface="KoPub돋움체_Pro Light" panose="00000300000000000000" pitchFamily="50" charset="-127"/>
+                      </a:endParaRPr>
+                    </a:p>
+                  </a:txBody>
+                  <a:tcPr anchor="ctr">
+                    <a:lnL w="6350" cap="flat" cmpd="sng" algn="ctr">
+                      <a:solidFill>
+                        <a:schemeClr val="tx1"/>
+                      </a:solidFill>
+                      <a:prstDash val="solid"/>
+                      <a:round/>
+                      <a:headEnd type="none" w="med" len="med"/>
+                      <a:tailEnd type="none" w="med" len="med"/>
+                    </a:lnL>
+                    <a:lnR w="19050" cap="flat" cmpd="sng" algn="ctr">
+                      <a:solidFill>
+                        <a:schemeClr val="tx1"/>
+                      </a:solidFill>
+                      <a:prstDash val="solid"/>
+                      <a:round/>
+                      <a:headEnd type="none" w="med" len="med"/>
+                      <a:tailEnd type="none" w="med" len="med"/>
+                    </a:lnR>
+                    <a:lnT w="6350" cap="flat" cmpd="sng" algn="ctr">
+                      <a:solidFill>
+                        <a:schemeClr val="tx1"/>
+                      </a:solidFill>
+                      <a:prstDash val="solid"/>
+                      <a:round/>
+                      <a:headEnd type="none" w="med" len="med"/>
+                      <a:tailEnd type="none" w="med" len="med"/>
+                    </a:lnT>
+                    <a:lnB w="12700" cap="flat" cmpd="sng" algn="ctr">
+                      <a:solidFill>
+                        <a:schemeClr val="tx1"/>
+                      </a:solidFill>
+                      <a:prstDash val="sysDot"/>
+                      <a:round/>
+                      <a:headEnd type="none" w="med" len="med"/>
+                      <a:tailEnd type="none" w="med" len="med"/>
+                    </a:lnB>
+                  </a:tcPr>
+                </a:tc>
+                <a:extLst>
+                  <a:ext uri="{0D108BD9-81ED-4DB2-BD59-A6C34878D82A}">
+                    <a16:rowId xmlns:a16="http://schemas.microsoft.com/office/drawing/2014/main" val="1282330382"/>
+                  </a:ext>
+                </a:extLst>
+              </a:tr>
+              <a:tr h="277197">
+                <a:tc gridSpan="2">
+                  <a:txBody>
+                    <a:bodyPr/>
+                    <a:lstStyle/>
+                    <a:p>
+                      <a:pPr algn="ctr" latinLnBrk="1"/>
+                      <a:r>
+                        <a:rPr lang="ko-KR" altLang="en-US" sz="1100" dirty="0">
+                          <a:latin typeface="KoPub돋움체_Pro Light" panose="00000300000000000000" pitchFamily="50" charset="-127"/>
+                          <a:ea typeface="KoPub돋움체_Pro Light" panose="00000300000000000000" pitchFamily="50" charset="-127"/>
+                        </a:rPr>
+                        <a:t>전지 타입 </a:t>
+                      </a:r>
+                    </a:p>
+                  </a:txBody>
+                  <a:tcPr anchor="ctr">
+                    <a:lnL w="19050" cap="flat" cmpd="sng" algn="ctr">
+                      <a:solidFill>
+                        <a:schemeClr val="tx1"/>
+                      </a:solidFill>
+                      <a:prstDash val="solid"/>
+                      <a:round/>
+                      <a:headEnd type="none" w="med" len="med"/>
+                      <a:tailEnd type="none" w="med" len="med"/>
+                    </a:lnL>
+                    <a:lnR w="6350" cap="flat" cmpd="sng" algn="ctr">
+                      <a:solidFill>
+                        <a:schemeClr val="tx1"/>
+                      </a:solidFill>
+                      <a:prstDash val="solid"/>
+                      <a:round/>
+                      <a:headEnd type="none" w="med" len="med"/>
+                      <a:tailEnd type="none" w="med" len="med"/>
+                    </a:lnR>
+                    <a:lnT w="12700" cap="flat" cmpd="sng" algn="ctr">
+                      <a:solidFill>
+                        <a:schemeClr val="tx1"/>
+                      </a:solidFill>
+                      <a:prstDash val="sysDot"/>
+                      <a:round/>
+                      <a:headEnd type="none" w="med" len="med"/>
+                      <a:tailEnd type="none" w="med" len="med"/>
+                    </a:lnT>
+                    <a:lnB w="12700" cap="flat" cmpd="sng" algn="ctr">
+                      <a:solidFill>
+                        <a:schemeClr val="tx1"/>
+                      </a:solidFill>
+                      <a:prstDash val="sysDot"/>
+                      <a:round/>
+                      <a:headEnd type="none" w="med" len="med"/>
+                      <a:tailEnd type="none" w="med" len="med"/>
+                    </a:lnB>
+                  </a:tcPr>
+                </a:tc>
+                <a:tc hMerge="1">
+                  <a:txBody>
+                    <a:bodyPr/>
+                    <a:lstStyle/>
+                    <a:p>
+                      <a:pPr latinLnBrk="1"/>
+                      <a:endParaRPr lang="ko-KR" altLang="en-US"/>
+                    </a:p>
+                  </a:txBody>
+                  <a:tcPr/>
+                </a:tc>
+                <a:tc>
+                  <a:txBody>
+                    <a:bodyPr/>
+                    <a:lstStyle/>
+                    <a:p>
+                      <a:pPr algn="ctr" latinLnBrk="1"/>
+                      <a:r>
+                        <a:rPr lang="ko-KR" altLang="en-US" sz="1100" dirty="0">
+                          <a:latin typeface="KoPub돋움체_Pro Light" panose="00000300000000000000" pitchFamily="50" charset="-127"/>
+                          <a:ea typeface="KoPub돋움체_Pro Light" panose="00000300000000000000" pitchFamily="50" charset="-127"/>
+                        </a:rPr>
+                        <a:t>파우치</a:t>
+                      </a:r>
+                    </a:p>
+                  </a:txBody>
+                  <a:tcPr anchor="ctr">
+                    <a:lnL w="6350" cap="flat" cmpd="sng" algn="ctr">
+                      <a:solidFill>
+                        <a:schemeClr val="tx1"/>
+                      </a:solidFill>
+                      <a:prstDash val="solid"/>
+                      <a:round/>
+                      <a:headEnd type="none" w="med" len="med"/>
+                      <a:tailEnd type="none" w="med" len="med"/>
+                    </a:lnL>
+                    <a:lnR w="19050" cap="flat" cmpd="sng" algn="ctr">
+                      <a:solidFill>
+                        <a:schemeClr val="tx1"/>
+                      </a:solidFill>
+                      <a:prstDash val="solid"/>
+                      <a:round/>
+                      <a:headEnd type="none" w="med" len="med"/>
+                      <a:tailEnd type="none" w="med" len="med"/>
+                    </a:lnR>
+                    <a:lnT w="12700" cap="flat" cmpd="sng" algn="ctr">
+                      <a:solidFill>
+                        <a:schemeClr val="tx1"/>
+                      </a:solidFill>
+                      <a:prstDash val="sysDot"/>
+                      <a:round/>
+                      <a:headEnd type="none" w="med" len="med"/>
+                      <a:tailEnd type="none" w="med" len="med"/>
+                    </a:lnT>
+                    <a:lnB w="12700" cap="flat" cmpd="sng" algn="ctr">
+                      <a:solidFill>
+                        <a:schemeClr val="tx1"/>
+                      </a:solidFill>
+                      <a:prstDash val="sysDot"/>
+                      <a:round/>
+                      <a:headEnd type="none" w="med" len="med"/>
+                      <a:tailEnd type="none" w="med" len="med"/>
+                    </a:lnB>
+                  </a:tcPr>
+                </a:tc>
+                <a:extLst>
+                  <a:ext uri="{0D108BD9-81ED-4DB2-BD59-A6C34878D82A}">
+                    <a16:rowId xmlns:a16="http://schemas.microsoft.com/office/drawing/2014/main" val="2207428710"/>
+                  </a:ext>
+                </a:extLst>
+              </a:tr>
+              <a:tr h="277197">
+                <a:tc gridSpan="2">
+                  <a:txBody>
+                    <a:bodyPr/>
+                    <a:lstStyle/>
+                    <a:p>
+                      <a:pPr algn="ctr" latinLnBrk="1"/>
+                      <a:r>
+                        <a:rPr lang="ko-KR" altLang="en-US" sz="1100" dirty="0">
+                          <a:latin typeface="KoPub돋움체_Pro Light" panose="00000300000000000000" pitchFamily="50" charset="-127"/>
+                          <a:ea typeface="KoPub돋움체_Pro Light" panose="00000300000000000000" pitchFamily="50" charset="-127"/>
+                        </a:rPr>
+                        <a:t>제   조   사</a:t>
+                      </a:r>
+                    </a:p>
+                  </a:txBody>
+                  <a:tcPr anchor="ctr">
+                    <a:lnL w="19050" cap="flat" cmpd="sng" algn="ctr">
+                      <a:solidFill>
+                        <a:schemeClr val="tx1"/>
+                      </a:solidFill>
+                      <a:prstDash val="solid"/>
+                      <a:round/>
+                      <a:headEnd type="none" w="med" len="med"/>
+                      <a:tailEnd type="none" w="med" len="med"/>
+                    </a:lnL>
+                    <a:lnR w="6350" cap="flat" cmpd="sng" algn="ctr">
+                      <a:solidFill>
+                        <a:schemeClr val="tx1"/>
+                      </a:solidFill>
+                      <a:prstDash val="solid"/>
+                      <a:round/>
+                      <a:headEnd type="none" w="med" len="med"/>
+                      <a:tailEnd type="none" w="med" len="med"/>
+                    </a:lnR>
+                    <a:lnT w="12700" cap="flat" cmpd="sng" algn="ctr">
+                      <a:solidFill>
+                        <a:schemeClr val="tx1"/>
+                      </a:solidFill>
+                      <a:prstDash val="sysDot"/>
+                      <a:round/>
+                      <a:headEnd type="none" w="med" len="med"/>
+                      <a:tailEnd type="none" w="med" len="med"/>
+                    </a:lnT>
+                    <a:lnB w="12700" cap="flat" cmpd="sng" algn="ctr">
+                      <a:solidFill>
+                        <a:schemeClr val="tx1"/>
+                      </a:solidFill>
+                      <a:prstDash val="sysDot"/>
+                      <a:round/>
+                      <a:headEnd type="none" w="med" len="med"/>
+                      <a:tailEnd type="none" w="med" len="med"/>
+                    </a:lnB>
+                  </a:tcPr>
+                </a:tc>
+                <a:tc hMerge="1">
+                  <a:txBody>
+                    <a:bodyPr/>
+                    <a:lstStyle/>
+                    <a:p>
+                      <a:pPr latinLnBrk="1"/>
+                      <a:endParaRPr lang="ko-KR" altLang="en-US"/>
+                    </a:p>
+                  </a:txBody>
+                  <a:tcPr/>
+                </a:tc>
+                <a:tc>
+                  <a:txBody>
+                    <a:bodyPr/>
+                    <a:lstStyle/>
+                    <a:p>
+                      <a:pPr algn="ctr" latinLnBrk="1"/>
+                      <a:r>
+                        <a:rPr lang="ko-KR" altLang="en-US" sz="1100" dirty="0" err="1">
+                          <a:latin typeface="KoPub돋움체_Pro Light" panose="00000300000000000000" pitchFamily="50" charset="-127"/>
+                          <a:ea typeface="KoPub돋움체_Pro Light" panose="00000300000000000000" pitchFamily="50" charset="-127"/>
+                        </a:rPr>
+                        <a:t>솔라엣지</a:t>
+                      </a:r>
+                      <a:r>
+                        <a:rPr lang="en-US" altLang="ko-KR" sz="1100" dirty="0">
+                          <a:latin typeface="KoPub돋움체_Pro Light" panose="00000300000000000000" pitchFamily="50" charset="-127"/>
+                          <a:ea typeface="KoPub돋움체_Pro Light" panose="00000300000000000000" pitchFamily="50" charset="-127"/>
+                        </a:rPr>
+                        <a:t>(</a:t>
+                      </a:r>
+                      <a:r>
+                        <a:rPr lang="ko-KR" altLang="en-US" sz="1100" dirty="0">
+                          <a:latin typeface="KoPub돋움체_Pro Light" panose="00000300000000000000" pitchFamily="50" charset="-127"/>
+                          <a:ea typeface="KoPub돋움체_Pro Light" panose="00000300000000000000" pitchFamily="50" charset="-127"/>
+                        </a:rPr>
+                        <a:t>국내</a:t>
+                      </a:r>
+                      <a:r>
+                        <a:rPr lang="en-US" altLang="ko-KR" sz="1100" dirty="0">
+                          <a:latin typeface="KoPub돋움체_Pro Light" panose="00000300000000000000" pitchFamily="50" charset="-127"/>
+                          <a:ea typeface="KoPub돋움체_Pro Light" panose="00000300000000000000" pitchFamily="50" charset="-127"/>
+                        </a:rPr>
+                        <a:t>)</a:t>
+                      </a:r>
+                      <a:endParaRPr lang="ko-KR" altLang="en-US" sz="1100" dirty="0">
+                        <a:latin typeface="KoPub돋움체_Pro Light" panose="00000300000000000000" pitchFamily="50" charset="-127"/>
+                        <a:ea typeface="KoPub돋움체_Pro Light" panose="00000300000000000000" pitchFamily="50" charset="-127"/>
+                      </a:endParaRPr>
+                    </a:p>
+                  </a:txBody>
+                  <a:tcPr anchor="ctr">
+                    <a:lnL w="6350" cap="flat" cmpd="sng" algn="ctr">
+                      <a:solidFill>
+                        <a:schemeClr val="tx1"/>
+                      </a:solidFill>
+                      <a:prstDash val="solid"/>
+                      <a:round/>
+                      <a:headEnd type="none" w="med" len="med"/>
+                      <a:tailEnd type="none" w="med" len="med"/>
+                    </a:lnL>
+                    <a:lnR w="19050" cap="flat" cmpd="sng" algn="ctr">
+                      <a:solidFill>
+                        <a:schemeClr val="tx1"/>
+                      </a:solidFill>
+                      <a:prstDash val="solid"/>
+                      <a:round/>
+                      <a:headEnd type="none" w="med" len="med"/>
+                      <a:tailEnd type="none" w="med" len="med"/>
+                    </a:lnR>
+                    <a:lnT w="12700" cap="flat" cmpd="sng" algn="ctr">
+                      <a:solidFill>
+                        <a:schemeClr val="tx1"/>
+                      </a:solidFill>
+                      <a:prstDash val="sysDot"/>
+                      <a:round/>
+                      <a:headEnd type="none" w="med" len="med"/>
+                      <a:tailEnd type="none" w="med" len="med"/>
+                    </a:lnT>
+                    <a:lnB w="12700" cap="flat" cmpd="sng" algn="ctr">
+                      <a:solidFill>
+                        <a:schemeClr val="tx1"/>
+                      </a:solidFill>
+                      <a:prstDash val="sysDot"/>
+                      <a:round/>
+                      <a:headEnd type="none" w="med" len="med"/>
+                      <a:tailEnd type="none" w="med" len="med"/>
+                    </a:lnB>
+                  </a:tcPr>
+                </a:tc>
+                <a:extLst>
+                  <a:ext uri="{0D108BD9-81ED-4DB2-BD59-A6C34878D82A}">
+                    <a16:rowId xmlns:a16="http://schemas.microsoft.com/office/drawing/2014/main" val="3376770054"/>
+                  </a:ext>
+                </a:extLst>
+              </a:tr>
+              <a:tr h="277197">
+                <a:tc gridSpan="2">
+                  <a:txBody>
+                    <a:bodyPr/>
+                    <a:lstStyle/>
+                    <a:p>
+                      <a:pPr algn="ctr" latinLnBrk="1"/>
+                      <a:r>
+                        <a:rPr lang="ko-KR" altLang="en-US" sz="1100" dirty="0">
+                          <a:latin typeface="KoPub돋움체_Pro Light" panose="00000300000000000000" pitchFamily="50" charset="-127"/>
+                          <a:ea typeface="KoPub돋움체_Pro Light" panose="00000300000000000000" pitchFamily="50" charset="-127"/>
+                        </a:rPr>
+                        <a:t>전지 구성 </a:t>
+                      </a:r>
+                    </a:p>
+                  </a:txBody>
+                  <a:tcPr anchor="ctr">
+                    <a:lnL w="19050" cap="flat" cmpd="sng" algn="ctr">
+                      <a:solidFill>
+                        <a:schemeClr val="tx1"/>
+                      </a:solidFill>
+                      <a:prstDash val="solid"/>
+                      <a:round/>
+                      <a:headEnd type="none" w="med" len="med"/>
+                      <a:tailEnd type="none" w="med" len="med"/>
+                    </a:lnL>
+                    <a:lnR w="6350" cap="flat" cmpd="sng" algn="ctr">
+                      <a:solidFill>
+                        <a:schemeClr val="tx1"/>
+                      </a:solidFill>
+                      <a:prstDash val="solid"/>
+                      <a:round/>
+                      <a:headEnd type="none" w="med" len="med"/>
+                      <a:tailEnd type="none" w="med" len="med"/>
+                    </a:lnR>
+                    <a:lnT w="12700" cap="flat" cmpd="sng" algn="ctr">
+                      <a:solidFill>
+                        <a:schemeClr val="tx1"/>
+                      </a:solidFill>
+                      <a:prstDash val="sysDot"/>
+                      <a:round/>
+                      <a:headEnd type="none" w="med" len="med"/>
+                      <a:tailEnd type="none" w="med" len="med"/>
+                    </a:lnT>
+                    <a:lnB w="12700" cap="flat" cmpd="sng" algn="ctr">
+                      <a:solidFill>
+                        <a:schemeClr val="tx1"/>
+                      </a:solidFill>
+                      <a:prstDash val="sysDot"/>
+                      <a:round/>
+                      <a:headEnd type="none" w="med" len="med"/>
+                      <a:tailEnd type="none" w="med" len="med"/>
+                    </a:lnB>
+                  </a:tcPr>
+                </a:tc>
+                <a:tc hMerge="1">
+                  <a:txBody>
+                    <a:bodyPr/>
+                    <a:lstStyle/>
+                    <a:p>
+                      <a:pPr latinLnBrk="1"/>
+                      <a:endParaRPr lang="ko-KR" altLang="en-US"/>
+                    </a:p>
+                  </a:txBody>
+                  <a:tcPr/>
+                </a:tc>
+                <a:tc>
+                  <a:txBody>
+                    <a:bodyPr/>
+                    <a:lstStyle/>
+                    <a:p>
+                      <a:pPr algn="ctr" latinLnBrk="1"/>
+                      <a:r>
+                        <a:rPr lang="en-US" altLang="ko-KR" sz="1100" dirty="0">
+                          <a:latin typeface="KoPub돋움체_Pro Light" panose="00000300000000000000" pitchFamily="50" charset="-127"/>
+                          <a:ea typeface="KoPub돋움체_Pro Light" panose="00000300000000000000" pitchFamily="50" charset="-127"/>
+                        </a:rPr>
+                        <a:t>198S1P</a:t>
+                      </a:r>
+                      <a:endParaRPr lang="ko-KR" altLang="en-US" sz="1100" dirty="0">
+                        <a:latin typeface="KoPub돋움체_Pro Light" panose="00000300000000000000" pitchFamily="50" charset="-127"/>
+                        <a:ea typeface="KoPub돋움체_Pro Light" panose="00000300000000000000" pitchFamily="50" charset="-127"/>
+                      </a:endParaRPr>
+                    </a:p>
+                  </a:txBody>
+                  <a:tcPr anchor="ctr">
+                    <a:lnL w="6350" cap="flat" cmpd="sng" algn="ctr">
+                      <a:solidFill>
+                        <a:schemeClr val="tx1"/>
+                      </a:solidFill>
+                      <a:prstDash val="solid"/>
+                      <a:round/>
+                      <a:headEnd type="none" w="med" len="med"/>
+                      <a:tailEnd type="none" w="med" len="med"/>
+                    </a:lnL>
+                    <a:lnR w="19050" cap="flat" cmpd="sng" algn="ctr">
+                      <a:solidFill>
+                        <a:schemeClr val="tx1"/>
+                      </a:solidFill>
+                      <a:prstDash val="solid"/>
+                      <a:round/>
+                      <a:headEnd type="none" w="med" len="med"/>
+                      <a:tailEnd type="none" w="med" len="med"/>
+                    </a:lnR>
+                    <a:lnT w="12700" cap="flat" cmpd="sng" algn="ctr">
+                      <a:solidFill>
+                        <a:schemeClr val="tx1"/>
+                      </a:solidFill>
+                      <a:prstDash val="sysDot"/>
+                      <a:round/>
+                      <a:headEnd type="none" w="med" len="med"/>
+                      <a:tailEnd type="none" w="med" len="med"/>
+                    </a:lnT>
+                    <a:lnB w="12700" cap="flat" cmpd="sng" algn="ctr">
+                      <a:solidFill>
+                        <a:schemeClr val="tx1"/>
+                      </a:solidFill>
+                      <a:prstDash val="sysDot"/>
+                      <a:round/>
+                      <a:headEnd type="none" w="med" len="med"/>
+                      <a:tailEnd type="none" w="med" len="med"/>
+                    </a:lnB>
+                  </a:tcPr>
+                </a:tc>
+                <a:extLst>
+                  <a:ext uri="{0D108BD9-81ED-4DB2-BD59-A6C34878D82A}">
+                    <a16:rowId xmlns:a16="http://schemas.microsoft.com/office/drawing/2014/main" val="2614283325"/>
+                  </a:ext>
+                </a:extLst>
+              </a:tr>
+              <a:tr h="277197">
+                <a:tc gridSpan="2">
+                  <a:txBody>
+                    <a:bodyPr/>
+                    <a:lstStyle/>
+                    <a:p>
+                      <a:pPr algn="ctr" latinLnBrk="1"/>
+                      <a:r>
+                        <a:rPr lang="ko-KR" altLang="en-US" sz="1100" dirty="0">
+                          <a:latin typeface="KoPub돋움체_Pro Light" panose="00000300000000000000" pitchFamily="50" charset="-127"/>
+                          <a:ea typeface="KoPub돋움체_Pro Light" panose="00000300000000000000" pitchFamily="50" charset="-127"/>
+                        </a:rPr>
+                        <a:t>전지 용량</a:t>
+                      </a:r>
+                    </a:p>
+                  </a:txBody>
+                  <a:tcPr anchor="ctr">
+                    <a:lnL w="19050" cap="flat" cmpd="sng" algn="ctr">
+                      <a:solidFill>
+                        <a:schemeClr val="tx1"/>
+                      </a:solidFill>
+                      <a:prstDash val="solid"/>
+                      <a:round/>
+                      <a:headEnd type="none" w="med" len="med"/>
+                      <a:tailEnd type="none" w="med" len="med"/>
+                    </a:lnL>
+                    <a:lnR w="6350" cap="flat" cmpd="sng" algn="ctr">
+                      <a:solidFill>
+                        <a:schemeClr val="tx1"/>
+                      </a:solidFill>
+                      <a:prstDash val="solid"/>
+                      <a:round/>
+                      <a:headEnd type="none" w="med" len="med"/>
+                      <a:tailEnd type="none" w="med" len="med"/>
+                    </a:lnR>
+                    <a:lnT w="12700" cap="flat" cmpd="sng" algn="ctr">
+                      <a:solidFill>
+                        <a:schemeClr val="tx1"/>
+                      </a:solidFill>
+                      <a:prstDash val="sysDot"/>
+                      <a:round/>
+                      <a:headEnd type="none" w="med" len="med"/>
+                      <a:tailEnd type="none" w="med" len="med"/>
+                    </a:lnT>
+                    <a:lnB w="12700" cap="flat" cmpd="sng" algn="ctr">
+                      <a:solidFill>
+                        <a:schemeClr val="tx1"/>
+                      </a:solidFill>
+                      <a:prstDash val="sysDot"/>
+                      <a:round/>
+                      <a:headEnd type="none" w="med" len="med"/>
+                      <a:tailEnd type="none" w="med" len="med"/>
+                    </a:lnB>
+                  </a:tcPr>
+                </a:tc>
+                <a:tc hMerge="1">
+                  <a:txBody>
+                    <a:bodyPr/>
+                    <a:lstStyle/>
+                    <a:p>
+                      <a:pPr latinLnBrk="1"/>
+                      <a:endParaRPr lang="ko-KR" altLang="en-US"/>
+                    </a:p>
+                  </a:txBody>
+                  <a:tcPr/>
+                </a:tc>
+                <a:tc>
+                  <a:txBody>
+                    <a:bodyPr/>
+                    <a:lstStyle/>
+                    <a:p>
+                      <a:pPr algn="ctr" latinLnBrk="1"/>
+                      <a:r>
+                        <a:rPr lang="en-US" altLang="ko-KR" sz="1100" dirty="0">
+                          <a:latin typeface="KoPub돋움체_Pro Light" panose="00000300000000000000" pitchFamily="50" charset="-127"/>
+                          <a:ea typeface="KoPub돋움체_Pro Light" panose="00000300000000000000" pitchFamily="50" charset="-127"/>
+                        </a:rPr>
+                        <a:t>100Ah</a:t>
+                      </a:r>
+                      <a:endParaRPr lang="ko-KR" altLang="en-US" sz="1100" dirty="0">
+                        <a:latin typeface="KoPub돋움체_Pro Light" panose="00000300000000000000" pitchFamily="50" charset="-127"/>
+                        <a:ea typeface="KoPub돋움체_Pro Light" panose="00000300000000000000" pitchFamily="50" charset="-127"/>
+                      </a:endParaRPr>
+                    </a:p>
+                  </a:txBody>
+                  <a:tcPr anchor="ctr">
+                    <a:lnL w="6350" cap="flat" cmpd="sng" algn="ctr">
+                      <a:solidFill>
+                        <a:schemeClr val="tx1"/>
+                      </a:solidFill>
+                      <a:prstDash val="solid"/>
+                      <a:round/>
+                      <a:headEnd type="none" w="med" len="med"/>
+                      <a:tailEnd type="none" w="med" len="med"/>
+                    </a:lnL>
+                    <a:lnR w="19050" cap="flat" cmpd="sng" algn="ctr">
+                      <a:solidFill>
+                        <a:schemeClr val="tx1"/>
+                      </a:solidFill>
+                      <a:prstDash val="solid"/>
+                      <a:round/>
+                      <a:headEnd type="none" w="med" len="med"/>
+                      <a:tailEnd type="none" w="med" len="med"/>
+                    </a:lnR>
+                    <a:lnT w="12700" cap="flat" cmpd="sng" algn="ctr">
+                      <a:solidFill>
+                        <a:schemeClr val="tx1"/>
+                      </a:solidFill>
+                      <a:prstDash val="sysDot"/>
+                      <a:round/>
+                      <a:headEnd type="none" w="med" len="med"/>
+                      <a:tailEnd type="none" w="med" len="med"/>
+                    </a:lnT>
+                    <a:lnB w="12700" cap="flat" cmpd="sng" algn="ctr">
+                      <a:solidFill>
+                        <a:schemeClr val="tx1"/>
+                      </a:solidFill>
+                      <a:prstDash val="sysDot"/>
+                      <a:round/>
+                      <a:headEnd type="none" w="med" len="med"/>
+                      <a:tailEnd type="none" w="med" len="med"/>
+                    </a:lnB>
+                  </a:tcPr>
+                </a:tc>
+                <a:extLst>
+                  <a:ext uri="{0D108BD9-81ED-4DB2-BD59-A6C34878D82A}">
+                    <a16:rowId xmlns:a16="http://schemas.microsoft.com/office/drawing/2014/main" val="2830706860"/>
+                  </a:ext>
+                </a:extLst>
+              </a:tr>
+              <a:tr h="277197">
+                <a:tc gridSpan="2">
+                  <a:txBody>
+                    <a:bodyPr/>
+                    <a:lstStyle/>
+                    <a:p>
+                      <a:pPr algn="ctr" latinLnBrk="1"/>
+                      <a:r>
+                        <a:rPr lang="ko-KR" altLang="en-US" sz="1100" dirty="0">
+                          <a:latin typeface="KoPub돋움체_Pro Light" panose="00000300000000000000" pitchFamily="50" charset="-127"/>
+                          <a:ea typeface="KoPub돋움체_Pro Light" panose="00000300000000000000" pitchFamily="50" charset="-127"/>
+                        </a:rPr>
+                        <a:t>공칭 전압 </a:t>
+                      </a:r>
+                    </a:p>
+                  </a:txBody>
+                  <a:tcPr anchor="ctr">
+                    <a:lnL w="19050" cap="flat" cmpd="sng" algn="ctr">
+                      <a:solidFill>
+                        <a:schemeClr val="tx1"/>
+                      </a:solidFill>
+                      <a:prstDash val="solid"/>
+                      <a:round/>
+                      <a:headEnd type="none" w="med" len="med"/>
+                      <a:tailEnd type="none" w="med" len="med"/>
+                    </a:lnL>
+                    <a:lnR w="6350" cap="flat" cmpd="sng" algn="ctr">
+                      <a:solidFill>
+                        <a:schemeClr val="tx1"/>
+                      </a:solidFill>
+                      <a:prstDash val="solid"/>
+                      <a:round/>
+                      <a:headEnd type="none" w="med" len="med"/>
+                      <a:tailEnd type="none" w="med" len="med"/>
+                    </a:lnR>
+                    <a:lnT w="12700" cap="flat" cmpd="sng" algn="ctr">
+                      <a:solidFill>
+                        <a:schemeClr val="tx1"/>
+                      </a:solidFill>
+                      <a:prstDash val="sysDot"/>
+                      <a:round/>
+                      <a:headEnd type="none" w="med" len="med"/>
+                      <a:tailEnd type="none" w="med" len="med"/>
+                    </a:lnT>
+                    <a:lnB w="12700" cap="flat" cmpd="sng" algn="ctr">
+                      <a:solidFill>
+                        <a:schemeClr val="tx1"/>
+                      </a:solidFill>
+                      <a:prstDash val="sysDot"/>
+                      <a:round/>
+                      <a:headEnd type="none" w="med" len="med"/>
+                      <a:tailEnd type="none" w="med" len="med"/>
+                    </a:lnB>
+                  </a:tcPr>
+                </a:tc>
+                <a:tc hMerge="1">
+                  <a:txBody>
+                    <a:bodyPr/>
+                    <a:lstStyle/>
+                    <a:p>
+                      <a:pPr latinLnBrk="1"/>
+                      <a:endParaRPr lang="ko-KR" altLang="en-US"/>
+                    </a:p>
+                  </a:txBody>
+                  <a:tcPr/>
+                </a:tc>
+                <a:tc>
+                  <a:txBody>
+                    <a:bodyPr/>
+                    <a:lstStyle/>
+                    <a:p>
+                      <a:pPr algn="ctr" latinLnBrk="1"/>
+                      <a:r>
+                        <a:rPr lang="en-US" altLang="ko-KR" sz="1100" dirty="0">
+                          <a:latin typeface="KoPub돋움체_Pro Light" panose="00000300000000000000" pitchFamily="50" charset="-127"/>
+                          <a:ea typeface="KoPub돋움체_Pro Light" panose="00000300000000000000" pitchFamily="50" charset="-127"/>
+                        </a:rPr>
+                        <a:t>728.6</a:t>
+                      </a:r>
+                      <a:endParaRPr lang="ko-KR" altLang="en-US" sz="1100" dirty="0">
+                        <a:latin typeface="KoPub돋움체_Pro Light" panose="00000300000000000000" pitchFamily="50" charset="-127"/>
+                        <a:ea typeface="KoPub돋움체_Pro Light" panose="00000300000000000000" pitchFamily="50" charset="-127"/>
+                      </a:endParaRPr>
+                    </a:p>
+                  </a:txBody>
+                  <a:tcPr anchor="ctr">
+                    <a:lnL w="6350" cap="flat" cmpd="sng" algn="ctr">
+                      <a:solidFill>
+                        <a:schemeClr val="tx1"/>
+                      </a:solidFill>
+                      <a:prstDash val="solid"/>
+                      <a:round/>
+                      <a:headEnd type="none" w="med" len="med"/>
+                      <a:tailEnd type="none" w="med" len="med"/>
+                    </a:lnL>
+                    <a:lnR w="19050" cap="flat" cmpd="sng" algn="ctr">
+                      <a:solidFill>
+                        <a:schemeClr val="tx1"/>
+                      </a:solidFill>
+                      <a:prstDash val="solid"/>
+                      <a:round/>
+                      <a:headEnd type="none" w="med" len="med"/>
+                      <a:tailEnd type="none" w="med" len="med"/>
+                    </a:lnR>
+                    <a:lnT w="12700" cap="flat" cmpd="sng" algn="ctr">
+                      <a:solidFill>
+                        <a:schemeClr val="tx1"/>
+                      </a:solidFill>
+                      <a:prstDash val="sysDot"/>
+                      <a:round/>
+                      <a:headEnd type="none" w="med" len="med"/>
+                      <a:tailEnd type="none" w="med" len="med"/>
+                    </a:lnT>
+                    <a:lnB w="12700" cap="flat" cmpd="sng" algn="ctr">
+                      <a:solidFill>
+                        <a:schemeClr val="tx1"/>
+                      </a:solidFill>
+                      <a:prstDash val="sysDot"/>
+                      <a:round/>
+                      <a:headEnd type="none" w="med" len="med"/>
+                      <a:tailEnd type="none" w="med" len="med"/>
+                    </a:lnB>
+                  </a:tcPr>
+                </a:tc>
+                <a:extLst>
+                  <a:ext uri="{0D108BD9-81ED-4DB2-BD59-A6C34878D82A}">
+                    <a16:rowId xmlns:a16="http://schemas.microsoft.com/office/drawing/2014/main" val="4068713392"/>
+                  </a:ext>
+                </a:extLst>
+              </a:tr>
+              <a:tr h="277197">
+                <a:tc gridSpan="2">
+                  <a:txBody>
+                    <a:bodyPr/>
+                    <a:lstStyle/>
+                    <a:p>
+                      <a:pPr algn="ctr" latinLnBrk="1"/>
+                      <a:r>
+                        <a:rPr lang="en-US" altLang="ko-KR" sz="1100" b="1" dirty="0">
+                          <a:solidFill>
+                            <a:srgbClr val="C00000"/>
+                          </a:solidFill>
+                          <a:latin typeface="KoPub돋움체_Pro Light" panose="00000300000000000000" pitchFamily="50" charset="-127"/>
+                          <a:ea typeface="KoPub돋움체_Pro Light" panose="00000300000000000000" pitchFamily="50" charset="-127"/>
+                        </a:rPr>
+                        <a:t> </a:t>
+                      </a:r>
+                      <a:r>
+                        <a:rPr lang="ko-KR" altLang="en-US" sz="1100" b="1" dirty="0">
+                          <a:solidFill>
+                            <a:srgbClr val="C00000"/>
+                          </a:solidFill>
+                          <a:latin typeface="KoPub돋움체_Pro Light" panose="00000300000000000000" pitchFamily="50" charset="-127"/>
+                          <a:ea typeface="KoPub돋움체_Pro Light" panose="00000300000000000000" pitchFamily="50" charset="-127"/>
+                        </a:rPr>
+                        <a:t>운영전압</a:t>
+                      </a:r>
+                      <a:r>
+                        <a:rPr lang="en-US" altLang="ko-KR" sz="1100" b="1" dirty="0">
+                          <a:solidFill>
+                            <a:srgbClr val="C00000"/>
+                          </a:solidFill>
+                          <a:latin typeface="KoPub돋움체_Pro Light" panose="00000300000000000000" pitchFamily="50" charset="-127"/>
+                          <a:ea typeface="KoPub돋움체_Pro Light" panose="00000300000000000000" pitchFamily="50" charset="-127"/>
+                        </a:rPr>
+                        <a:t>(TV)</a:t>
+                      </a:r>
+                      <a:endParaRPr lang="ko-KR" altLang="en-US" sz="1100" b="1" dirty="0">
+                        <a:solidFill>
+                          <a:srgbClr val="C00000"/>
+                        </a:solidFill>
+                        <a:latin typeface="KoPub돋움체_Pro Light" panose="00000300000000000000" pitchFamily="50" charset="-127"/>
+                        <a:ea typeface="KoPub돋움체_Pro Light" panose="00000300000000000000" pitchFamily="50" charset="-127"/>
+                      </a:endParaRPr>
+                    </a:p>
+                  </a:txBody>
+                  <a:tcPr anchor="ctr">
+                    <a:lnL w="19050" cap="flat" cmpd="sng" algn="ctr">
+                      <a:solidFill>
+                        <a:schemeClr val="tx1"/>
+                      </a:solidFill>
+                      <a:prstDash val="solid"/>
+                      <a:round/>
+                      <a:headEnd type="none" w="med" len="med"/>
+                      <a:tailEnd type="none" w="med" len="med"/>
+                    </a:lnL>
+                    <a:lnR w="6350" cap="flat" cmpd="sng" algn="ctr">
+                      <a:solidFill>
+                        <a:schemeClr val="tx1"/>
+                      </a:solidFill>
+                      <a:prstDash val="solid"/>
+                      <a:round/>
+                      <a:headEnd type="none" w="med" len="med"/>
+                      <a:tailEnd type="none" w="med" len="med"/>
+                    </a:lnR>
+                    <a:lnT w="12700" cap="flat" cmpd="sng" algn="ctr">
+                      <a:solidFill>
+                        <a:schemeClr val="tx1"/>
+                      </a:solidFill>
+                      <a:prstDash val="sysDot"/>
+                      <a:round/>
+                      <a:headEnd type="none" w="med" len="med"/>
+                      <a:tailEnd type="none" w="med" len="med"/>
+                    </a:lnT>
+                    <a:lnB w="12700" cap="flat" cmpd="sng" algn="ctr">
+                      <a:solidFill>
+                        <a:schemeClr val="tx1"/>
+                      </a:solidFill>
+                      <a:prstDash val="sysDot"/>
+                      <a:round/>
+                      <a:headEnd type="none" w="med" len="med"/>
+                      <a:tailEnd type="none" w="med" len="med"/>
+                    </a:lnB>
+                  </a:tcPr>
+                </a:tc>
+                <a:tc hMerge="1">
+                  <a:txBody>
+                    <a:bodyPr/>
+                    <a:lstStyle/>
+                    <a:p>
+                      <a:pPr latinLnBrk="1"/>
+                      <a:endParaRPr lang="ko-KR" altLang="en-US"/>
+                    </a:p>
+                  </a:txBody>
+                  <a:tcPr/>
+                </a:tc>
+                <a:tc>
+                  <a:txBody>
+                    <a:bodyPr/>
+                    <a:lstStyle/>
+                    <a:p>
+                      <a:pPr algn="ctr" latinLnBrk="1"/>
+                      <a:r>
+                        <a:rPr lang="en-US" altLang="ko-KR" sz="1100" b="1" dirty="0">
+                          <a:solidFill>
+                            <a:srgbClr val="C00000"/>
+                          </a:solidFill>
+                          <a:latin typeface="KoPub돋움체_Pro Light" panose="00000300000000000000" pitchFamily="50" charset="-127"/>
+                          <a:ea typeface="KoPub돋움체_Pro Light" panose="00000300000000000000" pitchFamily="50" charset="-127"/>
+                        </a:rPr>
+                        <a:t>633~772V</a:t>
+                      </a:r>
+                    </a:p>
+                  </a:txBody>
+                  <a:tcPr anchor="ctr">
+                    <a:lnL w="6350" cap="flat" cmpd="sng" algn="ctr">
+                      <a:solidFill>
+                        <a:schemeClr val="tx1"/>
+                      </a:solidFill>
+                      <a:prstDash val="solid"/>
+                      <a:round/>
+                      <a:headEnd type="none" w="med" len="med"/>
+                      <a:tailEnd type="none" w="med" len="med"/>
+                    </a:lnL>
+                    <a:lnR w="19050" cap="flat" cmpd="sng" algn="ctr">
+                      <a:solidFill>
+                        <a:schemeClr val="tx1"/>
+                      </a:solidFill>
+                      <a:prstDash val="solid"/>
+                      <a:round/>
+                      <a:headEnd type="none" w="med" len="med"/>
+                      <a:tailEnd type="none" w="med" len="med"/>
+                    </a:lnR>
+                    <a:lnT w="12700" cap="flat" cmpd="sng" algn="ctr">
+                      <a:solidFill>
+                        <a:schemeClr val="tx1"/>
+                      </a:solidFill>
+                      <a:prstDash val="sysDot"/>
+                      <a:round/>
+                      <a:headEnd type="none" w="med" len="med"/>
+                      <a:tailEnd type="none" w="med" len="med"/>
+                    </a:lnT>
+                    <a:lnB w="12700" cap="flat" cmpd="sng" algn="ctr">
+                      <a:solidFill>
+                        <a:schemeClr val="tx1"/>
+                      </a:solidFill>
+                      <a:prstDash val="sysDot"/>
+                      <a:round/>
+                      <a:headEnd type="none" w="med" len="med"/>
+                      <a:tailEnd type="none" w="med" len="med"/>
+                    </a:lnB>
+                  </a:tcPr>
+                </a:tc>
+                <a:extLst>
+                  <a:ext uri="{0D108BD9-81ED-4DB2-BD59-A6C34878D82A}">
+                    <a16:rowId xmlns:a16="http://schemas.microsoft.com/office/drawing/2014/main" val="3389701368"/>
+                  </a:ext>
+                </a:extLst>
+              </a:tr>
+              <a:tr h="277197">
+                <a:tc gridSpan="2">
+                  <a:txBody>
+                    <a:bodyPr/>
+                    <a:lstStyle/>
+                    <a:p>
+                      <a:pPr algn="ctr" latinLnBrk="1"/>
+                      <a:r>
+                        <a:rPr lang="ko-KR" altLang="en-US" sz="1100" dirty="0">
+                          <a:latin typeface="KoPub돋움체_Pro Light" panose="00000300000000000000" pitchFamily="50" charset="-127"/>
+                          <a:ea typeface="KoPub돋움체_Pro Light" panose="00000300000000000000" pitchFamily="50" charset="-127"/>
+                        </a:rPr>
+                        <a:t>총 에너지 용량 </a:t>
+                      </a:r>
+                    </a:p>
+                  </a:txBody>
+                  <a:tcPr anchor="ctr">
+                    <a:lnL w="19050" cap="flat" cmpd="sng" algn="ctr">
+                      <a:solidFill>
+                        <a:schemeClr val="tx1"/>
+                      </a:solidFill>
+                      <a:prstDash val="solid"/>
+                      <a:round/>
+                      <a:headEnd type="none" w="med" len="med"/>
+                      <a:tailEnd type="none" w="med" len="med"/>
+                    </a:lnL>
+                    <a:lnR w="6350" cap="flat" cmpd="sng" algn="ctr">
+                      <a:solidFill>
+                        <a:schemeClr val="tx1"/>
+                      </a:solidFill>
+                      <a:prstDash val="solid"/>
+                      <a:round/>
+                      <a:headEnd type="none" w="med" len="med"/>
+                      <a:tailEnd type="none" w="med" len="med"/>
+                    </a:lnR>
+                    <a:lnT w="12700" cap="flat" cmpd="sng" algn="ctr">
+                      <a:solidFill>
+                        <a:schemeClr val="tx1"/>
+                      </a:solidFill>
+                      <a:prstDash val="sysDot"/>
+                      <a:round/>
+                      <a:headEnd type="none" w="med" len="med"/>
+                      <a:tailEnd type="none" w="med" len="med"/>
+                    </a:lnT>
+                    <a:lnB w="12700" cap="flat" cmpd="sng" algn="ctr">
+                      <a:solidFill>
+                        <a:schemeClr val="tx1"/>
+                      </a:solidFill>
+                      <a:prstDash val="sysDot"/>
+                      <a:round/>
+                      <a:headEnd type="none" w="med" len="med"/>
+                      <a:tailEnd type="none" w="med" len="med"/>
+                    </a:lnB>
+                  </a:tcPr>
+                </a:tc>
+                <a:tc hMerge="1">
+                  <a:txBody>
+                    <a:bodyPr/>
+                    <a:lstStyle/>
+                    <a:p>
+                      <a:pPr latinLnBrk="1"/>
+                      <a:endParaRPr lang="ko-KR" altLang="en-US"/>
+                    </a:p>
+                  </a:txBody>
+                  <a:tcPr/>
+                </a:tc>
+                <a:tc>
+                  <a:txBody>
+                    <a:bodyPr/>
+                    <a:lstStyle/>
+                    <a:p>
+                      <a:pPr algn="ctr" latinLnBrk="1"/>
+                      <a:r>
+                        <a:rPr lang="en-US" altLang="ko-KR" sz="1100" dirty="0">
+                          <a:latin typeface="KoPub돋움체_Pro Light" panose="00000300000000000000" pitchFamily="50" charset="-127"/>
+                          <a:ea typeface="KoPub돋움체_Pro Light" panose="00000300000000000000" pitchFamily="50" charset="-127"/>
+                        </a:rPr>
+                        <a:t>70.6kWh</a:t>
+                      </a:r>
+                      <a:endParaRPr lang="ko-KR" altLang="en-US" sz="1100" dirty="0">
+                        <a:latin typeface="KoPub돋움체_Pro Light" panose="00000300000000000000" pitchFamily="50" charset="-127"/>
+                        <a:ea typeface="KoPub돋움체_Pro Light" panose="00000300000000000000" pitchFamily="50" charset="-127"/>
+                      </a:endParaRPr>
+                    </a:p>
+                  </a:txBody>
+                  <a:tcPr anchor="ctr">
+                    <a:lnL w="6350" cap="flat" cmpd="sng" algn="ctr">
+                      <a:solidFill>
+                        <a:schemeClr val="tx1"/>
+                      </a:solidFill>
+                      <a:prstDash val="solid"/>
+                      <a:round/>
+                      <a:headEnd type="none" w="med" len="med"/>
+                      <a:tailEnd type="none" w="med" len="med"/>
+                    </a:lnL>
+                    <a:lnR w="19050" cap="flat" cmpd="sng" algn="ctr">
+                      <a:solidFill>
+                        <a:schemeClr val="tx1"/>
+                      </a:solidFill>
+                      <a:prstDash val="solid"/>
+                      <a:round/>
+                      <a:headEnd type="none" w="med" len="med"/>
+                      <a:tailEnd type="none" w="med" len="med"/>
+                    </a:lnR>
+                    <a:lnT w="12700" cap="flat" cmpd="sng" algn="ctr">
+                      <a:solidFill>
+                        <a:schemeClr val="tx1"/>
+                      </a:solidFill>
+                      <a:prstDash val="sysDot"/>
+                      <a:round/>
+                      <a:headEnd type="none" w="med" len="med"/>
+                      <a:tailEnd type="none" w="med" len="med"/>
+                    </a:lnT>
+                    <a:lnB w="12700" cap="flat" cmpd="sng" algn="ctr">
+                      <a:solidFill>
+                        <a:schemeClr val="tx1"/>
+                      </a:solidFill>
+                      <a:prstDash val="sysDot"/>
+                      <a:round/>
+                      <a:headEnd type="none" w="med" len="med"/>
+                      <a:tailEnd type="none" w="med" len="med"/>
+                    </a:lnB>
+                  </a:tcPr>
+                </a:tc>
+                <a:extLst>
+                  <a:ext uri="{0D108BD9-81ED-4DB2-BD59-A6C34878D82A}">
+                    <a16:rowId xmlns:a16="http://schemas.microsoft.com/office/drawing/2014/main" val="2716020390"/>
+                  </a:ext>
+                </a:extLst>
+              </a:tr>
+              <a:tr h="277197">
+                <a:tc gridSpan="2">
+                  <a:txBody>
+                    <a:bodyPr/>
+                    <a:lstStyle/>
+                    <a:p>
+                      <a:pPr algn="ctr" latinLnBrk="1"/>
+                      <a:r>
+                        <a:rPr lang="ko-KR" altLang="en-US" sz="1100" b="1" dirty="0">
+                          <a:solidFill>
+                            <a:srgbClr val="C00000"/>
+                          </a:solidFill>
+                          <a:latin typeface="KoPub돋움체_Pro Light" panose="00000300000000000000" pitchFamily="50" charset="-127"/>
+                          <a:ea typeface="KoPub돋움체_Pro Light" panose="00000300000000000000" pitchFamily="50" charset="-127"/>
+                        </a:rPr>
+                        <a:t>정격 에너지 용량 </a:t>
+                      </a:r>
+                    </a:p>
+                  </a:txBody>
+                  <a:tcPr anchor="ctr">
+                    <a:lnL w="19050" cap="flat" cmpd="sng" algn="ctr">
+                      <a:solidFill>
+                        <a:schemeClr val="tx1"/>
+                      </a:solidFill>
+                      <a:prstDash val="solid"/>
+                      <a:round/>
+                      <a:headEnd type="none" w="med" len="med"/>
+                      <a:tailEnd type="none" w="med" len="med"/>
+                    </a:lnL>
+                    <a:lnR w="6350" cap="flat" cmpd="sng" algn="ctr">
+                      <a:solidFill>
+                        <a:schemeClr val="tx1"/>
+                      </a:solidFill>
+                      <a:prstDash val="solid"/>
+                      <a:round/>
+                      <a:headEnd type="none" w="med" len="med"/>
+                      <a:tailEnd type="none" w="med" len="med"/>
+                    </a:lnR>
+                    <a:lnT w="12700" cap="flat" cmpd="sng" algn="ctr">
+                      <a:solidFill>
+                        <a:schemeClr val="tx1"/>
+                      </a:solidFill>
+                      <a:prstDash val="sysDot"/>
+                      <a:round/>
+                      <a:headEnd type="none" w="med" len="med"/>
+                      <a:tailEnd type="none" w="med" len="med"/>
+                    </a:lnT>
+                    <a:lnB w="12700" cap="flat" cmpd="sng" algn="ctr">
+                      <a:solidFill>
+                        <a:schemeClr val="tx1"/>
+                      </a:solidFill>
+                      <a:prstDash val="sysDot"/>
+                      <a:round/>
+                      <a:headEnd type="none" w="med" len="med"/>
+                      <a:tailEnd type="none" w="med" len="med"/>
+                    </a:lnB>
+                  </a:tcPr>
+                </a:tc>
+                <a:tc hMerge="1">
+                  <a:txBody>
+                    <a:bodyPr/>
+                    <a:lstStyle/>
+                    <a:p>
+                      <a:pPr latinLnBrk="1"/>
+                      <a:endParaRPr lang="ko-KR" altLang="en-US"/>
+                    </a:p>
+                  </a:txBody>
+                  <a:tcPr/>
+                </a:tc>
+                <a:tc>
+                  <a:txBody>
+                    <a:bodyPr/>
+                    <a:lstStyle/>
+                    <a:p>
+                      <a:pPr marL="0" marR="0" lvl="0" indent="0" algn="ctr" defTabSz="914400" rtl="0" eaLnBrk="1" fontAlgn="auto" latinLnBrk="1" hangingPunct="1">
+                        <a:lnSpc>
+                          <a:spcPct val="100000"/>
+                        </a:lnSpc>
+                        <a:spcBef>
+                          <a:spcPts val="0"/>
+                        </a:spcBef>
+                        <a:spcAft>
+                          <a:spcPts val="0"/>
+                        </a:spcAft>
+                        <a:buClrTx/>
+                        <a:buSzTx/>
+                        <a:buFontTx/>
+                        <a:buNone/>
+                        <a:tabLst/>
+                        <a:defRPr/>
+                      </a:pPr>
+                      <a:r>
+                        <a:rPr lang="en-US" altLang="ko-KR" sz="1000" b="1" dirty="0">
+                          <a:solidFill>
+                            <a:srgbClr val="C00000"/>
+                          </a:solidFill>
+                          <a:latin typeface="KoPub돋움체_Pro Light" panose="00000300000000000000" pitchFamily="50" charset="-127"/>
+                          <a:ea typeface="KoPub돋움체_Pro Light" panose="00000300000000000000" pitchFamily="50" charset="-127"/>
+                        </a:rPr>
+                        <a:t>50.9kWh(DoD 7%)</a:t>
+                      </a:r>
+                      <a:endParaRPr lang="ko-KR" altLang="en-US" sz="1000" b="1" dirty="0">
+                        <a:solidFill>
+                          <a:srgbClr val="C00000"/>
+                        </a:solidFill>
+                        <a:latin typeface="KoPub돋움체_Pro Light" panose="00000300000000000000" pitchFamily="50" charset="-127"/>
+                        <a:ea typeface="KoPub돋움체_Pro Light" panose="00000300000000000000" pitchFamily="50" charset="-127"/>
+                      </a:endParaRPr>
+                    </a:p>
+                  </a:txBody>
+                  <a:tcPr anchor="ctr">
+                    <a:lnL w="6350" cap="flat" cmpd="sng" algn="ctr">
+                      <a:solidFill>
+                        <a:schemeClr val="tx1"/>
+                      </a:solidFill>
+                      <a:prstDash val="solid"/>
+                      <a:round/>
+                      <a:headEnd type="none" w="med" len="med"/>
+                      <a:tailEnd type="none" w="med" len="med"/>
+                    </a:lnL>
+                    <a:lnR w="19050" cap="flat" cmpd="sng" algn="ctr">
+                      <a:solidFill>
+                        <a:schemeClr val="tx1"/>
+                      </a:solidFill>
+                      <a:prstDash val="solid"/>
+                      <a:round/>
+                      <a:headEnd type="none" w="med" len="med"/>
+                      <a:tailEnd type="none" w="med" len="med"/>
+                    </a:lnR>
+                    <a:lnT w="12700" cap="flat" cmpd="sng" algn="ctr">
+                      <a:solidFill>
+                        <a:schemeClr val="tx1"/>
+                      </a:solidFill>
+                      <a:prstDash val="sysDot"/>
+                      <a:round/>
+                      <a:headEnd type="none" w="med" len="med"/>
+                      <a:tailEnd type="none" w="med" len="med"/>
+                    </a:lnT>
+                    <a:lnB w="12700" cap="flat" cmpd="sng" algn="ctr">
+                      <a:solidFill>
+                        <a:schemeClr val="tx1"/>
+                      </a:solidFill>
+                      <a:prstDash val="sysDot"/>
+                      <a:round/>
+                      <a:headEnd type="none" w="med" len="med"/>
+                      <a:tailEnd type="none" w="med" len="med"/>
+                    </a:lnB>
+                  </a:tcPr>
+                </a:tc>
+                <a:extLst>
+                  <a:ext uri="{0D108BD9-81ED-4DB2-BD59-A6C34878D82A}">
+                    <a16:rowId xmlns:a16="http://schemas.microsoft.com/office/drawing/2014/main" val="2473932931"/>
+                  </a:ext>
+                </a:extLst>
+              </a:tr>
+              <a:tr h="277197">
+                <a:tc rowSpan="4">
+                  <a:txBody>
+                    <a:bodyPr/>
+                    <a:lstStyle/>
+                    <a:p>
+                      <a:pPr algn="ctr" latinLnBrk="1"/>
+                      <a:r>
+                        <a:rPr lang="ko-KR" altLang="en-US" sz="1100" dirty="0">
+                          <a:latin typeface="KoPub돋움체_Pro Light" panose="00000300000000000000" pitchFamily="50" charset="-127"/>
+                          <a:ea typeface="KoPub돋움체_Pro Light" panose="00000300000000000000" pitchFamily="50" charset="-127"/>
+                        </a:rPr>
+                        <a:t>충전 </a:t>
+                      </a:r>
+                    </a:p>
+                  </a:txBody>
+                  <a:tcPr anchor="ctr">
+                    <a:lnL w="19050" cap="flat" cmpd="sng" algn="ctr">
+                      <a:solidFill>
+                        <a:schemeClr val="tx1"/>
+                      </a:solidFill>
+                      <a:prstDash val="solid"/>
+                      <a:round/>
+                      <a:headEnd type="none" w="med" len="med"/>
+                      <a:tailEnd type="none" w="med" len="med"/>
+                    </a:lnL>
+                    <a:lnR w="12700" cap="flat" cmpd="sng" algn="ctr">
+                      <a:solidFill>
+                        <a:schemeClr val="tx1"/>
+                      </a:solidFill>
+                      <a:prstDash val="sysDot"/>
+                      <a:round/>
+                      <a:headEnd type="none" w="med" len="med"/>
+                      <a:tailEnd type="none" w="med" len="med"/>
+                    </a:lnR>
+                    <a:lnT w="12700" cap="flat" cmpd="sng" algn="ctr">
+                      <a:solidFill>
+                        <a:schemeClr val="tx1"/>
+                      </a:solidFill>
+                      <a:prstDash val="sysDot"/>
+                      <a:round/>
+                      <a:headEnd type="none" w="med" len="med"/>
+                      <a:tailEnd type="none" w="med" len="med"/>
+                    </a:lnT>
+                    <a:lnB w="12700" cap="flat" cmpd="sng" algn="ctr">
+                      <a:solidFill>
+                        <a:schemeClr val="tx1"/>
+                      </a:solidFill>
+                      <a:prstDash val="sysDot"/>
+                      <a:round/>
+                      <a:headEnd type="none" w="med" len="med"/>
+                      <a:tailEnd type="none" w="med" len="med"/>
+                    </a:lnB>
+                  </a:tcPr>
+                </a:tc>
+                <a:tc>
+                  <a:txBody>
+                    <a:bodyPr/>
+                    <a:lstStyle/>
+                    <a:p>
+                      <a:pPr algn="ctr" latinLnBrk="1"/>
+                      <a:r>
+                        <a:rPr lang="ko-KR" altLang="en-US" sz="1100" dirty="0">
+                          <a:latin typeface="KoPub돋움체_Pro Light" panose="00000300000000000000" pitchFamily="50" charset="-127"/>
+                          <a:ea typeface="KoPub돋움체_Pro Light" panose="00000300000000000000" pitchFamily="50" charset="-127"/>
+                        </a:rPr>
+                        <a:t>충전 방식</a:t>
+                      </a:r>
+                    </a:p>
+                  </a:txBody>
+                  <a:tcPr anchor="ctr">
+                    <a:lnL w="12700" cap="flat" cmpd="sng" algn="ctr">
+                      <a:solidFill>
+                        <a:schemeClr val="tx1"/>
+                      </a:solidFill>
+                      <a:prstDash val="sysDot"/>
+                      <a:round/>
+                      <a:headEnd type="none" w="med" len="med"/>
+                      <a:tailEnd type="none" w="med" len="med"/>
+                    </a:lnL>
+                    <a:lnR w="6350" cap="flat" cmpd="sng" algn="ctr">
+                      <a:solidFill>
+                        <a:schemeClr val="tx1"/>
+                      </a:solidFill>
+                      <a:prstDash val="solid"/>
+                      <a:round/>
+                      <a:headEnd type="none" w="med" len="med"/>
+                      <a:tailEnd type="none" w="med" len="med"/>
+                    </a:lnR>
+                    <a:lnT w="12700" cap="flat" cmpd="sng" algn="ctr">
+                      <a:solidFill>
+                        <a:schemeClr val="tx1"/>
+                      </a:solidFill>
+                      <a:prstDash val="sysDot"/>
+                      <a:round/>
+                      <a:headEnd type="none" w="med" len="med"/>
+                      <a:tailEnd type="none" w="med" len="med"/>
+                    </a:lnT>
+                    <a:lnB w="12700" cap="flat" cmpd="sng" algn="ctr">
+                      <a:solidFill>
+                        <a:schemeClr val="tx1"/>
+                      </a:solidFill>
+                      <a:prstDash val="sysDot"/>
+                      <a:round/>
+                      <a:headEnd type="none" w="med" len="med"/>
+                      <a:tailEnd type="none" w="med" len="med"/>
+                    </a:lnB>
+                  </a:tcPr>
+                </a:tc>
+                <a:tc>
+                  <a:txBody>
+                    <a:bodyPr/>
+                    <a:lstStyle/>
+                    <a:p>
+                      <a:pPr algn="ctr" latinLnBrk="1"/>
+                      <a:r>
+                        <a:rPr lang="en-US" altLang="ko-KR" sz="1100" dirty="0">
+                          <a:latin typeface="KoPub돋움체_Pro Light" panose="00000300000000000000" pitchFamily="50" charset="-127"/>
+                          <a:ea typeface="KoPub돋움체_Pro Light" panose="00000300000000000000" pitchFamily="50" charset="-127"/>
+                        </a:rPr>
+                        <a:t>CC - CV</a:t>
+                      </a:r>
+                    </a:p>
+                  </a:txBody>
+                  <a:tcPr anchor="ctr">
+                    <a:lnL w="6350" cap="flat" cmpd="sng" algn="ctr">
+                      <a:solidFill>
+                        <a:schemeClr val="tx1"/>
+                      </a:solidFill>
+                      <a:prstDash val="solid"/>
+                      <a:round/>
+                      <a:headEnd type="none" w="med" len="med"/>
+                      <a:tailEnd type="none" w="med" len="med"/>
+                    </a:lnL>
+                    <a:lnR w="19050" cap="flat" cmpd="sng" algn="ctr">
+                      <a:solidFill>
+                        <a:schemeClr val="tx1"/>
+                      </a:solidFill>
+                      <a:prstDash val="solid"/>
+                      <a:round/>
+                      <a:headEnd type="none" w="med" len="med"/>
+                      <a:tailEnd type="none" w="med" len="med"/>
+                    </a:lnR>
+                    <a:lnT w="12700" cap="flat" cmpd="sng" algn="ctr">
+                      <a:solidFill>
+                        <a:schemeClr val="tx1"/>
+                      </a:solidFill>
+                      <a:prstDash val="sysDot"/>
+                      <a:round/>
+                      <a:headEnd type="none" w="med" len="med"/>
+                      <a:tailEnd type="none" w="med" len="med"/>
+                    </a:lnT>
+                    <a:lnB w="12700" cap="flat" cmpd="sng" algn="ctr">
+                      <a:solidFill>
+                        <a:schemeClr val="tx1"/>
+                      </a:solidFill>
+                      <a:prstDash val="sysDot"/>
+                      <a:round/>
+                      <a:headEnd type="none" w="med" len="med"/>
+                      <a:tailEnd type="none" w="med" len="med"/>
+                    </a:lnB>
+                  </a:tcPr>
+                </a:tc>
+                <a:extLst>
+                  <a:ext uri="{0D108BD9-81ED-4DB2-BD59-A6C34878D82A}">
+                    <a16:rowId xmlns:a16="http://schemas.microsoft.com/office/drawing/2014/main" val="877069950"/>
+                  </a:ext>
+                </a:extLst>
+              </a:tr>
+              <a:tr h="277197">
+                <a:tc vMerge="1">
+                  <a:txBody>
+                    <a:bodyPr/>
+                    <a:lstStyle/>
+                    <a:p>
+                      <a:pPr algn="ctr" latinLnBrk="1"/>
+                      <a:endParaRPr lang="ko-KR" altLang="en-US" sz="1200" dirty="0">
+                        <a:ea typeface="KoPub돋움체 Bold" panose="02020603020101020101"/>
+                      </a:endParaRPr>
+                    </a:p>
+                  </a:txBody>
+                  <a:tcPr anchor="ctr">
+                    <a:lnR w="12700" cap="flat" cmpd="sng" algn="ctr">
+                      <a:solidFill>
+                        <a:schemeClr val="tx1"/>
+                      </a:solidFill>
+                      <a:prstDash val="solid"/>
+                      <a:round/>
+                      <a:headEnd type="none" w="med" len="med"/>
+                      <a:tailEnd type="none" w="med" len="med"/>
+                    </a:lnR>
+                    <a:lnT w="12700" cap="flat" cmpd="sng" algn="ctr">
+                      <a:solidFill>
+                        <a:schemeClr val="tx1"/>
+                      </a:solidFill>
+                      <a:prstDash val="sysDot"/>
+                      <a:round/>
+                      <a:headEnd type="none" w="med" len="med"/>
+                      <a:tailEnd type="none" w="med" len="med"/>
+                    </a:lnT>
+                    <a:lnB w="12700" cap="flat" cmpd="sng" algn="ctr">
+                      <a:solidFill>
+                        <a:schemeClr val="tx1"/>
+                      </a:solidFill>
+                      <a:prstDash val="sysDot"/>
+                      <a:round/>
+                      <a:headEnd type="none" w="med" len="med"/>
+                      <a:tailEnd type="none" w="med" len="med"/>
+                    </a:lnB>
+                  </a:tcPr>
+                </a:tc>
+                <a:tc>
+                  <a:txBody>
+                    <a:bodyPr/>
+                    <a:lstStyle/>
+                    <a:p>
+                      <a:pPr algn="ctr" latinLnBrk="1"/>
+                      <a:r>
+                        <a:rPr lang="ko-KR" altLang="en-US" sz="1100" dirty="0">
+                          <a:latin typeface="KoPub돋움체_Pro Light" panose="00000300000000000000" pitchFamily="50" charset="-127"/>
+                          <a:ea typeface="KoPub돋움체_Pro Light" panose="00000300000000000000" pitchFamily="50" charset="-127"/>
+                        </a:rPr>
+                        <a:t>권장 전류 </a:t>
+                      </a:r>
+                    </a:p>
+                  </a:txBody>
+                  <a:tcPr anchor="ctr">
+                    <a:lnL w="12700" cap="flat" cmpd="sng" algn="ctr">
+                      <a:solidFill>
+                        <a:schemeClr val="tx1"/>
+                      </a:solidFill>
+                      <a:prstDash val="sysDot"/>
+                      <a:round/>
+                      <a:headEnd type="none" w="med" len="med"/>
+                      <a:tailEnd type="none" w="med" len="med"/>
+                    </a:lnL>
+                    <a:lnR w="6350" cap="flat" cmpd="sng" algn="ctr">
+                      <a:solidFill>
+                        <a:schemeClr val="tx1"/>
+                      </a:solidFill>
+                      <a:prstDash val="solid"/>
+                      <a:round/>
+                      <a:headEnd type="none" w="med" len="med"/>
+                      <a:tailEnd type="none" w="med" len="med"/>
+                    </a:lnR>
+                    <a:lnT w="12700" cap="flat" cmpd="sng" algn="ctr">
+                      <a:solidFill>
+                        <a:schemeClr val="tx1"/>
+                      </a:solidFill>
+                      <a:prstDash val="sysDot"/>
+                      <a:round/>
+                      <a:headEnd type="none" w="med" len="med"/>
+                      <a:tailEnd type="none" w="med" len="med"/>
+                    </a:lnT>
+                    <a:lnB w="12700" cap="flat" cmpd="sng" algn="ctr">
+                      <a:solidFill>
+                        <a:schemeClr val="tx1"/>
+                      </a:solidFill>
+                      <a:prstDash val="sysDot"/>
+                      <a:round/>
+                      <a:headEnd type="none" w="med" len="med"/>
+                      <a:tailEnd type="none" w="med" len="med"/>
+                    </a:lnB>
+                  </a:tcPr>
+                </a:tc>
+                <a:tc>
+                  <a:txBody>
+                    <a:bodyPr/>
+                    <a:lstStyle/>
+                    <a:p>
+                      <a:pPr algn="ctr" latinLnBrk="1"/>
+                      <a:r>
+                        <a:rPr lang="en-US" altLang="ko-KR" sz="1100" dirty="0">
+                          <a:latin typeface="KoPub돋움체_Pro Light" panose="00000300000000000000" pitchFamily="50" charset="-127"/>
+                          <a:ea typeface="KoPub돋움체_Pro Light" panose="00000300000000000000" pitchFamily="50" charset="-127"/>
+                        </a:rPr>
+                        <a:t>40A</a:t>
+                      </a:r>
+                    </a:p>
+                  </a:txBody>
+                  <a:tcPr anchor="ctr">
+                    <a:lnL w="6350" cap="flat" cmpd="sng" algn="ctr">
+                      <a:solidFill>
+                        <a:schemeClr val="tx1"/>
+                      </a:solidFill>
+                      <a:prstDash val="solid"/>
+                      <a:round/>
+                      <a:headEnd type="none" w="med" len="med"/>
+                      <a:tailEnd type="none" w="med" len="med"/>
+                    </a:lnL>
+                    <a:lnR w="19050" cap="flat" cmpd="sng" algn="ctr">
+                      <a:solidFill>
+                        <a:schemeClr val="tx1"/>
+                      </a:solidFill>
+                      <a:prstDash val="solid"/>
+                      <a:round/>
+                      <a:headEnd type="none" w="med" len="med"/>
+                      <a:tailEnd type="none" w="med" len="med"/>
+                    </a:lnR>
+                    <a:lnT w="12700" cap="flat" cmpd="sng" algn="ctr">
+                      <a:solidFill>
+                        <a:schemeClr val="tx1"/>
+                      </a:solidFill>
+                      <a:prstDash val="sysDot"/>
+                      <a:round/>
+                      <a:headEnd type="none" w="med" len="med"/>
+                      <a:tailEnd type="none" w="med" len="med"/>
+                    </a:lnT>
+                    <a:lnB w="12700" cap="flat" cmpd="sng" algn="ctr">
+                      <a:solidFill>
+                        <a:schemeClr val="tx1"/>
+                      </a:solidFill>
+                      <a:prstDash val="sysDot"/>
+                      <a:round/>
+                      <a:headEnd type="none" w="med" len="med"/>
+                      <a:tailEnd type="none" w="med" len="med"/>
+                    </a:lnB>
+                  </a:tcPr>
+                </a:tc>
+                <a:extLst>
+                  <a:ext uri="{0D108BD9-81ED-4DB2-BD59-A6C34878D82A}">
+                    <a16:rowId xmlns:a16="http://schemas.microsoft.com/office/drawing/2014/main" val="1011964604"/>
+                  </a:ext>
+                </a:extLst>
+              </a:tr>
+              <a:tr h="277197">
+                <a:tc vMerge="1">
+                  <a:txBody>
+                    <a:bodyPr/>
+                    <a:lstStyle/>
+                    <a:p>
+                      <a:pPr algn="ctr" latinLnBrk="1"/>
+                      <a:endParaRPr lang="ko-KR" altLang="en-US" sz="1200" dirty="0">
+                        <a:ea typeface="KoPub돋움체 Bold" panose="02020603020101020101"/>
+                      </a:endParaRPr>
+                    </a:p>
+                  </a:txBody>
+                  <a:tcPr anchor="ctr">
+                    <a:lnR w="12700" cap="flat" cmpd="sng" algn="ctr">
+                      <a:solidFill>
+                        <a:schemeClr val="tx1"/>
+                      </a:solidFill>
+                      <a:prstDash val="solid"/>
+                      <a:round/>
+                      <a:headEnd type="none" w="med" len="med"/>
+                      <a:tailEnd type="none" w="med" len="med"/>
+                    </a:lnR>
+                    <a:lnT w="12700" cap="flat" cmpd="sng" algn="ctr">
+                      <a:solidFill>
+                        <a:schemeClr val="tx1"/>
+                      </a:solidFill>
+                      <a:prstDash val="sysDot"/>
+                      <a:round/>
+                      <a:headEnd type="none" w="med" len="med"/>
+                      <a:tailEnd type="none" w="med" len="med"/>
+                    </a:lnT>
+                    <a:lnB w="12700" cap="flat" cmpd="sng" algn="ctr">
+                      <a:solidFill>
+                        <a:schemeClr val="tx1"/>
+                      </a:solidFill>
+                      <a:prstDash val="sysDot"/>
+                      <a:round/>
+                      <a:headEnd type="none" w="med" len="med"/>
+                      <a:tailEnd type="none" w="med" len="med"/>
+                    </a:lnB>
+                  </a:tcPr>
+                </a:tc>
+                <a:tc>
+                  <a:txBody>
+                    <a:bodyPr/>
+                    <a:lstStyle/>
+                    <a:p>
+                      <a:pPr algn="ctr" latinLnBrk="1"/>
+                      <a:r>
+                        <a:rPr lang="ko-KR" altLang="en-US" sz="1100" dirty="0">
+                          <a:latin typeface="KoPub돋움체_Pro Light" panose="00000300000000000000" pitchFamily="50" charset="-127"/>
+                          <a:ea typeface="KoPub돋움체_Pro Light" panose="00000300000000000000" pitchFamily="50" charset="-127"/>
+                        </a:rPr>
+                        <a:t>연속 전류</a:t>
+                      </a:r>
+                    </a:p>
+                  </a:txBody>
+                  <a:tcPr anchor="ctr">
+                    <a:lnL w="12700" cap="flat" cmpd="sng" algn="ctr">
+                      <a:solidFill>
+                        <a:schemeClr val="tx1"/>
+                      </a:solidFill>
+                      <a:prstDash val="sysDot"/>
+                      <a:round/>
+                      <a:headEnd type="none" w="med" len="med"/>
+                      <a:tailEnd type="none" w="med" len="med"/>
+                    </a:lnL>
+                    <a:lnR w="6350" cap="flat" cmpd="sng" algn="ctr">
+                      <a:solidFill>
+                        <a:schemeClr val="tx1"/>
+                      </a:solidFill>
+                      <a:prstDash val="solid"/>
+                      <a:round/>
+                      <a:headEnd type="none" w="med" len="med"/>
+                      <a:tailEnd type="none" w="med" len="med"/>
+                    </a:lnR>
+                    <a:lnT w="12700" cap="flat" cmpd="sng" algn="ctr">
+                      <a:solidFill>
+                        <a:schemeClr val="tx1"/>
+                      </a:solidFill>
+                      <a:prstDash val="sysDot"/>
+                      <a:round/>
+                      <a:headEnd type="none" w="med" len="med"/>
+                      <a:tailEnd type="none" w="med" len="med"/>
+                    </a:lnT>
+                    <a:lnB w="12700" cap="flat" cmpd="sng" algn="ctr">
+                      <a:solidFill>
+                        <a:schemeClr val="tx1"/>
+                      </a:solidFill>
+                      <a:prstDash val="sysDot"/>
+                      <a:round/>
+                      <a:headEnd type="none" w="med" len="med"/>
+                      <a:tailEnd type="none" w="med" len="med"/>
+                    </a:lnB>
+                  </a:tcPr>
+                </a:tc>
+                <a:tc>
+                  <a:txBody>
+                    <a:bodyPr/>
+                    <a:lstStyle/>
+                    <a:p>
+                      <a:pPr marL="0" marR="0" lvl="0" indent="0" algn="ctr" defTabSz="914400" rtl="0" eaLnBrk="1" fontAlgn="auto" latinLnBrk="1" hangingPunct="1">
+                        <a:lnSpc>
+                          <a:spcPct val="100000"/>
+                        </a:lnSpc>
+                        <a:spcBef>
+                          <a:spcPts val="0"/>
+                        </a:spcBef>
+                        <a:spcAft>
+                          <a:spcPts val="0"/>
+                        </a:spcAft>
+                        <a:buClrTx/>
+                        <a:buSzTx/>
+                        <a:buFontTx/>
+                        <a:buNone/>
+                        <a:tabLst/>
+                        <a:defRPr/>
+                      </a:pPr>
+                      <a:r>
+                        <a:rPr lang="en-US" altLang="ko-KR" sz="1100" dirty="0">
+                          <a:latin typeface="KoPub돋움체_Pro Light" panose="00000300000000000000" pitchFamily="50" charset="-127"/>
+                          <a:ea typeface="KoPub돋움체_Pro Light" panose="00000300000000000000" pitchFamily="50" charset="-127"/>
+                        </a:rPr>
+                        <a:t>70A</a:t>
+                      </a:r>
+                    </a:p>
+                  </a:txBody>
+                  <a:tcPr anchor="ctr">
+                    <a:lnL w="6350" cap="flat" cmpd="sng" algn="ctr">
+                      <a:solidFill>
+                        <a:schemeClr val="tx1"/>
+                      </a:solidFill>
+                      <a:prstDash val="solid"/>
+                      <a:round/>
+                      <a:headEnd type="none" w="med" len="med"/>
+                      <a:tailEnd type="none" w="med" len="med"/>
+                    </a:lnL>
+                    <a:lnR w="19050" cap="flat" cmpd="sng" algn="ctr">
+                      <a:solidFill>
+                        <a:schemeClr val="tx1"/>
+                      </a:solidFill>
+                      <a:prstDash val="solid"/>
+                      <a:round/>
+                      <a:headEnd type="none" w="med" len="med"/>
+                      <a:tailEnd type="none" w="med" len="med"/>
+                    </a:lnR>
+                    <a:lnT w="12700" cap="flat" cmpd="sng" algn="ctr">
+                      <a:solidFill>
+                        <a:schemeClr val="tx1"/>
+                      </a:solidFill>
+                      <a:prstDash val="sysDot"/>
+                      <a:round/>
+                      <a:headEnd type="none" w="med" len="med"/>
+                      <a:tailEnd type="none" w="med" len="med"/>
+                    </a:lnT>
+                    <a:lnB w="12700" cap="flat" cmpd="sng" algn="ctr">
+                      <a:solidFill>
+                        <a:schemeClr val="tx1"/>
+                      </a:solidFill>
+                      <a:prstDash val="sysDot"/>
+                      <a:round/>
+                      <a:headEnd type="none" w="med" len="med"/>
+                      <a:tailEnd type="none" w="med" len="med"/>
+                    </a:lnB>
+                  </a:tcPr>
+                </a:tc>
+                <a:extLst>
+                  <a:ext uri="{0D108BD9-81ED-4DB2-BD59-A6C34878D82A}">
+                    <a16:rowId xmlns:a16="http://schemas.microsoft.com/office/drawing/2014/main" val="2268218203"/>
+                  </a:ext>
+                </a:extLst>
+              </a:tr>
+              <a:tr h="277197">
+                <a:tc vMerge="1">
+                  <a:txBody>
+                    <a:bodyPr/>
+                    <a:lstStyle/>
+                    <a:p>
+                      <a:pPr algn="ctr" latinLnBrk="1"/>
+                      <a:endParaRPr lang="ko-KR" altLang="en-US" sz="1100" dirty="0">
+                        <a:ea typeface="KoPub돋움체 Bold" panose="02020603020101020101"/>
+                      </a:endParaRPr>
+                    </a:p>
+                  </a:txBody>
+                  <a:tcPr anchor="ctr">
+                    <a:lnL w="28575" cap="flat" cmpd="sng" algn="ctr">
+                      <a:solidFill>
+                        <a:schemeClr val="tx1"/>
+                      </a:solidFill>
+                      <a:prstDash val="solid"/>
+                      <a:round/>
+                      <a:headEnd type="none" w="med" len="med"/>
+                      <a:tailEnd type="none" w="med" len="med"/>
+                    </a:lnL>
+                    <a:lnR w="12700" cap="flat" cmpd="sng" algn="ctr">
+                      <a:solidFill>
+                        <a:schemeClr val="tx1"/>
+                      </a:solidFill>
+                      <a:prstDash val="sysDot"/>
+                      <a:round/>
+                      <a:headEnd type="none" w="med" len="med"/>
+                      <a:tailEnd type="none" w="med" len="med"/>
+                    </a:lnR>
+                    <a:lnT w="12700" cap="flat" cmpd="sng" algn="ctr">
+                      <a:solidFill>
+                        <a:schemeClr val="tx1"/>
+                      </a:solidFill>
+                      <a:prstDash val="sysDot"/>
+                      <a:round/>
+                      <a:headEnd type="none" w="med" len="med"/>
+                      <a:tailEnd type="none" w="med" len="med"/>
+                    </a:lnT>
+                    <a:lnB w="12700" cap="flat" cmpd="sng" algn="ctr">
+                      <a:solidFill>
+                        <a:schemeClr val="tx1"/>
+                      </a:solidFill>
+                      <a:prstDash val="sysDot"/>
+                      <a:round/>
+                      <a:headEnd type="none" w="med" len="med"/>
+                      <a:tailEnd type="none" w="med" len="med"/>
+                    </a:lnB>
+                  </a:tcPr>
+                </a:tc>
+                <a:tc>
+                  <a:txBody>
+                    <a:bodyPr/>
+                    <a:lstStyle/>
+                    <a:p>
+                      <a:pPr algn="ctr" latinLnBrk="1"/>
+                      <a:r>
+                        <a:rPr lang="ko-KR" altLang="en-US" sz="1100" b="1" dirty="0">
+                          <a:solidFill>
+                            <a:srgbClr val="C00000"/>
+                          </a:solidFill>
+                          <a:latin typeface="KoPub돋움체_Pro Light" panose="00000300000000000000" pitchFamily="50" charset="-127"/>
+                          <a:ea typeface="KoPub돋움체_Pro Light" panose="00000300000000000000" pitchFamily="50" charset="-127"/>
+                        </a:rPr>
+                        <a:t>최대 전류</a:t>
+                      </a:r>
+                    </a:p>
+                  </a:txBody>
+                  <a:tcPr anchor="ctr">
+                    <a:lnL w="12700" cap="flat" cmpd="sng" algn="ctr">
+                      <a:solidFill>
+                        <a:schemeClr val="tx1"/>
+                      </a:solidFill>
+                      <a:prstDash val="sysDot"/>
+                      <a:round/>
+                      <a:headEnd type="none" w="med" len="med"/>
+                      <a:tailEnd type="none" w="med" len="med"/>
+                    </a:lnL>
+                    <a:lnR w="6350" cap="flat" cmpd="sng" algn="ctr">
+                      <a:solidFill>
+                        <a:schemeClr val="tx1"/>
+                      </a:solidFill>
+                      <a:prstDash val="solid"/>
+                      <a:round/>
+                      <a:headEnd type="none" w="med" len="med"/>
+                      <a:tailEnd type="none" w="med" len="med"/>
+                    </a:lnR>
+                    <a:lnT w="12700" cap="flat" cmpd="sng" algn="ctr">
+                      <a:solidFill>
+                        <a:schemeClr val="tx1"/>
+                      </a:solidFill>
+                      <a:prstDash val="sysDot"/>
+                      <a:round/>
+                      <a:headEnd type="none" w="med" len="med"/>
+                      <a:tailEnd type="none" w="med" len="med"/>
+                    </a:lnT>
+                    <a:lnB w="12700" cap="flat" cmpd="sng" algn="ctr">
+                      <a:solidFill>
+                        <a:schemeClr val="tx1"/>
+                      </a:solidFill>
+                      <a:prstDash val="sysDot"/>
+                      <a:round/>
+                      <a:headEnd type="none" w="med" len="med"/>
+                      <a:tailEnd type="none" w="med" len="med"/>
+                    </a:lnB>
+                  </a:tcPr>
+                </a:tc>
+                <a:tc>
+                  <a:txBody>
+                    <a:bodyPr/>
+                    <a:lstStyle/>
+                    <a:p>
+                      <a:pPr marL="0" marR="0" lvl="0" indent="0" algn="ctr" defTabSz="914400" rtl="0" eaLnBrk="1" fontAlgn="auto" latinLnBrk="1" hangingPunct="1">
+                        <a:lnSpc>
+                          <a:spcPct val="100000"/>
+                        </a:lnSpc>
+                        <a:spcBef>
+                          <a:spcPts val="0"/>
+                        </a:spcBef>
+                        <a:spcAft>
+                          <a:spcPts val="0"/>
+                        </a:spcAft>
+                        <a:buClrTx/>
+                        <a:buSzTx/>
+                        <a:buFontTx/>
+                        <a:buNone/>
+                        <a:tabLst/>
+                        <a:defRPr/>
+                      </a:pPr>
+                      <a:r>
+                        <a:rPr lang="en-US" altLang="ko-KR" sz="1050" b="1" i="0" dirty="0">
+                          <a:solidFill>
+                            <a:srgbClr val="C00000"/>
+                          </a:solidFill>
+                          <a:latin typeface="KoPub돋움체_Pro Light" panose="00000300000000000000" pitchFamily="50" charset="-127"/>
+                          <a:ea typeface="KoPub돋움체_Pro Light" panose="00000300000000000000" pitchFamily="50" charset="-127"/>
+                        </a:rPr>
+                        <a:t>150A, 10sec, 50%</a:t>
+                      </a:r>
+                    </a:p>
+                  </a:txBody>
+                  <a:tcPr anchor="ctr">
+                    <a:lnL w="6350" cap="flat" cmpd="sng" algn="ctr">
+                      <a:solidFill>
+                        <a:schemeClr val="tx1"/>
+                      </a:solidFill>
+                      <a:prstDash val="solid"/>
+                      <a:round/>
+                      <a:headEnd type="none" w="med" len="med"/>
+                      <a:tailEnd type="none" w="med" len="med"/>
+                    </a:lnL>
+                    <a:lnR w="19050" cap="flat" cmpd="sng" algn="ctr">
+                      <a:solidFill>
+                        <a:schemeClr val="tx1"/>
+                      </a:solidFill>
+                      <a:prstDash val="solid"/>
+                      <a:round/>
+                      <a:headEnd type="none" w="med" len="med"/>
+                      <a:tailEnd type="none" w="med" len="med"/>
+                    </a:lnR>
+                    <a:lnT w="12700" cap="flat" cmpd="sng" algn="ctr">
+                      <a:solidFill>
+                        <a:schemeClr val="tx1"/>
+                      </a:solidFill>
+                      <a:prstDash val="sysDot"/>
+                      <a:round/>
+                      <a:headEnd type="none" w="med" len="med"/>
+                      <a:tailEnd type="none" w="med" len="med"/>
+                    </a:lnT>
+                    <a:lnB w="12700" cap="flat" cmpd="sng" algn="ctr">
+                      <a:solidFill>
+                        <a:schemeClr val="tx1"/>
+                      </a:solidFill>
+                      <a:prstDash val="sysDot"/>
+                      <a:round/>
+                      <a:headEnd type="none" w="med" len="med"/>
+                      <a:tailEnd type="none" w="med" len="med"/>
+                    </a:lnB>
+                  </a:tcPr>
+                </a:tc>
+                <a:extLst>
+                  <a:ext uri="{0D108BD9-81ED-4DB2-BD59-A6C34878D82A}">
+                    <a16:rowId xmlns:a16="http://schemas.microsoft.com/office/drawing/2014/main" val="2244324193"/>
+                  </a:ext>
+                </a:extLst>
+              </a:tr>
+              <a:tr h="277197">
+                <a:tc rowSpan="3">
+                  <a:txBody>
+                    <a:bodyPr/>
+                    <a:lstStyle/>
+                    <a:p>
+                      <a:pPr algn="ctr" latinLnBrk="1"/>
+                      <a:r>
+                        <a:rPr lang="ko-KR" altLang="en-US" sz="1100" dirty="0">
+                          <a:latin typeface="KoPub돋움체_Pro Light" panose="00000300000000000000" pitchFamily="50" charset="-127"/>
+                          <a:ea typeface="KoPub돋움체_Pro Light" panose="00000300000000000000" pitchFamily="50" charset="-127"/>
+                        </a:rPr>
+                        <a:t>방전</a:t>
+                      </a:r>
+                    </a:p>
+                  </a:txBody>
+                  <a:tcPr anchor="ctr">
+                    <a:lnL w="19050" cap="flat" cmpd="sng" algn="ctr">
+                      <a:solidFill>
+                        <a:schemeClr val="tx1"/>
+                      </a:solidFill>
+                      <a:prstDash val="solid"/>
+                      <a:round/>
+                      <a:headEnd type="none" w="med" len="med"/>
+                      <a:tailEnd type="none" w="med" len="med"/>
+                    </a:lnL>
+                    <a:lnR w="12700" cap="flat" cmpd="sng" algn="ctr">
+                      <a:solidFill>
+                        <a:schemeClr val="tx1"/>
+                      </a:solidFill>
+                      <a:prstDash val="sysDot"/>
+                      <a:round/>
+                      <a:headEnd type="none" w="med" len="med"/>
+                      <a:tailEnd type="none" w="med" len="med"/>
+                    </a:lnR>
+                    <a:lnT w="12700" cap="flat" cmpd="sng" algn="ctr">
+                      <a:solidFill>
+                        <a:schemeClr val="tx1"/>
+                      </a:solidFill>
+                      <a:prstDash val="sysDot"/>
+                      <a:round/>
+                      <a:headEnd type="none" w="med" len="med"/>
+                      <a:tailEnd type="none" w="med" len="med"/>
+                    </a:lnT>
+                    <a:lnB w="12700" cap="flat" cmpd="sng" algn="ctr">
+                      <a:solidFill>
+                        <a:schemeClr val="tx1"/>
+                      </a:solidFill>
+                      <a:prstDash val="sysDot"/>
+                      <a:round/>
+                      <a:headEnd type="none" w="med" len="med"/>
+                      <a:tailEnd type="none" w="med" len="med"/>
+                    </a:lnB>
+                  </a:tcPr>
+                </a:tc>
+                <a:tc>
+                  <a:txBody>
+                    <a:bodyPr/>
+                    <a:lstStyle/>
+                    <a:p>
+                      <a:pPr algn="ctr" latinLnBrk="1"/>
+                      <a:r>
+                        <a:rPr lang="ko-KR" altLang="en-US" sz="1100" dirty="0">
+                          <a:latin typeface="KoPub돋움체_Pro Light" panose="00000300000000000000" pitchFamily="50" charset="-127"/>
+                          <a:ea typeface="KoPub돋움체_Pro Light" panose="00000300000000000000" pitchFamily="50" charset="-127"/>
+                        </a:rPr>
+                        <a:t>권장 전류 </a:t>
+                      </a:r>
+                    </a:p>
+                  </a:txBody>
+                  <a:tcPr anchor="ctr">
+                    <a:lnL w="12700" cap="flat" cmpd="sng" algn="ctr">
+                      <a:solidFill>
+                        <a:schemeClr val="tx1"/>
+                      </a:solidFill>
+                      <a:prstDash val="sysDot"/>
+                      <a:round/>
+                      <a:headEnd type="none" w="med" len="med"/>
+                      <a:tailEnd type="none" w="med" len="med"/>
+                    </a:lnL>
+                    <a:lnR w="6350" cap="flat" cmpd="sng" algn="ctr">
+                      <a:solidFill>
+                        <a:schemeClr val="tx1"/>
+                      </a:solidFill>
+                      <a:prstDash val="solid"/>
+                      <a:round/>
+                      <a:headEnd type="none" w="med" len="med"/>
+                      <a:tailEnd type="none" w="med" len="med"/>
+                    </a:lnR>
+                    <a:lnT w="12700" cap="flat" cmpd="sng" algn="ctr">
+                      <a:solidFill>
+                        <a:schemeClr val="tx1"/>
+                      </a:solidFill>
+                      <a:prstDash val="sysDot"/>
+                      <a:round/>
+                      <a:headEnd type="none" w="med" len="med"/>
+                      <a:tailEnd type="none" w="med" len="med"/>
+                    </a:lnT>
+                    <a:lnB w="12700" cap="flat" cmpd="sng" algn="ctr">
+                      <a:solidFill>
+                        <a:schemeClr val="tx1"/>
+                      </a:solidFill>
+                      <a:prstDash val="sysDot"/>
+                      <a:round/>
+                      <a:headEnd type="none" w="med" len="med"/>
+                      <a:tailEnd type="none" w="med" len="med"/>
+                    </a:lnB>
+                  </a:tcPr>
+                </a:tc>
+                <a:tc>
+                  <a:txBody>
+                    <a:bodyPr/>
+                    <a:lstStyle/>
+                    <a:p>
+                      <a:pPr algn="ctr" latinLnBrk="1"/>
+                      <a:r>
+                        <a:rPr lang="en-US" altLang="ko-KR" sz="1100" dirty="0">
+                          <a:latin typeface="KoPub돋움체_Pro Light" panose="00000300000000000000" pitchFamily="50" charset="-127"/>
+                          <a:ea typeface="KoPub돋움체_Pro Light" panose="00000300000000000000" pitchFamily="50" charset="-127"/>
+                        </a:rPr>
+                        <a:t>70A</a:t>
+                      </a:r>
+                    </a:p>
+                  </a:txBody>
+                  <a:tcPr anchor="ctr">
+                    <a:lnL w="6350" cap="flat" cmpd="sng" algn="ctr">
+                      <a:solidFill>
+                        <a:schemeClr val="tx1"/>
+                      </a:solidFill>
+                      <a:prstDash val="solid"/>
+                      <a:round/>
+                      <a:headEnd type="none" w="med" len="med"/>
+                      <a:tailEnd type="none" w="med" len="med"/>
+                    </a:lnL>
+                    <a:lnR w="19050" cap="flat" cmpd="sng" algn="ctr">
+                      <a:solidFill>
+                        <a:schemeClr val="tx1"/>
+                      </a:solidFill>
+                      <a:prstDash val="solid"/>
+                      <a:round/>
+                      <a:headEnd type="none" w="med" len="med"/>
+                      <a:tailEnd type="none" w="med" len="med"/>
+                    </a:lnR>
+                    <a:lnT w="12700" cap="flat" cmpd="sng" algn="ctr">
+                      <a:solidFill>
+                        <a:schemeClr val="tx1"/>
+                      </a:solidFill>
+                      <a:prstDash val="sysDot"/>
+                      <a:round/>
+                      <a:headEnd type="none" w="med" len="med"/>
+                      <a:tailEnd type="none" w="med" len="med"/>
+                    </a:lnT>
+                    <a:lnB w="12700" cap="flat" cmpd="sng" algn="ctr">
+                      <a:solidFill>
+                        <a:schemeClr val="tx1"/>
+                      </a:solidFill>
+                      <a:prstDash val="sysDot"/>
+                      <a:round/>
+                      <a:headEnd type="none" w="med" len="med"/>
+                      <a:tailEnd type="none" w="med" len="med"/>
+                    </a:lnB>
+                  </a:tcPr>
+                </a:tc>
+                <a:extLst>
+                  <a:ext uri="{0D108BD9-81ED-4DB2-BD59-A6C34878D82A}">
+                    <a16:rowId xmlns:a16="http://schemas.microsoft.com/office/drawing/2014/main" val="1352832032"/>
+                  </a:ext>
+                </a:extLst>
+              </a:tr>
+              <a:tr h="277197">
+                <a:tc vMerge="1">
+                  <a:txBody>
+                    <a:bodyPr/>
+                    <a:lstStyle/>
+                    <a:p>
+                      <a:pPr algn="ctr" latinLnBrk="1"/>
+                      <a:endParaRPr lang="ko-KR" altLang="en-US" sz="1200" dirty="0">
+                        <a:ea typeface="KoPub돋움체 Bold" panose="02020603020101020101"/>
+                      </a:endParaRPr>
+                    </a:p>
+                  </a:txBody>
+                  <a:tcPr anchor="ctr">
+                    <a:lnR w="12700" cap="flat" cmpd="sng" algn="ctr">
+                      <a:solidFill>
+                        <a:schemeClr val="tx1"/>
+                      </a:solidFill>
+                      <a:prstDash val="sysDot"/>
+                      <a:round/>
+                      <a:headEnd type="none" w="med" len="med"/>
+                      <a:tailEnd type="none" w="med" len="med"/>
+                    </a:lnR>
+                    <a:lnT w="12700" cap="flat" cmpd="sng" algn="ctr">
+                      <a:solidFill>
+                        <a:schemeClr val="tx1"/>
+                      </a:solidFill>
+                      <a:prstDash val="sysDot"/>
+                      <a:round/>
+                      <a:headEnd type="none" w="med" len="med"/>
+                      <a:tailEnd type="none" w="med" len="med"/>
+                    </a:lnT>
+                    <a:lnB w="12700" cap="flat" cmpd="sng" algn="ctr">
+                      <a:solidFill>
+                        <a:schemeClr val="tx1"/>
+                      </a:solidFill>
+                      <a:prstDash val="sysDot"/>
+                      <a:round/>
+                      <a:headEnd type="none" w="med" len="med"/>
+                      <a:tailEnd type="none" w="med" len="med"/>
+                    </a:lnB>
+                  </a:tcPr>
+                </a:tc>
+                <a:tc>
+                  <a:txBody>
+                    <a:bodyPr/>
+                    <a:lstStyle/>
+                    <a:p>
+                      <a:pPr algn="ctr" latinLnBrk="1"/>
+                      <a:r>
+                        <a:rPr lang="ko-KR" altLang="en-US" sz="1100" dirty="0">
+                          <a:latin typeface="KoPub돋움체_Pro Light" panose="00000300000000000000" pitchFamily="50" charset="-127"/>
+                          <a:ea typeface="KoPub돋움체_Pro Light" panose="00000300000000000000" pitchFamily="50" charset="-127"/>
+                        </a:rPr>
+                        <a:t>연속전류 </a:t>
+                      </a:r>
+                    </a:p>
+                  </a:txBody>
+                  <a:tcPr anchor="ctr">
+                    <a:lnL w="12700" cap="flat" cmpd="sng" algn="ctr">
+                      <a:solidFill>
+                        <a:schemeClr val="tx1"/>
+                      </a:solidFill>
+                      <a:prstDash val="sysDot"/>
+                      <a:round/>
+                      <a:headEnd type="none" w="med" len="med"/>
+                      <a:tailEnd type="none" w="med" len="med"/>
+                    </a:lnL>
+                    <a:lnR w="6350" cap="flat" cmpd="sng" algn="ctr">
+                      <a:solidFill>
+                        <a:schemeClr val="tx1"/>
+                      </a:solidFill>
+                      <a:prstDash val="solid"/>
+                      <a:round/>
+                      <a:headEnd type="none" w="med" len="med"/>
+                      <a:tailEnd type="none" w="med" len="med"/>
+                    </a:lnR>
+                    <a:lnT w="12700" cap="flat" cmpd="sng" algn="ctr">
+                      <a:solidFill>
+                        <a:schemeClr val="tx1"/>
+                      </a:solidFill>
+                      <a:prstDash val="sysDot"/>
+                      <a:round/>
+                      <a:headEnd type="none" w="med" len="med"/>
+                      <a:tailEnd type="none" w="med" len="med"/>
+                    </a:lnT>
+                    <a:lnB w="12700" cap="flat" cmpd="sng" algn="ctr">
+                      <a:solidFill>
+                        <a:schemeClr val="tx1"/>
+                      </a:solidFill>
+                      <a:prstDash val="sysDot"/>
+                      <a:round/>
+                      <a:headEnd type="none" w="med" len="med"/>
+                      <a:tailEnd type="none" w="med" len="med"/>
+                    </a:lnB>
+                  </a:tcPr>
+                </a:tc>
+                <a:tc>
+                  <a:txBody>
+                    <a:bodyPr/>
+                    <a:lstStyle/>
+                    <a:p>
+                      <a:pPr algn="ctr" latinLnBrk="1"/>
+                      <a:r>
+                        <a:rPr lang="en-US" altLang="ko-KR" sz="1100" dirty="0">
+                          <a:latin typeface="KoPub돋움체_Pro Light" panose="00000300000000000000" pitchFamily="50" charset="-127"/>
+                          <a:ea typeface="KoPub돋움체_Pro Light" panose="00000300000000000000" pitchFamily="50" charset="-127"/>
+                        </a:rPr>
+                        <a:t>150A</a:t>
+                      </a:r>
+                    </a:p>
+                  </a:txBody>
+                  <a:tcPr anchor="ctr">
+                    <a:lnL w="6350" cap="flat" cmpd="sng" algn="ctr">
+                      <a:solidFill>
+                        <a:schemeClr val="tx1"/>
+                      </a:solidFill>
+                      <a:prstDash val="solid"/>
+                      <a:round/>
+                      <a:headEnd type="none" w="med" len="med"/>
+                      <a:tailEnd type="none" w="med" len="med"/>
+                    </a:lnL>
+                    <a:lnR w="19050" cap="flat" cmpd="sng" algn="ctr">
+                      <a:solidFill>
+                        <a:schemeClr val="tx1"/>
+                      </a:solidFill>
+                      <a:prstDash val="solid"/>
+                      <a:round/>
+                      <a:headEnd type="none" w="med" len="med"/>
+                      <a:tailEnd type="none" w="med" len="med"/>
+                    </a:lnR>
+                    <a:lnT w="12700" cap="flat" cmpd="sng" algn="ctr">
+                      <a:solidFill>
+                        <a:schemeClr val="tx1"/>
+                      </a:solidFill>
+                      <a:prstDash val="sysDot"/>
+                      <a:round/>
+                      <a:headEnd type="none" w="med" len="med"/>
+                      <a:tailEnd type="none" w="med" len="med"/>
+                    </a:lnT>
+                    <a:lnB w="12700" cap="flat" cmpd="sng" algn="ctr">
+                      <a:solidFill>
+                        <a:schemeClr val="tx1"/>
+                      </a:solidFill>
+                      <a:prstDash val="sysDot"/>
+                      <a:round/>
+                      <a:headEnd type="none" w="med" len="med"/>
+                      <a:tailEnd type="none" w="med" len="med"/>
+                    </a:lnB>
+                  </a:tcPr>
+                </a:tc>
+                <a:extLst>
+                  <a:ext uri="{0D108BD9-81ED-4DB2-BD59-A6C34878D82A}">
+                    <a16:rowId xmlns:a16="http://schemas.microsoft.com/office/drawing/2014/main" val="3937297542"/>
+                  </a:ext>
+                </a:extLst>
+              </a:tr>
+              <a:tr h="269044">
+                <a:tc vMerge="1">
+                  <a:txBody>
+                    <a:bodyPr/>
+                    <a:lstStyle/>
+                    <a:p>
+                      <a:pPr algn="ctr" latinLnBrk="1"/>
+                      <a:endParaRPr lang="ko-KR" altLang="en-US" sz="1100" dirty="0">
+                        <a:ea typeface="KoPub돋움체 Bold" panose="02020603020101020101"/>
+                      </a:endParaRPr>
+                    </a:p>
+                  </a:txBody>
+                  <a:tcPr anchor="ctr">
+                    <a:lnL w="28575" cap="flat" cmpd="sng" algn="ctr">
+                      <a:solidFill>
+                        <a:schemeClr val="tx1"/>
+                      </a:solidFill>
+                      <a:prstDash val="solid"/>
+                      <a:round/>
+                      <a:headEnd type="none" w="med" len="med"/>
+                      <a:tailEnd type="none" w="med" len="med"/>
+                    </a:lnL>
+                    <a:lnR w="12700" cap="flat" cmpd="sng" algn="ctr">
+                      <a:solidFill>
+                        <a:schemeClr val="tx1"/>
+                      </a:solidFill>
+                      <a:prstDash val="sysDot"/>
+                      <a:round/>
+                      <a:headEnd type="none" w="med" len="med"/>
+                      <a:tailEnd type="none" w="med" len="med"/>
+                    </a:lnR>
+                    <a:lnT w="12700" cap="flat" cmpd="sng" algn="ctr">
+                      <a:solidFill>
+                        <a:schemeClr val="tx1"/>
+                      </a:solidFill>
+                      <a:prstDash val="sysDot"/>
+                      <a:round/>
+                      <a:headEnd type="none" w="med" len="med"/>
+                      <a:tailEnd type="none" w="med" len="med"/>
+                    </a:lnT>
+                    <a:lnB w="12700" cap="flat" cmpd="sng" algn="ctr">
+                      <a:solidFill>
+                        <a:schemeClr val="tx1"/>
+                      </a:solidFill>
+                      <a:prstDash val="sysDot"/>
+                      <a:round/>
+                      <a:headEnd type="none" w="med" len="med"/>
+                      <a:tailEnd type="none" w="med" len="med"/>
+                    </a:lnB>
+                  </a:tcPr>
+                </a:tc>
+                <a:tc>
+                  <a:txBody>
+                    <a:bodyPr/>
+                    <a:lstStyle/>
+                    <a:p>
+                      <a:pPr algn="ctr" latinLnBrk="1"/>
+                      <a:r>
+                        <a:rPr lang="ko-KR" altLang="en-US" sz="1050" b="1" dirty="0">
+                          <a:solidFill>
+                            <a:srgbClr val="C00000"/>
+                          </a:solidFill>
+                          <a:latin typeface="KoPub돋움체_Pro Light" panose="00000300000000000000" pitchFamily="50" charset="-127"/>
+                          <a:ea typeface="KoPub돋움체_Pro Light" panose="00000300000000000000" pitchFamily="50" charset="-127"/>
+                        </a:rPr>
+                        <a:t>최대 전류 </a:t>
+                      </a:r>
+                    </a:p>
+                  </a:txBody>
+                  <a:tcPr anchor="ctr">
+                    <a:lnL w="12700" cap="flat" cmpd="sng" algn="ctr">
+                      <a:solidFill>
+                        <a:schemeClr val="tx1"/>
+                      </a:solidFill>
+                      <a:prstDash val="sysDot"/>
+                      <a:round/>
+                      <a:headEnd type="none" w="med" len="med"/>
+                      <a:tailEnd type="none" w="med" len="med"/>
+                    </a:lnL>
+                    <a:lnR w="6350" cap="flat" cmpd="sng" algn="ctr">
+                      <a:solidFill>
+                        <a:schemeClr val="tx1"/>
+                      </a:solidFill>
+                      <a:prstDash val="solid"/>
+                      <a:round/>
+                      <a:headEnd type="none" w="med" len="med"/>
+                      <a:tailEnd type="none" w="med" len="med"/>
+                    </a:lnR>
+                    <a:lnT w="12700" cap="flat" cmpd="sng" algn="ctr">
+                      <a:solidFill>
+                        <a:schemeClr val="tx1"/>
+                      </a:solidFill>
+                      <a:prstDash val="sysDot"/>
+                      <a:round/>
+                      <a:headEnd type="none" w="med" len="med"/>
+                      <a:tailEnd type="none" w="med" len="med"/>
+                    </a:lnT>
+                    <a:lnB w="12700" cap="flat" cmpd="sng" algn="ctr">
+                      <a:solidFill>
+                        <a:schemeClr val="tx1"/>
+                      </a:solidFill>
+                      <a:prstDash val="sysDot"/>
+                      <a:round/>
+                      <a:headEnd type="none" w="med" len="med"/>
+                      <a:tailEnd type="none" w="med" len="med"/>
+                    </a:lnB>
+                  </a:tcPr>
+                </a:tc>
+                <a:tc>
+                  <a:txBody>
+                    <a:bodyPr/>
+                    <a:lstStyle/>
+                    <a:p>
+                      <a:pPr marL="0" marR="0" lvl="0" indent="0" algn="ctr" defTabSz="914400" rtl="0" eaLnBrk="1" fontAlgn="auto" latinLnBrk="1" hangingPunct="1">
+                        <a:lnSpc>
+                          <a:spcPct val="100000"/>
+                        </a:lnSpc>
+                        <a:spcBef>
+                          <a:spcPts val="0"/>
+                        </a:spcBef>
+                        <a:spcAft>
+                          <a:spcPts val="0"/>
+                        </a:spcAft>
+                        <a:buClrTx/>
+                        <a:buSzTx/>
+                        <a:buFontTx/>
+                        <a:buNone/>
+                        <a:tabLst/>
+                        <a:defRPr/>
+                      </a:pPr>
+                      <a:r>
+                        <a:rPr lang="en-US" altLang="ko-KR" sz="1050" b="1" i="0" dirty="0">
+                          <a:solidFill>
+                            <a:srgbClr val="C00000"/>
+                          </a:solidFill>
+                          <a:latin typeface="KoPub돋움체_Pro Light" panose="00000300000000000000" pitchFamily="50" charset="-127"/>
+                          <a:ea typeface="KoPub돋움체_Pro Light" panose="00000300000000000000" pitchFamily="50" charset="-127"/>
+                        </a:rPr>
+                        <a:t>300A, 10sec, 50%</a:t>
+                      </a:r>
+                    </a:p>
+                  </a:txBody>
+                  <a:tcPr anchor="ctr">
+                    <a:lnL w="6350" cap="flat" cmpd="sng" algn="ctr">
+                      <a:solidFill>
+                        <a:schemeClr val="tx1"/>
+                      </a:solidFill>
+                      <a:prstDash val="solid"/>
+                      <a:round/>
+                      <a:headEnd type="none" w="med" len="med"/>
+                      <a:tailEnd type="none" w="med" len="med"/>
+                    </a:lnL>
+                    <a:lnR w="19050" cap="flat" cmpd="sng" algn="ctr">
+                      <a:solidFill>
+                        <a:schemeClr val="tx1"/>
+                      </a:solidFill>
+                      <a:prstDash val="solid"/>
+                      <a:round/>
+                      <a:headEnd type="none" w="med" len="med"/>
+                      <a:tailEnd type="none" w="med" len="med"/>
+                    </a:lnR>
+                    <a:lnT w="12700" cap="flat" cmpd="sng" algn="ctr">
+                      <a:solidFill>
+                        <a:schemeClr val="tx1"/>
+                      </a:solidFill>
+                      <a:prstDash val="sysDot"/>
+                      <a:round/>
+                      <a:headEnd type="none" w="med" len="med"/>
+                      <a:tailEnd type="none" w="med" len="med"/>
+                    </a:lnT>
+                    <a:lnB w="12700" cap="flat" cmpd="sng" algn="ctr">
+                      <a:solidFill>
+                        <a:schemeClr val="tx1"/>
+                      </a:solidFill>
+                      <a:prstDash val="sysDot"/>
+                      <a:round/>
+                      <a:headEnd type="none" w="med" len="med"/>
+                      <a:tailEnd type="none" w="med" len="med"/>
+                    </a:lnB>
+                  </a:tcPr>
+                </a:tc>
+                <a:extLst>
+                  <a:ext uri="{0D108BD9-81ED-4DB2-BD59-A6C34878D82A}">
+                    <a16:rowId xmlns:a16="http://schemas.microsoft.com/office/drawing/2014/main" val="2495257810"/>
+                  </a:ext>
+                </a:extLst>
+              </a:tr>
+              <a:tr h="277197">
+                <a:tc rowSpan="3">
+                  <a:txBody>
+                    <a:bodyPr/>
+                    <a:lstStyle/>
+                    <a:p>
+                      <a:pPr algn="ctr" latinLnBrk="1"/>
+                      <a:r>
+                        <a:rPr lang="ko-KR" altLang="en-US" sz="1100" b="0" dirty="0">
+                          <a:solidFill>
+                            <a:schemeClr val="tx1"/>
+                          </a:solidFill>
+                          <a:latin typeface="KoPub돋움체_Pro Light" panose="00000300000000000000" pitchFamily="50" charset="-127"/>
+                          <a:ea typeface="KoPub돋움체_Pro Light" panose="00000300000000000000" pitchFamily="50" charset="-127"/>
+                        </a:rPr>
+                        <a:t>셀 전압</a:t>
+                      </a:r>
+                    </a:p>
+                  </a:txBody>
+                  <a:tcPr anchor="ctr">
+                    <a:lnL w="19050" cap="flat" cmpd="sng" algn="ctr">
+                      <a:solidFill>
+                        <a:schemeClr val="tx1"/>
+                      </a:solidFill>
+                      <a:prstDash val="solid"/>
+                      <a:round/>
+                      <a:headEnd type="none" w="med" len="med"/>
+                      <a:tailEnd type="none" w="med" len="med"/>
+                    </a:lnL>
+                    <a:lnR w="12700" cap="flat" cmpd="sng" algn="ctr">
+                      <a:solidFill>
+                        <a:schemeClr val="tx1"/>
+                      </a:solidFill>
+                      <a:prstDash val="sysDot"/>
+                      <a:round/>
+                      <a:headEnd type="none" w="med" len="med"/>
+                      <a:tailEnd type="none" w="med" len="med"/>
+                    </a:lnR>
+                    <a:lnT w="12700" cap="flat" cmpd="sng" algn="ctr">
+                      <a:solidFill>
+                        <a:schemeClr val="tx1"/>
+                      </a:solidFill>
+                      <a:prstDash val="sysDot"/>
+                      <a:round/>
+                      <a:headEnd type="none" w="med" len="med"/>
+                      <a:tailEnd type="none" w="med" len="med"/>
+                    </a:lnT>
+                    <a:lnB w="19050" cap="flat" cmpd="sng" algn="ctr">
+                      <a:solidFill>
+                        <a:schemeClr val="tx1"/>
+                      </a:solidFill>
+                      <a:prstDash val="solid"/>
+                      <a:round/>
+                      <a:headEnd type="none" w="med" len="med"/>
+                      <a:tailEnd type="none" w="med" len="med"/>
+                    </a:lnB>
+                  </a:tcPr>
+                </a:tc>
+                <a:tc>
+                  <a:txBody>
+                    <a:bodyPr/>
+                    <a:lstStyle/>
+                    <a:p>
+                      <a:pPr algn="ctr" latinLnBrk="1"/>
+                      <a:r>
+                        <a:rPr lang="ko-KR" altLang="en-US" sz="1100" b="0" dirty="0">
+                          <a:solidFill>
+                            <a:schemeClr val="tx1"/>
+                          </a:solidFill>
+                          <a:latin typeface="KoPub돋움체_Pro Light" panose="00000300000000000000" pitchFamily="50" charset="-127"/>
+                          <a:ea typeface="KoPub돋움체_Pro Light" panose="00000300000000000000" pitchFamily="50" charset="-127"/>
+                        </a:rPr>
+                        <a:t>채널   수 </a:t>
+                      </a:r>
+                    </a:p>
+                  </a:txBody>
+                  <a:tcPr anchor="ctr">
+                    <a:lnL w="12700" cap="flat" cmpd="sng" algn="ctr">
+                      <a:solidFill>
+                        <a:schemeClr val="tx1"/>
+                      </a:solidFill>
+                      <a:prstDash val="sysDot"/>
+                      <a:round/>
+                      <a:headEnd type="none" w="med" len="med"/>
+                      <a:tailEnd type="none" w="med" len="med"/>
+                    </a:lnL>
+                    <a:lnR w="6350" cap="flat" cmpd="sng" algn="ctr">
+                      <a:solidFill>
+                        <a:schemeClr val="tx1"/>
+                      </a:solidFill>
+                      <a:prstDash val="solid"/>
+                      <a:round/>
+                      <a:headEnd type="none" w="med" len="med"/>
+                      <a:tailEnd type="none" w="med" len="med"/>
+                    </a:lnR>
+                    <a:lnT w="12700" cap="flat" cmpd="sng" algn="ctr">
+                      <a:solidFill>
+                        <a:schemeClr val="tx1"/>
+                      </a:solidFill>
+                      <a:prstDash val="sysDot"/>
+                      <a:round/>
+                      <a:headEnd type="none" w="med" len="med"/>
+                      <a:tailEnd type="none" w="med" len="med"/>
+                    </a:lnT>
+                    <a:lnB w="12700" cap="flat" cmpd="sng" algn="ctr">
+                      <a:solidFill>
+                        <a:schemeClr val="tx1"/>
+                      </a:solidFill>
+                      <a:prstDash val="sysDot"/>
+                      <a:round/>
+                      <a:headEnd type="none" w="med" len="med"/>
+                      <a:tailEnd type="none" w="med" len="med"/>
+                    </a:lnB>
+                  </a:tcPr>
+                </a:tc>
+                <a:tc>
+                  <a:txBody>
+                    <a:bodyPr/>
+                    <a:lstStyle/>
+                    <a:p>
+                      <a:pPr algn="ctr" latinLnBrk="1"/>
+                      <a:r>
+                        <a:rPr lang="en-US" altLang="ko-KR" sz="1100" b="0" dirty="0">
+                          <a:solidFill>
+                            <a:schemeClr val="tx1"/>
+                          </a:solidFill>
+                          <a:latin typeface="KoPub돋움체_Pro Light" panose="00000300000000000000" pitchFamily="50" charset="-127"/>
+                          <a:ea typeface="KoPub돋움체_Pro Light" panose="00000300000000000000" pitchFamily="50" charset="-127"/>
+                        </a:rPr>
+                        <a:t>168</a:t>
+                      </a:r>
+                    </a:p>
+                  </a:txBody>
+                  <a:tcPr anchor="ctr">
+                    <a:lnL w="6350" cap="flat" cmpd="sng" algn="ctr">
+                      <a:solidFill>
+                        <a:schemeClr val="tx1"/>
+                      </a:solidFill>
+                      <a:prstDash val="solid"/>
+                      <a:round/>
+                      <a:headEnd type="none" w="med" len="med"/>
+                      <a:tailEnd type="none" w="med" len="med"/>
+                    </a:lnL>
+                    <a:lnR w="19050" cap="flat" cmpd="sng" algn="ctr">
+                      <a:solidFill>
+                        <a:schemeClr val="tx1"/>
+                      </a:solidFill>
+                      <a:prstDash val="solid"/>
+                      <a:round/>
+                      <a:headEnd type="none" w="med" len="med"/>
+                      <a:tailEnd type="none" w="med" len="med"/>
+                    </a:lnR>
+                    <a:lnT w="12700" cap="flat" cmpd="sng" algn="ctr">
+                      <a:solidFill>
+                        <a:schemeClr val="tx1"/>
+                      </a:solidFill>
+                      <a:prstDash val="sysDot"/>
+                      <a:round/>
+                      <a:headEnd type="none" w="med" len="med"/>
+                      <a:tailEnd type="none" w="med" len="med"/>
+                    </a:lnT>
+                    <a:lnB w="12700" cap="flat" cmpd="sng" algn="ctr">
+                      <a:solidFill>
+                        <a:schemeClr val="tx1"/>
+                      </a:solidFill>
+                      <a:prstDash val="sysDot"/>
+                      <a:round/>
+                      <a:headEnd type="none" w="med" len="med"/>
+                      <a:tailEnd type="none" w="med" len="med"/>
+                    </a:lnB>
+                  </a:tcPr>
+                </a:tc>
+                <a:extLst>
+                  <a:ext uri="{0D108BD9-81ED-4DB2-BD59-A6C34878D82A}">
+                    <a16:rowId xmlns:a16="http://schemas.microsoft.com/office/drawing/2014/main" val="1476307569"/>
+                  </a:ext>
+                </a:extLst>
+              </a:tr>
+              <a:tr h="277197">
+                <a:tc vMerge="1">
+                  <a:txBody>
+                    <a:bodyPr/>
+                    <a:lstStyle/>
+                    <a:p>
+                      <a:pPr algn="ctr" latinLnBrk="1"/>
+                      <a:endParaRPr lang="ko-KR" altLang="en-US" sz="1100" dirty="0">
+                        <a:ea typeface="KoPub돋움체 Bold" panose="02020603020101020101"/>
+                      </a:endParaRPr>
+                    </a:p>
+                  </a:txBody>
+                  <a:tcPr anchor="ctr">
+                    <a:lnL w="19050" cap="flat" cmpd="sng" algn="ctr">
+                      <a:solidFill>
+                        <a:schemeClr val="tx1"/>
+                      </a:solidFill>
+                      <a:prstDash val="solid"/>
+                      <a:round/>
+                      <a:headEnd type="none" w="med" len="med"/>
+                      <a:tailEnd type="none" w="med" len="med"/>
+                    </a:lnL>
+                    <a:lnR w="12700" cap="flat" cmpd="sng" algn="ctr">
+                      <a:solidFill>
+                        <a:schemeClr val="tx1"/>
+                      </a:solidFill>
+                      <a:prstDash val="sysDot"/>
+                      <a:round/>
+                      <a:headEnd type="none" w="med" len="med"/>
+                      <a:tailEnd type="none" w="med" len="med"/>
+                    </a:lnR>
+                    <a:lnT w="12700" cap="flat" cmpd="sng" algn="ctr">
+                      <a:solidFill>
+                        <a:schemeClr val="tx1"/>
+                      </a:solidFill>
+                      <a:prstDash val="sysDot"/>
+                      <a:round/>
+                      <a:headEnd type="none" w="med" len="med"/>
+                      <a:tailEnd type="none" w="med" len="med"/>
+                    </a:lnT>
+                    <a:lnB w="12700" cap="flat" cmpd="sng" algn="ctr">
+                      <a:solidFill>
+                        <a:schemeClr val="tx1"/>
+                      </a:solidFill>
+                      <a:prstDash val="sysDot"/>
+                      <a:round/>
+                      <a:headEnd type="none" w="med" len="med"/>
+                      <a:tailEnd type="none" w="med" len="med"/>
+                    </a:lnB>
+                  </a:tcPr>
+                </a:tc>
+                <a:tc>
+                  <a:txBody>
+                    <a:bodyPr/>
+                    <a:lstStyle/>
+                    <a:p>
+                      <a:pPr algn="ctr" latinLnBrk="1"/>
+                      <a:r>
+                        <a:rPr lang="ko-KR" altLang="en-US" sz="1100" b="0" dirty="0">
+                          <a:solidFill>
+                            <a:schemeClr val="tx1"/>
+                          </a:solidFill>
+                          <a:latin typeface="KoPub돋움체_Pro Light" panose="00000300000000000000" pitchFamily="50" charset="-127"/>
+                          <a:ea typeface="KoPub돋움체_Pro Light" panose="00000300000000000000" pitchFamily="50" charset="-127"/>
+                        </a:rPr>
+                        <a:t>정  밀  도 </a:t>
+                      </a:r>
+                    </a:p>
+                  </a:txBody>
+                  <a:tcPr anchor="ctr">
+                    <a:lnL w="12700" cap="flat" cmpd="sng" algn="ctr">
+                      <a:solidFill>
+                        <a:schemeClr val="tx1"/>
+                      </a:solidFill>
+                      <a:prstDash val="sysDot"/>
+                      <a:round/>
+                      <a:headEnd type="none" w="med" len="med"/>
+                      <a:tailEnd type="none" w="med" len="med"/>
+                    </a:lnL>
+                    <a:lnR w="6350" cap="flat" cmpd="sng" algn="ctr">
+                      <a:solidFill>
+                        <a:schemeClr val="tx1"/>
+                      </a:solidFill>
+                      <a:prstDash val="solid"/>
+                      <a:round/>
+                      <a:headEnd type="none" w="med" len="med"/>
+                      <a:tailEnd type="none" w="med" len="med"/>
+                    </a:lnR>
+                    <a:lnT w="12700" cap="flat" cmpd="sng" algn="ctr">
+                      <a:solidFill>
+                        <a:schemeClr val="tx1"/>
+                      </a:solidFill>
+                      <a:prstDash val="sysDot"/>
+                      <a:round/>
+                      <a:headEnd type="none" w="med" len="med"/>
+                      <a:tailEnd type="none" w="med" len="med"/>
+                    </a:lnT>
+                    <a:lnB w="12700" cap="flat" cmpd="sng" algn="ctr">
+                      <a:solidFill>
+                        <a:schemeClr val="tx1"/>
+                      </a:solidFill>
+                      <a:prstDash val="sysDot"/>
+                      <a:round/>
+                      <a:headEnd type="none" w="med" len="med"/>
+                      <a:tailEnd type="none" w="med" len="med"/>
+                    </a:lnB>
+                  </a:tcPr>
+                </a:tc>
+                <a:tc>
+                  <a:txBody>
+                    <a:bodyPr/>
+                    <a:lstStyle/>
+                    <a:p>
+                      <a:pPr algn="ctr" latinLnBrk="1"/>
+                      <a:r>
+                        <a:rPr lang="en-US" altLang="ko-KR" sz="1100" b="0" dirty="0">
+                          <a:solidFill>
+                            <a:schemeClr val="tx1"/>
+                          </a:solidFill>
+                          <a:latin typeface="KoPub돋움체_Pro Light" panose="00000300000000000000" pitchFamily="50" charset="-127"/>
+                          <a:ea typeface="KoPub돋움체_Pro Light" panose="00000300000000000000" pitchFamily="50" charset="-127"/>
+                        </a:rPr>
+                        <a:t>±5mV, 0.001V</a:t>
+                      </a:r>
+                    </a:p>
+                  </a:txBody>
+                  <a:tcPr anchor="ctr">
+                    <a:lnL w="6350" cap="flat" cmpd="sng" algn="ctr">
+                      <a:solidFill>
+                        <a:schemeClr val="tx1"/>
+                      </a:solidFill>
+                      <a:prstDash val="solid"/>
+                      <a:round/>
+                      <a:headEnd type="none" w="med" len="med"/>
+                      <a:tailEnd type="none" w="med" len="med"/>
+                    </a:lnL>
+                    <a:lnR w="19050" cap="flat" cmpd="sng" algn="ctr">
+                      <a:solidFill>
+                        <a:schemeClr val="tx1"/>
+                      </a:solidFill>
+                      <a:prstDash val="solid"/>
+                      <a:round/>
+                      <a:headEnd type="none" w="med" len="med"/>
+                      <a:tailEnd type="none" w="med" len="med"/>
+                    </a:lnR>
+                    <a:lnT w="12700" cap="flat" cmpd="sng" algn="ctr">
+                      <a:solidFill>
+                        <a:schemeClr val="tx1"/>
+                      </a:solidFill>
+                      <a:prstDash val="sysDot"/>
+                      <a:round/>
+                      <a:headEnd type="none" w="med" len="med"/>
+                      <a:tailEnd type="none" w="med" len="med"/>
+                    </a:lnT>
+                    <a:lnB w="12700" cap="flat" cmpd="sng" algn="ctr">
+                      <a:solidFill>
+                        <a:schemeClr val="tx1"/>
+                      </a:solidFill>
+                      <a:prstDash val="sysDot"/>
+                      <a:round/>
+                      <a:headEnd type="none" w="med" len="med"/>
+                      <a:tailEnd type="none" w="med" len="med"/>
+                    </a:lnB>
+                  </a:tcPr>
+                </a:tc>
+                <a:extLst>
+                  <a:ext uri="{0D108BD9-81ED-4DB2-BD59-A6C34878D82A}">
+                    <a16:rowId xmlns:a16="http://schemas.microsoft.com/office/drawing/2014/main" val="3948087668"/>
+                  </a:ext>
+                </a:extLst>
+              </a:tr>
+              <a:tr h="277197">
+                <a:tc vMerge="1">
+                  <a:txBody>
+                    <a:bodyPr/>
+                    <a:lstStyle/>
+                    <a:p>
+                      <a:pPr algn="ctr" latinLnBrk="1"/>
+                      <a:endParaRPr lang="ko-KR" altLang="en-US" sz="1100" dirty="0">
+                        <a:ea typeface="KoPub돋움체 Bold" panose="02020603020101020101"/>
+                      </a:endParaRPr>
+                    </a:p>
+                  </a:txBody>
+                  <a:tcPr anchor="ctr">
+                    <a:lnL w="19050" cap="flat" cmpd="sng" algn="ctr">
+                      <a:solidFill>
+                        <a:schemeClr val="tx1"/>
+                      </a:solidFill>
+                      <a:prstDash val="solid"/>
+                      <a:round/>
+                      <a:headEnd type="none" w="med" len="med"/>
+                      <a:tailEnd type="none" w="med" len="med"/>
+                    </a:lnL>
+                    <a:lnR w="12700" cap="flat" cmpd="sng" algn="ctr">
+                      <a:solidFill>
+                        <a:schemeClr val="tx1"/>
+                      </a:solidFill>
+                      <a:prstDash val="sysDot"/>
+                      <a:round/>
+                      <a:headEnd type="none" w="med" len="med"/>
+                      <a:tailEnd type="none" w="med" len="med"/>
+                    </a:lnR>
+                    <a:lnT w="19050" cap="flat" cmpd="sng" algn="ctr">
+                      <a:solidFill>
+                        <a:schemeClr val="tx1"/>
+                      </a:solidFill>
+                      <a:prstDash val="solid"/>
+                      <a:round/>
+                      <a:headEnd type="none" w="med" len="med"/>
+                      <a:tailEnd type="none" w="med" len="med"/>
+                    </a:lnT>
+                    <a:lnB w="12700" cap="flat" cmpd="sng" algn="ctr">
+                      <a:solidFill>
+                        <a:schemeClr val="tx1"/>
+                      </a:solidFill>
+                      <a:prstDash val="sysDot"/>
+                      <a:round/>
+                      <a:headEnd type="none" w="med" len="med"/>
+                      <a:tailEnd type="none" w="med" len="med"/>
+                    </a:lnB>
+                  </a:tcPr>
+                </a:tc>
+                <a:tc>
+                  <a:txBody>
+                    <a:bodyPr/>
+                    <a:lstStyle/>
+                    <a:p>
+                      <a:pPr algn="ctr" latinLnBrk="1"/>
+                      <a:r>
+                        <a:rPr lang="ko-KR" altLang="en-US" sz="1100" b="0" dirty="0">
+                          <a:solidFill>
+                            <a:schemeClr val="tx1"/>
+                          </a:solidFill>
+                          <a:latin typeface="KoPub돋움체_Pro Light" panose="00000300000000000000" pitchFamily="50" charset="-127"/>
+                          <a:ea typeface="KoPub돋움체_Pro Light" panose="00000300000000000000" pitchFamily="50" charset="-127"/>
+                        </a:rPr>
+                        <a:t>측정시간</a:t>
+                      </a:r>
+                    </a:p>
+                  </a:txBody>
+                  <a:tcPr anchor="ctr">
+                    <a:lnL w="12700" cap="flat" cmpd="sng" algn="ctr">
+                      <a:solidFill>
+                        <a:schemeClr val="tx1"/>
+                      </a:solidFill>
+                      <a:prstDash val="sysDot"/>
+                      <a:round/>
+                      <a:headEnd type="none" w="med" len="med"/>
+                      <a:tailEnd type="none" w="med" len="med"/>
+                    </a:lnL>
+                    <a:lnR w="6350" cap="flat" cmpd="sng" algn="ctr">
+                      <a:solidFill>
+                        <a:schemeClr val="tx1"/>
+                      </a:solidFill>
+                      <a:prstDash val="solid"/>
+                      <a:round/>
+                      <a:headEnd type="none" w="med" len="med"/>
+                      <a:tailEnd type="none" w="med" len="med"/>
+                    </a:lnR>
+                    <a:lnT w="12700" cap="flat" cmpd="sng" algn="ctr">
+                      <a:solidFill>
+                        <a:schemeClr val="tx1"/>
+                      </a:solidFill>
+                      <a:prstDash val="sysDot"/>
+                      <a:round/>
+                      <a:headEnd type="none" w="med" len="med"/>
+                      <a:tailEnd type="none" w="med" len="med"/>
+                    </a:lnT>
+                    <a:lnB w="19050" cap="flat" cmpd="sng" algn="ctr">
+                      <a:solidFill>
+                        <a:schemeClr val="tx1"/>
+                      </a:solidFill>
+                      <a:prstDash val="solid"/>
+                      <a:round/>
+                      <a:headEnd type="none" w="med" len="med"/>
+                      <a:tailEnd type="none" w="med" len="med"/>
+                    </a:lnB>
+                  </a:tcPr>
+                </a:tc>
+                <a:tc>
+                  <a:txBody>
+                    <a:bodyPr/>
+                    <a:lstStyle/>
+                    <a:p>
+                      <a:pPr algn="ctr" latinLnBrk="1"/>
+                      <a:r>
+                        <a:rPr lang="en-US" altLang="ko-KR" sz="1100" b="0" dirty="0">
+                          <a:solidFill>
+                            <a:schemeClr val="tx1"/>
+                          </a:solidFill>
+                          <a:latin typeface="KoPub돋움체_Pro Light" panose="00000300000000000000" pitchFamily="50" charset="-127"/>
+                          <a:ea typeface="KoPub돋움체_Pro Light" panose="00000300000000000000" pitchFamily="50" charset="-127"/>
+                        </a:rPr>
+                        <a:t>350msec</a:t>
+                      </a:r>
+                    </a:p>
+                  </a:txBody>
+                  <a:tcPr anchor="ctr">
+                    <a:lnL w="6350" cap="flat" cmpd="sng" algn="ctr">
+                      <a:solidFill>
+                        <a:schemeClr val="tx1"/>
+                      </a:solidFill>
+                      <a:prstDash val="solid"/>
+                      <a:round/>
+                      <a:headEnd type="none" w="med" len="med"/>
+                      <a:tailEnd type="none" w="med" len="med"/>
+                    </a:lnL>
+                    <a:lnR w="19050" cap="flat" cmpd="sng" algn="ctr">
+                      <a:solidFill>
+                        <a:schemeClr val="tx1"/>
+                      </a:solidFill>
+                      <a:prstDash val="solid"/>
+                      <a:round/>
+                      <a:headEnd type="none" w="med" len="med"/>
+                      <a:tailEnd type="none" w="med" len="med"/>
+                    </a:lnR>
+                    <a:lnT w="12700" cap="flat" cmpd="sng" algn="ctr">
+                      <a:solidFill>
+                        <a:schemeClr val="tx1"/>
+                      </a:solidFill>
+                      <a:prstDash val="sysDot"/>
+                      <a:round/>
+                      <a:headEnd type="none" w="med" len="med"/>
+                      <a:tailEnd type="none" w="med" len="med"/>
+                    </a:lnT>
+                    <a:lnB w="19050" cap="flat" cmpd="sng" algn="ctr">
+                      <a:solidFill>
+                        <a:schemeClr val="tx1"/>
+                      </a:solidFill>
+                      <a:prstDash val="solid"/>
+                      <a:round/>
+                      <a:headEnd type="none" w="med" len="med"/>
+                      <a:tailEnd type="none" w="med" len="med"/>
+                    </a:lnB>
+                  </a:tcPr>
+                </a:tc>
+                <a:extLst>
+                  <a:ext uri="{0D108BD9-81ED-4DB2-BD59-A6C34878D82A}">
+                    <a16:rowId xmlns:a16="http://schemas.microsoft.com/office/drawing/2014/main" val="4141176735"/>
+                  </a:ext>
+                </a:extLst>
+              </a:tr>
+            </a:tbl>
+          </a:graphicData>
+        </a:graphic>
+      </p:graphicFrame>
     </p:spTree>
     <p:extLst>
       <p:ext uri="{BB962C8B-B14F-4D97-AF65-F5344CB8AC3E}">
@@ -5613,6 +8831,52 @@
           <a:chExt cx="0" cy="0"/>
         </a:xfrm>
       </p:grpSpPr>
+      <p:sp>
+        <p:nvSpPr>
+          <p:cNvPr id="2" name="TextBox 1">
+            <a:extLst>
+              <a:ext uri="{FF2B5EF4-FFF2-40B4-BE49-F238E27FC236}">
+                <a16:creationId xmlns:a16="http://schemas.microsoft.com/office/drawing/2014/main" id="{CA1BD9E8-3948-0D0E-C806-531333111F20}"/>
+              </a:ext>
+            </a:extLst>
+          </p:cNvPr>
+          <p:cNvSpPr txBox="1"/>
+          <p:nvPr/>
+        </p:nvSpPr>
+        <p:spPr>
+          <a:xfrm>
+            <a:off x="505326" y="32670"/>
+            <a:ext cx="532899" cy="523220"/>
+          </a:xfrm>
+          <a:prstGeom prst="rect">
+            <a:avLst/>
+          </a:prstGeom>
+          <a:noFill/>
+        </p:spPr>
+        <p:txBody>
+          <a:bodyPr wrap="square">
+            <a:spAutoFit/>
+          </a:bodyPr>
+          <a:lstStyle/>
+          <a:p>
+            <a:r>
+              <a:rPr lang="en-US" altLang="ko-KR" sz="2800" b="1" dirty="0">
+                <a:solidFill>
+                  <a:schemeClr val="bg1"/>
+                </a:solidFill>
+                <a:latin typeface="맑은 고딕" panose="020B0503020000020004" pitchFamily="50" charset="-127"/>
+                <a:ea typeface="맑은 고딕" panose="020B0503020000020004" pitchFamily="50" charset="-127"/>
+              </a:rPr>
+              <a:t>Ⅲ</a:t>
+            </a:r>
+            <a:endParaRPr sz="2800" b="1" dirty="0">
+              <a:solidFill>
+                <a:schemeClr val="bg1"/>
+              </a:solidFill>
+            </a:endParaRPr>
+          </a:p>
+        </p:txBody>
+      </p:sp>
     </p:spTree>
     <p:extLst>
       <p:ext uri="{BB962C8B-B14F-4D97-AF65-F5344CB8AC3E}">
@@ -5971,15 +9235,7 @@
             </a:r>
             <a:r>
               <a:rPr lang="ko-KR" altLang="en-US" sz="1400" b="1" dirty="0"/>
-              <a:t>하드웨어 기초  및 산업용 하나인 </a:t>
-            </a:r>
-            <a:r>
-              <a:rPr lang="ko-KR" altLang="en-US" sz="1400" dirty="0"/>
-              <a:t> </a:t>
-            </a:r>
-            <a:r>
-              <a:rPr lang="ko-KR" altLang="en-US" sz="1400" b="1" dirty="0"/>
-              <a:t>시리얼 통신</a:t>
+              <a:t>하드웨어 기초  및 산업용 통신  중 하나인 시리얼 통신</a:t>
             </a:r>
             <a:r>
               <a:rPr lang="en-US" altLang="ko-KR" sz="1400" b="1" dirty="0"/>
@@ -6170,6 +9426,180 @@
           </a:p>
         </p:txBody>
       </p:sp>
+      <p:sp>
+        <p:nvSpPr>
+          <p:cNvPr id="7" name="Rectangle 87">
+            <a:extLst>
+              <a:ext uri="{FF2B5EF4-FFF2-40B4-BE49-F238E27FC236}">
+                <a16:creationId xmlns:a16="http://schemas.microsoft.com/office/drawing/2014/main" id="{ED8425FD-3163-F3BA-5699-5759BF555D52}"/>
+              </a:ext>
+            </a:extLst>
+          </p:cNvPr>
+          <p:cNvSpPr>
+            <a:spLocks noChangeArrowheads="1"/>
+          </p:cNvSpPr>
+          <p:nvPr/>
+        </p:nvSpPr>
+        <p:spPr bwMode="auto">
+          <a:xfrm>
+            <a:off x="6146141" y="1692638"/>
+            <a:ext cx="2778027" cy="580159"/>
+          </a:xfrm>
+          <a:prstGeom prst="rect">
+            <a:avLst/>
+          </a:prstGeom>
+          <a:noFill/>
+          <a:ln w="9525" algn="ctr">
+            <a:noFill/>
+            <a:miter lim="800000"/>
+            <a:headEnd/>
+            <a:tailEnd/>
+          </a:ln>
+        </p:spPr>
+        <p:txBody>
+          <a:bodyPr wrap="square" lIns="36000" tIns="0" rIns="36000" bIns="0" anchor="t" anchorCtr="0">
+            <a:spAutoFit/>
+          </a:bodyPr>
+          <a:lstStyle/>
+          <a:p>
+            <a:pPr marL="174592" lvl="1" indent="-174592" defTabSz="1162668" fontAlgn="base">
+              <a:lnSpc>
+                <a:spcPct val="120000"/>
+              </a:lnSpc>
+              <a:spcAft>
+                <a:spcPts val="300"/>
+              </a:spcAft>
+              <a:buClr>
+                <a:srgbClr val="50B8D1"/>
+              </a:buClr>
+              <a:buSzPct val="120000"/>
+              <a:buBlip>
+                <a:blip r:embed="rId5"/>
+              </a:buBlip>
+              <a:tabLst>
+                <a:tab pos="566990" algn="l"/>
+                <a:tab pos="8777977" algn="r"/>
+              </a:tabLst>
+            </a:pPr>
+            <a:r>
+              <a:rPr kumimoji="1" lang="ko-KR" altLang="en-US" sz="1100" b="1" spc="-22" dirty="0">
+                <a:ln>
+                  <a:solidFill>
+                    <a:srgbClr val="ADADAD">
+                      <a:alpha val="0"/>
+                    </a:srgbClr>
+                  </a:solidFill>
+                </a:ln>
+                <a:latin typeface="KoPub돋움체 Medium" panose="02020603020101020101" pitchFamily="18" charset="-127"/>
+                <a:ea typeface="KoPub돋움체 Bold" panose="02020603020101020101"/>
+                <a:cs typeface="뫼비우스 Bold" pitchFamily="2" charset="-127"/>
+                <a:sym typeface="Monotype Sorts"/>
+              </a:rPr>
+              <a:t>고품질 및 국내 배터리 팩 요구  </a:t>
+            </a:r>
+            <a:endParaRPr kumimoji="1" lang="en-US" altLang="ko-KR" sz="1100" b="1" spc="-22" dirty="0">
+              <a:ln>
+                <a:solidFill>
+                  <a:srgbClr val="ADADAD">
+                    <a:alpha val="0"/>
+                  </a:srgbClr>
+                </a:solidFill>
+              </a:ln>
+              <a:latin typeface="KoPub돋움체 Medium" panose="02020603020101020101" pitchFamily="18" charset="-127"/>
+              <a:ea typeface="KoPub돋움체 Bold" panose="02020603020101020101"/>
+              <a:cs typeface="뫼비우스 Bold" pitchFamily="2" charset="-127"/>
+              <a:sym typeface="Monotype Sorts"/>
+            </a:endParaRPr>
+          </a:p>
+          <a:p>
+            <a:pPr marL="174592" lvl="1" indent="-174592" defTabSz="1162668" fontAlgn="base" latinLnBrk="0">
+              <a:spcAft>
+                <a:spcPts val="300"/>
+              </a:spcAft>
+              <a:buClr>
+                <a:srgbClr val="50B8D1"/>
+              </a:buClr>
+              <a:buSzPct val="120000"/>
+              <a:buBlip>
+                <a:blip r:embed="rId5"/>
+              </a:buBlip>
+              <a:tabLst>
+                <a:tab pos="566990" algn="l"/>
+                <a:tab pos="8777977" algn="r"/>
+              </a:tabLst>
+            </a:pPr>
+            <a:r>
+              <a:rPr lang="ko-KR" altLang="en-US" sz="1100" b="1" dirty="0">
+                <a:ln>
+                  <a:solidFill>
+                    <a:prstClr val="white">
+                      <a:alpha val="0"/>
+                    </a:prstClr>
+                  </a:solidFill>
+                </a:ln>
+                <a:solidFill>
+                  <a:prstClr val="black"/>
+                </a:solidFill>
+                <a:latin typeface="KoPub돋움체 Bold" panose="02020603020101020101" pitchFamily="18" charset="-127"/>
+                <a:ea typeface="KoPub돋움체 Bold" panose="02020603020101020101"/>
+                <a:cs typeface="Arial" pitchFamily="34" charset="0"/>
+              </a:rPr>
+              <a:t>제품설계</a:t>
+            </a:r>
+            <a:r>
+              <a:rPr lang="en-US" altLang="ko-KR" sz="1100" b="1" dirty="0">
+                <a:ln>
+                  <a:solidFill>
+                    <a:prstClr val="white">
+                      <a:alpha val="0"/>
+                    </a:prstClr>
+                  </a:solidFill>
+                </a:ln>
+                <a:solidFill>
+                  <a:prstClr val="black"/>
+                </a:solidFill>
+                <a:latin typeface="KoPub돋움체 Bold" panose="02020603020101020101" pitchFamily="18" charset="-127"/>
+                <a:ea typeface="KoPub돋움체 Bold" panose="02020603020101020101"/>
+                <a:cs typeface="Arial" pitchFamily="34" charset="0"/>
+              </a:rPr>
+              <a:t>, </a:t>
+            </a:r>
+            <a:r>
+              <a:rPr lang="ko-KR" altLang="en-US" sz="1100" b="1" dirty="0">
+                <a:ln>
+                  <a:solidFill>
+                    <a:prstClr val="white">
+                      <a:alpha val="0"/>
+                    </a:prstClr>
+                  </a:solidFill>
+                </a:ln>
+                <a:solidFill>
+                  <a:prstClr val="black"/>
+                </a:solidFill>
+                <a:latin typeface="KoPub돋움체 Bold" panose="02020603020101020101" pitchFamily="18" charset="-127"/>
+                <a:ea typeface="KoPub돋움체 Bold" panose="02020603020101020101"/>
+                <a:cs typeface="Arial" pitchFamily="34" charset="0"/>
+              </a:rPr>
+              <a:t>보수를 위해 추진시스템을 일괄 발주를 선호함 </a:t>
+            </a:r>
+            <a:endParaRPr lang="en-US" altLang="ko-KR" sz="1100" b="1" dirty="0">
+              <a:ln>
+                <a:solidFill>
+                  <a:prstClr val="white">
+                    <a:alpha val="0"/>
+                  </a:prstClr>
+                </a:solidFill>
+              </a:ln>
+              <a:solidFill>
+                <a:prstClr val="black"/>
+              </a:solidFill>
+              <a:latin typeface="KoPub돋움체 Bold" panose="02020603020101020101" pitchFamily="18" charset="-127"/>
+              <a:ea typeface="KoPub돋움체 Bold" panose="02020603020101020101"/>
+              <a:cs typeface="Arial" pitchFamily="34" charset="0"/>
+            </a:endParaRPr>
+          </a:p>
+        </p:txBody>
+      </p:sp>
     </p:spTree>
   </p:cSld>
   <p:clrMapOvr>
@@ -6259,7 +9689,7 @@
           <p:nvPr>
             <p:extLst>
               <p:ext uri="{D42A27DB-BD31-4B8C-83A1-F6EECF244321}">
-                <p14:modId xmlns:p14="http://schemas.microsoft.com/office/powerpoint/2010/main" val="570858994"/>
+                <p14:modId xmlns:p14="http://schemas.microsoft.com/office/powerpoint/2010/main" val="3723746058"/>
               </p:ext>
             </p:extLst>
           </p:nvPr>

--- a/나의자랑 위한 연구노트 정리건 .pptx
+++ b/나의자랑 위한 연구노트 정리건 .pptx
@@ -5,7 +5,7 @@
     <p:sldMasterId id="2147483650" r:id="rId1"/>
   </p:sldMasterIdLst>
   <p:notesMasterIdLst>
-    <p:notesMasterId r:id="rId16"/>
+    <p:notesMasterId r:id="rId17"/>
   </p:notesMasterIdLst>
   <p:sldIdLst>
     <p:sldId id="362" r:id="rId2"/>
@@ -21,7 +21,8 @@
     <p:sldId id="371" r:id="rId12"/>
     <p:sldId id="373" r:id="rId13"/>
     <p:sldId id="375" r:id="rId14"/>
-    <p:sldId id="374" r:id="rId15"/>
+    <p:sldId id="376" r:id="rId15"/>
+    <p:sldId id="374" r:id="rId16"/>
   </p:sldIdLst>
   <p:sldSz cx="9144000" cy="6858000" type="screen4x3"/>
   <p:notesSz cx="7104063" cy="10234613"/>
@@ -267,7 +268,7 @@
             <a:fld id="{E17D9BB9-5E5E-415F-BA33-FC61722C5980}" type="datetimeFigureOut">
               <a:rPr lang="ko-KR" altLang="en-US" smtClean="0"/>
               <a:pPr/>
-              <a:t>2025-05-18</a:t>
+              <a:t>2025-05-22</a:t>
             </a:fld>
             <a:endParaRPr lang="ko-KR" altLang="en-US"/>
           </a:p>
@@ -4474,7 +4475,7 @@
         </p:nvSpPr>
         <p:spPr>
           <a:xfrm>
-            <a:off x="1129780" y="32670"/>
+            <a:off x="407886" y="797411"/>
             <a:ext cx="7840965" cy="461665"/>
           </a:xfrm>
           <a:prstGeom prst="rect">
@@ -4489,20 +4490,59 @@
           <a:lstStyle/>
           <a:p>
             <a:r>
-              <a:rPr lang="en-US" altLang="ko-KR" sz="2400" b="1" dirty="0">
+              <a:rPr lang="ko-KR" altLang="en-US" sz="2400" b="1" dirty="0">
+                <a:solidFill>
+                  <a:srgbClr val="C00000"/>
+                </a:solidFill>
                 <a:latin typeface="+mj-ea"/>
                 <a:ea typeface="+mj-ea"/>
               </a:rPr>
-              <a:t>01-</a:t>
-            </a:r>
-            <a:r>
-              <a:rPr lang="ko-KR" altLang="en-US" sz="2400" b="1" dirty="0">
+              <a:t>온도 센서 종류</a:t>
+            </a:r>
+            <a:r>
+              <a:rPr lang="en-US" altLang="ko-KR" sz="2400" b="1" dirty="0">
+                <a:solidFill>
+                  <a:srgbClr val="C00000"/>
+                </a:solidFill>
                 <a:latin typeface="+mj-ea"/>
                 <a:ea typeface="+mj-ea"/>
               </a:rPr>
-              <a:t>온도 센서</a:t>
+              <a:t>, </a:t>
+            </a:r>
+            <a:r>
+              <a:rPr lang="ko-KR" altLang="en-US" sz="2400" b="1" dirty="0">
+                <a:solidFill>
+                  <a:srgbClr val="C00000"/>
+                </a:solidFill>
+                <a:latin typeface="+mj-ea"/>
+                <a:ea typeface="+mj-ea"/>
+              </a:rPr>
+              <a:t>동작</a:t>
+            </a:r>
+            <a:r>
+              <a:rPr lang="en-US" altLang="ko-KR" sz="2400" b="1" dirty="0">
+                <a:solidFill>
+                  <a:srgbClr val="C00000"/>
+                </a:solidFill>
+                <a:latin typeface="+mj-ea"/>
+                <a:ea typeface="+mj-ea"/>
+              </a:rPr>
+              <a:t>, </a:t>
+            </a:r>
+            <a:r>
+              <a:rPr lang="ko-KR" altLang="en-US" sz="2400" b="1" dirty="0">
+                <a:solidFill>
+                  <a:srgbClr val="C00000"/>
+                </a:solidFill>
+                <a:latin typeface="+mj-ea"/>
+                <a:ea typeface="+mj-ea"/>
+              </a:rPr>
+              <a:t>센서 활용 방안 </a:t>
             </a:r>
             <a:endParaRPr sz="2400" b="1" dirty="0">
+              <a:solidFill>
+                <a:srgbClr val="C00000"/>
+              </a:solidFill>
               <a:latin typeface="+mj-ea"/>
               <a:ea typeface="+mj-ea"/>
             </a:endParaRPr>
@@ -4789,7 +4829,7 @@
         <p:spPr>
           <a:xfrm>
             <a:off x="6128335" y="1222664"/>
-            <a:ext cx="1023037" cy="307777"/>
+            <a:ext cx="1422184" cy="307777"/>
           </a:xfrm>
           <a:prstGeom prst="rect">
             <a:avLst/>
@@ -4808,7 +4848,7 @@
                   <a:schemeClr val="bg1"/>
                 </a:solidFill>
               </a:rPr>
-              <a:t>센서 종류  </a:t>
+              <a:t>온도 센서 종류  </a:t>
             </a:r>
           </a:p>
         </p:txBody>
@@ -4828,7 +4868,7 @@
         <p:spPr>
           <a:xfrm>
             <a:off x="6135548" y="2905310"/>
-            <a:ext cx="1282723" cy="307777"/>
+            <a:ext cx="1502334" cy="307777"/>
           </a:xfrm>
           <a:prstGeom prst="rect">
             <a:avLst/>
@@ -4847,7 +4887,7 @@
                   <a:schemeClr val="bg1"/>
                 </a:solidFill>
               </a:rPr>
-              <a:t>센서 특장점    </a:t>
+              <a:t>센서 동작 원리    </a:t>
             </a:r>
           </a:p>
         </p:txBody>
@@ -4867,7 +4907,7 @@
         <p:spPr>
           <a:xfrm>
             <a:off x="6128335" y="4619461"/>
-            <a:ext cx="1023037" cy="307777"/>
+            <a:ext cx="1422184" cy="307777"/>
           </a:xfrm>
           <a:prstGeom prst="rect">
             <a:avLst/>
@@ -4886,7 +4926,7 @@
                   <a:schemeClr val="bg1"/>
                 </a:solidFill>
               </a:rPr>
-              <a:t>센서 활용  </a:t>
+              <a:t>센서 활용 방안  </a:t>
             </a:r>
           </a:p>
         </p:txBody>
@@ -5413,36 +5453,55 @@
           </a:p>
         </p:txBody>
       </p:sp>
-      <p:pic>
-        <p:nvPicPr>
-          <p:cNvPr id="18" name="그림 17">
+      <p:sp>
+        <p:nvSpPr>
+          <p:cNvPr id="17" name="TextBox 16">
             <a:extLst>
               <a:ext uri="{FF2B5EF4-FFF2-40B4-BE49-F238E27FC236}">
-                <a16:creationId xmlns:a16="http://schemas.microsoft.com/office/drawing/2014/main" id="{0DD04BD3-0F33-4EF7-C01B-A667A9FBA0BF}"/>
+                <a16:creationId xmlns:a16="http://schemas.microsoft.com/office/drawing/2014/main" id="{AF5CC31B-CD52-29D1-E2D8-4A67B18613E8}"/>
               </a:ext>
             </a:extLst>
           </p:cNvPr>
-          <p:cNvPicPr>
-            <a:picLocks noChangeAspect="1"/>
-          </p:cNvPicPr>
+          <p:cNvSpPr txBox="1"/>
           <p:nvPr/>
-        </p:nvPicPr>
-        <p:blipFill>
-          <a:blip r:embed="rId5"/>
-          <a:stretch>
-            <a:fillRect/>
-          </a:stretch>
-        </p:blipFill>
+        </p:nvSpPr>
         <p:spPr>
           <a:xfrm>
-            <a:off x="407388" y="1202760"/>
-            <a:ext cx="2792884" cy="1958291"/>
+            <a:off x="1156791" y="60151"/>
+            <a:ext cx="7840965" cy="461665"/>
           </a:xfrm>
           <a:prstGeom prst="rect">
             <a:avLst/>
           </a:prstGeom>
+          <a:noFill/>
         </p:spPr>
-      </p:pic>
+        <p:txBody>
+          <a:bodyPr wrap="square" anchor="ctr">
+            <a:spAutoFit/>
+          </a:bodyPr>
+          <a:lstStyle/>
+          <a:p>
+            <a:r>
+              <a:rPr lang="en-US" altLang="ko-KR" sz="2400" b="1" dirty="0">
+                <a:latin typeface="+mj-ea"/>
+                <a:ea typeface="+mj-ea"/>
+              </a:rPr>
+              <a:t>01-</a:t>
+            </a:r>
+            <a:r>
+              <a:rPr lang="ko-KR" altLang="en-US" sz="2400" b="1" dirty="0">
+                <a:latin typeface="+mj-ea"/>
+                <a:ea typeface="+mj-ea"/>
+              </a:rPr>
+              <a:t>온도 센서</a:t>
+            </a:r>
+            <a:endParaRPr sz="2400" b="1" dirty="0">
+              <a:latin typeface="+mj-ea"/>
+              <a:ea typeface="+mj-ea"/>
+            </a:endParaRPr>
+          </a:p>
+        </p:txBody>
+      </p:sp>
     </p:spTree>
     <p:extLst>
       <p:ext uri="{BB962C8B-B14F-4D97-AF65-F5344CB8AC3E}">
@@ -5498,7 +5557,7 @@
         </p:blipFill>
         <p:spPr bwMode="auto">
           <a:xfrm rot="5400000">
-            <a:off x="1964321" y="2859519"/>
+            <a:off x="2031696" y="2859519"/>
             <a:ext cx="4528116" cy="1322513"/>
           </a:xfrm>
           <a:prstGeom prst="rect">
@@ -5535,7 +5594,7 @@
         </p:blipFill>
         <p:spPr>
           <a:xfrm>
-            <a:off x="204057" y="2194895"/>
+            <a:off x="547678" y="2194895"/>
             <a:ext cx="4024322" cy="2468209"/>
           </a:xfrm>
           <a:prstGeom prst="rect">
@@ -8691,6 +8750,101 @@
           </a:graphicData>
         </a:graphic>
       </p:graphicFrame>
+      <p:sp>
+        <p:nvSpPr>
+          <p:cNvPr id="2" name="TextBox 1">
+            <a:extLst>
+              <a:ext uri="{FF2B5EF4-FFF2-40B4-BE49-F238E27FC236}">
+                <a16:creationId xmlns:a16="http://schemas.microsoft.com/office/drawing/2014/main" id="{8A750489-80D4-8335-D98A-CE0B247BD667}"/>
+              </a:ext>
+            </a:extLst>
+          </p:cNvPr>
+          <p:cNvSpPr txBox="1"/>
+          <p:nvPr/>
+        </p:nvSpPr>
+        <p:spPr>
+          <a:xfrm>
+            <a:off x="505326" y="32670"/>
+            <a:ext cx="532899" cy="523220"/>
+          </a:xfrm>
+          <a:prstGeom prst="rect">
+            <a:avLst/>
+          </a:prstGeom>
+          <a:noFill/>
+        </p:spPr>
+        <p:txBody>
+          <a:bodyPr wrap="square">
+            <a:spAutoFit/>
+          </a:bodyPr>
+          <a:lstStyle/>
+          <a:p>
+            <a:r>
+              <a:rPr lang="en-US" altLang="ko-KR" sz="2800" b="1" dirty="0">
+                <a:solidFill>
+                  <a:schemeClr val="bg1"/>
+                </a:solidFill>
+                <a:latin typeface="맑은 고딕" panose="020B0503020000020004" pitchFamily="50" charset="-127"/>
+                <a:ea typeface="맑은 고딕" panose="020B0503020000020004" pitchFamily="50" charset="-127"/>
+              </a:rPr>
+              <a:t>Ⅲ</a:t>
+            </a:r>
+            <a:endParaRPr sz="2800" b="1" dirty="0">
+              <a:solidFill>
+                <a:schemeClr val="bg1"/>
+              </a:solidFill>
+            </a:endParaRPr>
+          </a:p>
+        </p:txBody>
+      </p:sp>
+      <p:sp>
+        <p:nvSpPr>
+          <p:cNvPr id="6" name="TextBox 5">
+            <a:extLst>
+              <a:ext uri="{FF2B5EF4-FFF2-40B4-BE49-F238E27FC236}">
+                <a16:creationId xmlns:a16="http://schemas.microsoft.com/office/drawing/2014/main" id="{59EFD672-E354-E1AC-570C-41E6BC0A79AA}"/>
+              </a:ext>
+            </a:extLst>
+          </p:cNvPr>
+          <p:cNvSpPr txBox="1"/>
+          <p:nvPr/>
+        </p:nvSpPr>
+        <p:spPr>
+          <a:xfrm>
+            <a:off x="1098977" y="32670"/>
+            <a:ext cx="8045023" cy="461665"/>
+          </a:xfrm>
+          <a:prstGeom prst="rect">
+            <a:avLst/>
+          </a:prstGeom>
+          <a:noFill/>
+        </p:spPr>
+        <p:txBody>
+          <a:bodyPr wrap="square" anchor="ctr">
+            <a:spAutoFit/>
+          </a:bodyPr>
+          <a:lstStyle/>
+          <a:p>
+            <a:r>
+              <a:rPr lang="en-US" altLang="ko-KR" sz="2400" b="1" dirty="0">
+                <a:latin typeface="+mj-ea"/>
+                <a:ea typeface="+mj-ea"/>
+              </a:rPr>
+              <a:t>02-</a:t>
+            </a:r>
+            <a:r>
+              <a:rPr lang="ko-KR" altLang="en-US" sz="2400" b="1" dirty="0">
+                <a:latin typeface="+mj-ea"/>
+                <a:ea typeface="+mj-ea"/>
+              </a:rPr>
+              <a:t>하드웨어 특징</a:t>
+            </a:r>
+            <a:endParaRPr sz="2400" b="1" dirty="0">
+              <a:latin typeface="+mj-ea"/>
+              <a:ea typeface="+mj-ea"/>
+            </a:endParaRPr>
+          </a:p>
+        </p:txBody>
+      </p:sp>
     </p:spTree>
     <p:extLst>
       <p:ext uri="{BB962C8B-B14F-4D97-AF65-F5344CB8AC3E}">
@@ -8877,6 +9031,1107 @@
           </a:p>
         </p:txBody>
       </p:sp>
+      <p:sp>
+        <p:nvSpPr>
+          <p:cNvPr id="3" name="TextBox 2">
+            <a:extLst>
+              <a:ext uri="{FF2B5EF4-FFF2-40B4-BE49-F238E27FC236}">
+                <a16:creationId xmlns:a16="http://schemas.microsoft.com/office/drawing/2014/main" id="{87478F70-F7F7-AE1F-D030-5696260F8EC3}"/>
+              </a:ext>
+            </a:extLst>
+          </p:cNvPr>
+          <p:cNvSpPr txBox="1"/>
+          <p:nvPr/>
+        </p:nvSpPr>
+        <p:spPr>
+          <a:xfrm>
+            <a:off x="1098977" y="32670"/>
+            <a:ext cx="8045023" cy="461665"/>
+          </a:xfrm>
+          <a:prstGeom prst="rect">
+            <a:avLst/>
+          </a:prstGeom>
+          <a:noFill/>
+        </p:spPr>
+        <p:txBody>
+          <a:bodyPr wrap="square" anchor="ctr">
+            <a:spAutoFit/>
+          </a:bodyPr>
+          <a:lstStyle/>
+          <a:p>
+            <a:r>
+              <a:rPr lang="en-US" altLang="ko-KR" sz="2400" b="1" dirty="0">
+                <a:latin typeface="+mj-ea"/>
+                <a:ea typeface="+mj-ea"/>
+              </a:rPr>
+              <a:t>01-Pyside </a:t>
+            </a:r>
+            <a:r>
+              <a:rPr lang="ko-KR" altLang="en-US" sz="2400" b="1" dirty="0">
+                <a:latin typeface="+mj-ea"/>
+                <a:ea typeface="+mj-ea"/>
+              </a:rPr>
+              <a:t>학습 필요성 </a:t>
+            </a:r>
+            <a:endParaRPr sz="2400" b="1" dirty="0">
+              <a:latin typeface="+mj-ea"/>
+              <a:ea typeface="+mj-ea"/>
+            </a:endParaRPr>
+          </a:p>
+        </p:txBody>
+      </p:sp>
+      <p:sp>
+        <p:nvSpPr>
+          <p:cNvPr id="4" name="TextBox 3">
+            <a:extLst>
+              <a:ext uri="{FF2B5EF4-FFF2-40B4-BE49-F238E27FC236}">
+                <a16:creationId xmlns:a16="http://schemas.microsoft.com/office/drawing/2014/main" id="{5BB80C19-F875-DDA0-A241-DA5D494399F4}"/>
+              </a:ext>
+            </a:extLst>
+          </p:cNvPr>
+          <p:cNvSpPr txBox="1"/>
+          <p:nvPr/>
+        </p:nvSpPr>
+        <p:spPr>
+          <a:xfrm>
+            <a:off x="407886" y="797411"/>
+            <a:ext cx="7840965" cy="461665"/>
+          </a:xfrm>
+          <a:prstGeom prst="rect">
+            <a:avLst/>
+          </a:prstGeom>
+          <a:noFill/>
+        </p:spPr>
+        <p:txBody>
+          <a:bodyPr wrap="square" anchor="ctr">
+            <a:spAutoFit/>
+          </a:bodyPr>
+          <a:lstStyle/>
+          <a:p>
+            <a:r>
+              <a:rPr lang="en-US" sz="2400" b="1" dirty="0" err="1">
+                <a:solidFill>
+                  <a:srgbClr val="C00000"/>
+                </a:solidFill>
+                <a:latin typeface="+mj-ea"/>
+                <a:ea typeface="+mj-ea"/>
+              </a:rPr>
+              <a:t>Pyside</a:t>
+            </a:r>
+            <a:r>
+              <a:rPr lang="en-US" sz="2400" b="1" dirty="0">
+                <a:solidFill>
+                  <a:srgbClr val="C00000"/>
+                </a:solidFill>
+                <a:latin typeface="+mj-ea"/>
+                <a:ea typeface="+mj-ea"/>
+              </a:rPr>
+              <a:t> </a:t>
+            </a:r>
+            <a:r>
+              <a:rPr lang="ko-KR" altLang="en-US" sz="2400" b="1" dirty="0">
+                <a:solidFill>
+                  <a:srgbClr val="C00000"/>
+                </a:solidFill>
+                <a:latin typeface="+mj-ea"/>
+                <a:ea typeface="+mj-ea"/>
+              </a:rPr>
+              <a:t>연동 방법</a:t>
+            </a:r>
+            <a:endParaRPr sz="2400" b="1" dirty="0">
+              <a:solidFill>
+                <a:srgbClr val="C00000"/>
+              </a:solidFill>
+              <a:latin typeface="+mj-ea"/>
+              <a:ea typeface="+mj-ea"/>
+            </a:endParaRPr>
+          </a:p>
+        </p:txBody>
+      </p:sp>
+      <p:pic>
+        <p:nvPicPr>
+          <p:cNvPr id="5" name="Picture 212" descr="방향-07">
+            <a:extLst>
+              <a:ext uri="{FF2B5EF4-FFF2-40B4-BE49-F238E27FC236}">
+                <a16:creationId xmlns:a16="http://schemas.microsoft.com/office/drawing/2014/main" id="{9040CA02-2A38-B5E5-8C73-AA5BBF608D6E}"/>
+              </a:ext>
+            </a:extLst>
+          </p:cNvPr>
+          <p:cNvPicPr>
+            <a:picLocks noChangeAspect="1" noChangeArrowheads="1"/>
+          </p:cNvPicPr>
+          <p:nvPr/>
+        </p:nvPicPr>
+        <p:blipFill>
+          <a:blip r:embed="rId2" cstate="print">
+            <a:grayscl/>
+          </a:blip>
+          <a:srcRect/>
+          <a:stretch>
+            <a:fillRect/>
+          </a:stretch>
+        </p:blipFill>
+        <p:spPr bwMode="auto">
+          <a:xfrm rot="5400000">
+            <a:off x="3282065" y="3303813"/>
+            <a:ext cx="4528116" cy="1172416"/>
+          </a:xfrm>
+          <a:prstGeom prst="rect">
+            <a:avLst/>
+          </a:prstGeom>
+          <a:noFill/>
+          <a:ln w="9525">
+            <a:noFill/>
+            <a:miter lim="800000"/>
+            <a:headEnd/>
+            <a:tailEnd/>
+          </a:ln>
+        </p:spPr>
+      </p:pic>
+      <p:sp>
+        <p:nvSpPr>
+          <p:cNvPr id="6" name="TextBox 5">
+            <a:extLst>
+              <a:ext uri="{FF2B5EF4-FFF2-40B4-BE49-F238E27FC236}">
+                <a16:creationId xmlns:a16="http://schemas.microsoft.com/office/drawing/2014/main" id="{34735C8F-7C08-88E9-32A4-F1D18622589B}"/>
+              </a:ext>
+            </a:extLst>
+          </p:cNvPr>
+          <p:cNvSpPr txBox="1"/>
+          <p:nvPr/>
+        </p:nvSpPr>
+        <p:spPr>
+          <a:xfrm>
+            <a:off x="6182036" y="1202760"/>
+            <a:ext cx="1601721" cy="338554"/>
+          </a:xfrm>
+          <a:prstGeom prst="rect">
+            <a:avLst/>
+          </a:prstGeom>
+          <a:noFill/>
+        </p:spPr>
+        <p:txBody>
+          <a:bodyPr wrap="none" rtlCol="0">
+            <a:spAutoFit/>
+          </a:bodyPr>
+          <a:lstStyle/>
+          <a:p>
+            <a:r>
+              <a:rPr lang="ko-KR" altLang="en-US" sz="1600" b="1" dirty="0">
+                <a:solidFill>
+                  <a:schemeClr val="bg1"/>
+                </a:solidFill>
+              </a:rPr>
+              <a:t>개발 연동 방안  </a:t>
+            </a:r>
+          </a:p>
+        </p:txBody>
+      </p:sp>
+      <p:sp>
+        <p:nvSpPr>
+          <p:cNvPr id="7" name="TextBox 6">
+            <a:extLst>
+              <a:ext uri="{FF2B5EF4-FFF2-40B4-BE49-F238E27FC236}">
+                <a16:creationId xmlns:a16="http://schemas.microsoft.com/office/drawing/2014/main" id="{56EB174A-4D43-013F-3F36-EE1F7620A593}"/>
+              </a:ext>
+            </a:extLst>
+          </p:cNvPr>
+          <p:cNvSpPr txBox="1"/>
+          <p:nvPr/>
+        </p:nvSpPr>
+        <p:spPr>
+          <a:xfrm>
+            <a:off x="6128335" y="1222664"/>
+            <a:ext cx="1821332" cy="307777"/>
+          </a:xfrm>
+          <a:prstGeom prst="rect">
+            <a:avLst/>
+          </a:prstGeom>
+          <a:noFill/>
+        </p:spPr>
+        <p:txBody>
+          <a:bodyPr wrap="none" rtlCol="0">
+            <a:spAutoFit/>
+          </a:bodyPr>
+          <a:lstStyle/>
+          <a:p>
+            <a:r>
+              <a:rPr lang="ko-KR" altLang="en-US" sz="1400" b="1" dirty="0">
+                <a:solidFill>
+                  <a:schemeClr val="bg1"/>
+                </a:solidFill>
+              </a:rPr>
+              <a:t>버전 및 협력 필요성  </a:t>
+            </a:r>
+          </a:p>
+        </p:txBody>
+      </p:sp>
+      <p:sp>
+        <p:nvSpPr>
+          <p:cNvPr id="8" name="TextBox 7">
+            <a:extLst>
+              <a:ext uri="{FF2B5EF4-FFF2-40B4-BE49-F238E27FC236}">
+                <a16:creationId xmlns:a16="http://schemas.microsoft.com/office/drawing/2014/main" id="{99109BB0-FCCF-D1D8-6515-8471F2E061D6}"/>
+              </a:ext>
+            </a:extLst>
+          </p:cNvPr>
+          <p:cNvSpPr txBox="1"/>
+          <p:nvPr/>
+        </p:nvSpPr>
+        <p:spPr>
+          <a:xfrm>
+            <a:off x="6182036" y="2936934"/>
+            <a:ext cx="1508746" cy="338554"/>
+          </a:xfrm>
+          <a:prstGeom prst="rect">
+            <a:avLst/>
+          </a:prstGeom>
+          <a:noFill/>
+        </p:spPr>
+        <p:txBody>
+          <a:bodyPr wrap="none" rtlCol="0">
+            <a:spAutoFit/>
+          </a:bodyPr>
+          <a:lstStyle/>
+          <a:p>
+            <a:r>
+              <a:rPr lang="ko-KR" altLang="en-US" sz="1600" b="1" dirty="0">
+                <a:solidFill>
+                  <a:schemeClr val="bg1"/>
+                </a:solidFill>
+              </a:rPr>
+              <a:t>하드웨어 개발 </a:t>
+            </a:r>
+          </a:p>
+        </p:txBody>
+      </p:sp>
+      <p:sp>
+        <p:nvSpPr>
+          <p:cNvPr id="9" name="TextBox 8">
+            <a:extLst>
+              <a:ext uri="{FF2B5EF4-FFF2-40B4-BE49-F238E27FC236}">
+                <a16:creationId xmlns:a16="http://schemas.microsoft.com/office/drawing/2014/main" id="{22878BD9-68DD-A6BA-09E1-00D582C92F3C}"/>
+              </a:ext>
+            </a:extLst>
+          </p:cNvPr>
+          <p:cNvSpPr txBox="1"/>
+          <p:nvPr/>
+        </p:nvSpPr>
+        <p:spPr>
+          <a:xfrm>
+            <a:off x="6182036" y="1202760"/>
+            <a:ext cx="1601721" cy="338554"/>
+          </a:xfrm>
+          <a:prstGeom prst="rect">
+            <a:avLst/>
+          </a:prstGeom>
+          <a:noFill/>
+        </p:spPr>
+        <p:txBody>
+          <a:bodyPr wrap="none" rtlCol="0">
+            <a:spAutoFit/>
+          </a:bodyPr>
+          <a:lstStyle/>
+          <a:p>
+            <a:r>
+              <a:rPr lang="ko-KR" altLang="en-US" sz="1600" b="1" dirty="0">
+                <a:solidFill>
+                  <a:schemeClr val="bg1"/>
+                </a:solidFill>
+              </a:rPr>
+              <a:t>개발 연동 방안  </a:t>
+            </a:r>
+          </a:p>
+        </p:txBody>
+      </p:sp>
+      <p:sp>
+        <p:nvSpPr>
+          <p:cNvPr id="10" name="TextBox 9">
+            <a:extLst>
+              <a:ext uri="{FF2B5EF4-FFF2-40B4-BE49-F238E27FC236}">
+                <a16:creationId xmlns:a16="http://schemas.microsoft.com/office/drawing/2014/main" id="{3DEF38AA-1273-90C2-D9B3-9FD92E891A04}"/>
+              </a:ext>
+            </a:extLst>
+          </p:cNvPr>
+          <p:cNvSpPr txBox="1"/>
+          <p:nvPr/>
+        </p:nvSpPr>
+        <p:spPr>
+          <a:xfrm>
+            <a:off x="6182036" y="4671108"/>
+            <a:ext cx="1713931" cy="338554"/>
+          </a:xfrm>
+          <a:prstGeom prst="rect">
+            <a:avLst/>
+          </a:prstGeom>
+          <a:noFill/>
+        </p:spPr>
+        <p:txBody>
+          <a:bodyPr wrap="none" rtlCol="0">
+            <a:spAutoFit/>
+          </a:bodyPr>
+          <a:lstStyle/>
+          <a:p>
+            <a:r>
+              <a:rPr lang="ko-KR" altLang="en-US" sz="1600" b="1" dirty="0">
+                <a:solidFill>
+                  <a:schemeClr val="bg1"/>
+                </a:solidFill>
+              </a:rPr>
+              <a:t>소프트웨어 개발 </a:t>
+            </a:r>
+          </a:p>
+        </p:txBody>
+      </p:sp>
+      <p:pic>
+        <p:nvPicPr>
+          <p:cNvPr id="11" name="그림 10">
+            <a:extLst>
+              <a:ext uri="{FF2B5EF4-FFF2-40B4-BE49-F238E27FC236}">
+                <a16:creationId xmlns:a16="http://schemas.microsoft.com/office/drawing/2014/main" id="{14791617-775E-D3AE-04CB-DA0352B6BC38}"/>
+              </a:ext>
+            </a:extLst>
+          </p:cNvPr>
+          <p:cNvPicPr>
+            <a:picLocks noChangeAspect="1"/>
+          </p:cNvPicPr>
+          <p:nvPr/>
+        </p:nvPicPr>
+        <p:blipFill>
+          <a:blip r:embed="rId3"/>
+          <a:stretch>
+            <a:fillRect/>
+          </a:stretch>
+        </p:blipFill>
+        <p:spPr>
+          <a:xfrm>
+            <a:off x="6062050" y="1133139"/>
+            <a:ext cx="2935706" cy="5177565"/>
+          </a:xfrm>
+          <a:prstGeom prst="rect">
+            <a:avLst/>
+          </a:prstGeom>
+        </p:spPr>
+      </p:pic>
+      <p:sp>
+        <p:nvSpPr>
+          <p:cNvPr id="12" name="TextBox 11">
+            <a:extLst>
+              <a:ext uri="{FF2B5EF4-FFF2-40B4-BE49-F238E27FC236}">
+                <a16:creationId xmlns:a16="http://schemas.microsoft.com/office/drawing/2014/main" id="{9DE590F9-5520-30C1-95B7-F4186599C6E5}"/>
+              </a:ext>
+            </a:extLst>
+          </p:cNvPr>
+          <p:cNvSpPr txBox="1"/>
+          <p:nvPr/>
+        </p:nvSpPr>
+        <p:spPr>
+          <a:xfrm>
+            <a:off x="6128335" y="1202760"/>
+            <a:ext cx="1627561" cy="307777"/>
+          </a:xfrm>
+          <a:prstGeom prst="rect">
+            <a:avLst/>
+          </a:prstGeom>
+          <a:noFill/>
+        </p:spPr>
+        <p:txBody>
+          <a:bodyPr wrap="none" rtlCol="0">
+            <a:spAutoFit/>
+          </a:bodyPr>
+          <a:lstStyle/>
+          <a:p>
+            <a:r>
+              <a:rPr lang="en-US" altLang="ko-KR" sz="1400" b="1" dirty="0" err="1">
+                <a:solidFill>
+                  <a:srgbClr val="C00000"/>
+                </a:solidFill>
+              </a:rPr>
+              <a:t>Pyside</a:t>
+            </a:r>
+            <a:r>
+              <a:rPr lang="en-US" altLang="ko-KR" sz="1400" b="1" dirty="0">
+                <a:solidFill>
+                  <a:srgbClr val="C00000"/>
+                </a:solidFill>
+              </a:rPr>
+              <a:t> </a:t>
+            </a:r>
+            <a:r>
+              <a:rPr lang="ko-KR" altLang="en-US" sz="1400" b="1" dirty="0">
+                <a:solidFill>
+                  <a:srgbClr val="C00000"/>
+                </a:solidFill>
+              </a:rPr>
+              <a:t>설치 방법 </a:t>
+            </a:r>
+            <a:r>
+              <a:rPr lang="en-US" altLang="ko-KR" sz="1400" b="1" dirty="0">
+                <a:solidFill>
+                  <a:srgbClr val="C00000"/>
+                </a:solidFill>
+              </a:rPr>
+              <a:t> </a:t>
+            </a:r>
+            <a:r>
+              <a:rPr lang="ko-KR" altLang="en-US" sz="1400" b="1" dirty="0">
+                <a:solidFill>
+                  <a:srgbClr val="C00000"/>
+                </a:solidFill>
+              </a:rPr>
+              <a:t>  </a:t>
+            </a:r>
+          </a:p>
+        </p:txBody>
+      </p:sp>
+      <p:sp>
+        <p:nvSpPr>
+          <p:cNvPr id="15" name="Rectangle 87">
+            <a:extLst>
+              <a:ext uri="{FF2B5EF4-FFF2-40B4-BE49-F238E27FC236}">
+                <a16:creationId xmlns:a16="http://schemas.microsoft.com/office/drawing/2014/main" id="{5AB75382-F715-458F-EE4A-BF61FA170C46}"/>
+              </a:ext>
+            </a:extLst>
+          </p:cNvPr>
+          <p:cNvSpPr>
+            <a:spLocks noChangeArrowheads="1"/>
+          </p:cNvSpPr>
+          <p:nvPr/>
+        </p:nvSpPr>
+        <p:spPr bwMode="auto">
+          <a:xfrm>
+            <a:off x="6173152" y="1625963"/>
+            <a:ext cx="2778027" cy="580159"/>
+          </a:xfrm>
+          <a:prstGeom prst="rect">
+            <a:avLst/>
+          </a:prstGeom>
+          <a:noFill/>
+          <a:ln w="9525" algn="ctr">
+            <a:noFill/>
+            <a:miter lim="800000"/>
+            <a:headEnd/>
+            <a:tailEnd/>
+          </a:ln>
+        </p:spPr>
+        <p:txBody>
+          <a:bodyPr wrap="square" lIns="36000" tIns="0" rIns="36000" bIns="0" anchor="t" anchorCtr="0">
+            <a:spAutoFit/>
+          </a:bodyPr>
+          <a:lstStyle/>
+          <a:p>
+            <a:pPr marL="174592" lvl="1" indent="-174592" defTabSz="1162668" fontAlgn="base">
+              <a:lnSpc>
+                <a:spcPct val="120000"/>
+              </a:lnSpc>
+              <a:spcAft>
+                <a:spcPts val="300"/>
+              </a:spcAft>
+              <a:buClr>
+                <a:srgbClr val="50B8D1"/>
+              </a:buClr>
+              <a:buSzPct val="120000"/>
+              <a:buBlip>
+                <a:blip r:embed="rId4"/>
+              </a:buBlip>
+              <a:tabLst>
+                <a:tab pos="566990" algn="l"/>
+                <a:tab pos="8777977" algn="r"/>
+              </a:tabLst>
+            </a:pPr>
+            <a:r>
+              <a:rPr kumimoji="1" lang="ko-KR" altLang="en-US" sz="1100" b="1" spc="-22" dirty="0">
+                <a:ln>
+                  <a:solidFill>
+                    <a:srgbClr val="ADADAD">
+                      <a:alpha val="0"/>
+                    </a:srgbClr>
+                  </a:solidFill>
+                </a:ln>
+                <a:latin typeface="KoPub돋움체 Medium" panose="02020603020101020101" pitchFamily="18" charset="-127"/>
+                <a:ea typeface="KoPub돋움체 Bold" panose="02020603020101020101"/>
+                <a:cs typeface="뫼비우스 Bold" pitchFamily="2" charset="-127"/>
+                <a:sym typeface="Monotype Sorts"/>
+              </a:rPr>
+              <a:t>고품질 및 국내 배터리 팩 요구  </a:t>
+            </a:r>
+            <a:endParaRPr kumimoji="1" lang="en-US" altLang="ko-KR" sz="1100" b="1" spc="-22" dirty="0">
+              <a:ln>
+                <a:solidFill>
+                  <a:srgbClr val="ADADAD">
+                    <a:alpha val="0"/>
+                  </a:srgbClr>
+                </a:solidFill>
+              </a:ln>
+              <a:latin typeface="KoPub돋움체 Medium" panose="02020603020101020101" pitchFamily="18" charset="-127"/>
+              <a:ea typeface="KoPub돋움체 Bold" panose="02020603020101020101"/>
+              <a:cs typeface="뫼비우스 Bold" pitchFamily="2" charset="-127"/>
+              <a:sym typeface="Monotype Sorts"/>
+            </a:endParaRPr>
+          </a:p>
+          <a:p>
+            <a:pPr marL="174592" lvl="1" indent="-174592" defTabSz="1162668" fontAlgn="base" latinLnBrk="0">
+              <a:spcAft>
+                <a:spcPts val="300"/>
+              </a:spcAft>
+              <a:buClr>
+                <a:srgbClr val="50B8D1"/>
+              </a:buClr>
+              <a:buSzPct val="120000"/>
+              <a:buBlip>
+                <a:blip r:embed="rId4"/>
+              </a:buBlip>
+              <a:tabLst>
+                <a:tab pos="566990" algn="l"/>
+                <a:tab pos="8777977" algn="r"/>
+              </a:tabLst>
+            </a:pPr>
+            <a:r>
+              <a:rPr lang="ko-KR" altLang="en-US" sz="1100" b="1" dirty="0">
+                <a:ln>
+                  <a:solidFill>
+                    <a:prstClr val="white">
+                      <a:alpha val="0"/>
+                    </a:prstClr>
+                  </a:solidFill>
+                </a:ln>
+                <a:solidFill>
+                  <a:prstClr val="black"/>
+                </a:solidFill>
+                <a:latin typeface="KoPub돋움체 Bold" panose="02020603020101020101" pitchFamily="18" charset="-127"/>
+                <a:ea typeface="KoPub돋움체 Bold" panose="02020603020101020101"/>
+                <a:cs typeface="Arial" pitchFamily="34" charset="0"/>
+              </a:rPr>
+              <a:t>제품설계</a:t>
+            </a:r>
+            <a:r>
+              <a:rPr lang="en-US" altLang="ko-KR" sz="1100" b="1" dirty="0">
+                <a:ln>
+                  <a:solidFill>
+                    <a:prstClr val="white">
+                      <a:alpha val="0"/>
+                    </a:prstClr>
+                  </a:solidFill>
+                </a:ln>
+                <a:solidFill>
+                  <a:prstClr val="black"/>
+                </a:solidFill>
+                <a:latin typeface="KoPub돋움체 Bold" panose="02020603020101020101" pitchFamily="18" charset="-127"/>
+                <a:ea typeface="KoPub돋움체 Bold" panose="02020603020101020101"/>
+                <a:cs typeface="Arial" pitchFamily="34" charset="0"/>
+              </a:rPr>
+              <a:t>, </a:t>
+            </a:r>
+            <a:r>
+              <a:rPr lang="ko-KR" altLang="en-US" sz="1100" b="1" dirty="0">
+                <a:ln>
+                  <a:solidFill>
+                    <a:prstClr val="white">
+                      <a:alpha val="0"/>
+                    </a:prstClr>
+                  </a:solidFill>
+                </a:ln>
+                <a:solidFill>
+                  <a:prstClr val="black"/>
+                </a:solidFill>
+                <a:latin typeface="KoPub돋움체 Bold" panose="02020603020101020101" pitchFamily="18" charset="-127"/>
+                <a:ea typeface="KoPub돋움체 Bold" panose="02020603020101020101"/>
+                <a:cs typeface="Arial" pitchFamily="34" charset="0"/>
+              </a:rPr>
+              <a:t>보수를 위해 추진시스템을 일괄 발주를 선호함 </a:t>
+            </a:r>
+            <a:endParaRPr lang="en-US" altLang="ko-KR" sz="1100" b="1" dirty="0">
+              <a:ln>
+                <a:solidFill>
+                  <a:prstClr val="white">
+                    <a:alpha val="0"/>
+                  </a:prstClr>
+                </a:solidFill>
+              </a:ln>
+              <a:solidFill>
+                <a:prstClr val="black"/>
+              </a:solidFill>
+              <a:latin typeface="KoPub돋움체 Bold" panose="02020603020101020101" pitchFamily="18" charset="-127"/>
+              <a:ea typeface="KoPub돋움체 Bold" panose="02020603020101020101"/>
+              <a:cs typeface="Arial" pitchFamily="34" charset="0"/>
+            </a:endParaRPr>
+          </a:p>
+        </p:txBody>
+      </p:sp>
+      <p:sp>
+        <p:nvSpPr>
+          <p:cNvPr id="16" name="Rectangle 87">
+            <a:extLst>
+              <a:ext uri="{FF2B5EF4-FFF2-40B4-BE49-F238E27FC236}">
+                <a16:creationId xmlns:a16="http://schemas.microsoft.com/office/drawing/2014/main" id="{B3E8C2EC-F0CD-B013-9EA7-DFD10578AD3F}"/>
+              </a:ext>
+            </a:extLst>
+          </p:cNvPr>
+          <p:cNvSpPr>
+            <a:spLocks noChangeArrowheads="1"/>
+          </p:cNvSpPr>
+          <p:nvPr/>
+        </p:nvSpPr>
+        <p:spPr bwMode="auto">
+          <a:xfrm>
+            <a:off x="6173151" y="3340214"/>
+            <a:ext cx="2778027" cy="580159"/>
+          </a:xfrm>
+          <a:prstGeom prst="rect">
+            <a:avLst/>
+          </a:prstGeom>
+          <a:noFill/>
+          <a:ln w="9525" algn="ctr">
+            <a:noFill/>
+            <a:miter lim="800000"/>
+            <a:headEnd/>
+            <a:tailEnd/>
+          </a:ln>
+        </p:spPr>
+        <p:txBody>
+          <a:bodyPr wrap="square" lIns="36000" tIns="0" rIns="36000" bIns="0" anchor="t" anchorCtr="0">
+            <a:spAutoFit/>
+          </a:bodyPr>
+          <a:lstStyle/>
+          <a:p>
+            <a:pPr marL="174592" lvl="1" indent="-174592" defTabSz="1162668" fontAlgn="base">
+              <a:lnSpc>
+                <a:spcPct val="120000"/>
+              </a:lnSpc>
+              <a:spcAft>
+                <a:spcPts val="300"/>
+              </a:spcAft>
+              <a:buClr>
+                <a:srgbClr val="50B8D1"/>
+              </a:buClr>
+              <a:buSzPct val="120000"/>
+              <a:buBlip>
+                <a:blip r:embed="rId4"/>
+              </a:buBlip>
+              <a:tabLst>
+                <a:tab pos="566990" algn="l"/>
+                <a:tab pos="8777977" algn="r"/>
+              </a:tabLst>
+            </a:pPr>
+            <a:r>
+              <a:rPr kumimoji="1" lang="ko-KR" altLang="en-US" sz="1100" b="1" spc="-22" dirty="0">
+                <a:ln>
+                  <a:solidFill>
+                    <a:srgbClr val="ADADAD">
+                      <a:alpha val="0"/>
+                    </a:srgbClr>
+                  </a:solidFill>
+                </a:ln>
+                <a:latin typeface="KoPub돋움체 Medium" panose="02020603020101020101" pitchFamily="18" charset="-127"/>
+                <a:ea typeface="KoPub돋움체 Bold" panose="02020603020101020101"/>
+                <a:cs typeface="뫼비우스 Bold" pitchFamily="2" charset="-127"/>
+                <a:sym typeface="Monotype Sorts"/>
+              </a:rPr>
+              <a:t>고품질 및 국내 배터리 팩 요구  </a:t>
+            </a:r>
+            <a:endParaRPr kumimoji="1" lang="en-US" altLang="ko-KR" sz="1100" b="1" spc="-22" dirty="0">
+              <a:ln>
+                <a:solidFill>
+                  <a:srgbClr val="ADADAD">
+                    <a:alpha val="0"/>
+                  </a:srgbClr>
+                </a:solidFill>
+              </a:ln>
+              <a:latin typeface="KoPub돋움체 Medium" panose="02020603020101020101" pitchFamily="18" charset="-127"/>
+              <a:ea typeface="KoPub돋움체 Bold" panose="02020603020101020101"/>
+              <a:cs typeface="뫼비우스 Bold" pitchFamily="2" charset="-127"/>
+              <a:sym typeface="Monotype Sorts"/>
+            </a:endParaRPr>
+          </a:p>
+          <a:p>
+            <a:pPr marL="174592" lvl="1" indent="-174592" defTabSz="1162668" fontAlgn="base" latinLnBrk="0">
+              <a:spcAft>
+                <a:spcPts val="300"/>
+              </a:spcAft>
+              <a:buClr>
+                <a:srgbClr val="50B8D1"/>
+              </a:buClr>
+              <a:buSzPct val="120000"/>
+              <a:buBlip>
+                <a:blip r:embed="rId4"/>
+              </a:buBlip>
+              <a:tabLst>
+                <a:tab pos="566990" algn="l"/>
+                <a:tab pos="8777977" algn="r"/>
+              </a:tabLst>
+            </a:pPr>
+            <a:r>
+              <a:rPr lang="ko-KR" altLang="en-US" sz="1100" b="1" dirty="0">
+                <a:ln>
+                  <a:solidFill>
+                    <a:prstClr val="white">
+                      <a:alpha val="0"/>
+                    </a:prstClr>
+                  </a:solidFill>
+                </a:ln>
+                <a:solidFill>
+                  <a:prstClr val="black"/>
+                </a:solidFill>
+                <a:latin typeface="KoPub돋움체 Bold" panose="02020603020101020101" pitchFamily="18" charset="-127"/>
+                <a:ea typeface="KoPub돋움체 Bold" panose="02020603020101020101"/>
+                <a:cs typeface="Arial" pitchFamily="34" charset="0"/>
+              </a:rPr>
+              <a:t>제품설계</a:t>
+            </a:r>
+            <a:r>
+              <a:rPr lang="en-US" altLang="ko-KR" sz="1100" b="1" dirty="0">
+                <a:ln>
+                  <a:solidFill>
+                    <a:prstClr val="white">
+                      <a:alpha val="0"/>
+                    </a:prstClr>
+                  </a:solidFill>
+                </a:ln>
+                <a:solidFill>
+                  <a:prstClr val="black"/>
+                </a:solidFill>
+                <a:latin typeface="KoPub돋움체 Bold" panose="02020603020101020101" pitchFamily="18" charset="-127"/>
+                <a:ea typeface="KoPub돋움체 Bold" panose="02020603020101020101"/>
+                <a:cs typeface="Arial" pitchFamily="34" charset="0"/>
+              </a:rPr>
+              <a:t>, </a:t>
+            </a:r>
+            <a:r>
+              <a:rPr lang="ko-KR" altLang="en-US" sz="1100" b="1" dirty="0">
+                <a:ln>
+                  <a:solidFill>
+                    <a:prstClr val="white">
+                      <a:alpha val="0"/>
+                    </a:prstClr>
+                  </a:solidFill>
+                </a:ln>
+                <a:solidFill>
+                  <a:prstClr val="black"/>
+                </a:solidFill>
+                <a:latin typeface="KoPub돋움체 Bold" panose="02020603020101020101" pitchFamily="18" charset="-127"/>
+                <a:ea typeface="KoPub돋움체 Bold" panose="02020603020101020101"/>
+                <a:cs typeface="Arial" pitchFamily="34" charset="0"/>
+              </a:rPr>
+              <a:t>보수를 위해 추진시스템을 일괄 발주를 선호함 </a:t>
+            </a:r>
+            <a:endParaRPr lang="en-US" altLang="ko-KR" sz="1100" b="1" dirty="0">
+              <a:ln>
+                <a:solidFill>
+                  <a:prstClr val="white">
+                    <a:alpha val="0"/>
+                  </a:prstClr>
+                </a:solidFill>
+              </a:ln>
+              <a:solidFill>
+                <a:prstClr val="black"/>
+              </a:solidFill>
+              <a:latin typeface="KoPub돋움체 Bold" panose="02020603020101020101" pitchFamily="18" charset="-127"/>
+              <a:ea typeface="KoPub돋움체 Bold" panose="02020603020101020101"/>
+              <a:cs typeface="Arial" pitchFamily="34" charset="0"/>
+            </a:endParaRPr>
+          </a:p>
+        </p:txBody>
+      </p:sp>
+      <p:sp>
+        <p:nvSpPr>
+          <p:cNvPr id="17" name="Rectangle 87">
+            <a:extLst>
+              <a:ext uri="{FF2B5EF4-FFF2-40B4-BE49-F238E27FC236}">
+                <a16:creationId xmlns:a16="http://schemas.microsoft.com/office/drawing/2014/main" id="{306EFD52-3592-1F63-A77E-8C8EAEC74580}"/>
+              </a:ext>
+            </a:extLst>
+          </p:cNvPr>
+          <p:cNvSpPr>
+            <a:spLocks noChangeArrowheads="1"/>
+          </p:cNvSpPr>
+          <p:nvPr/>
+        </p:nvSpPr>
+        <p:spPr bwMode="auto">
+          <a:xfrm>
+            <a:off x="6159181" y="5061309"/>
+            <a:ext cx="2778027" cy="580159"/>
+          </a:xfrm>
+          <a:prstGeom prst="rect">
+            <a:avLst/>
+          </a:prstGeom>
+          <a:noFill/>
+          <a:ln w="9525" algn="ctr">
+            <a:noFill/>
+            <a:miter lim="800000"/>
+            <a:headEnd/>
+            <a:tailEnd/>
+          </a:ln>
+        </p:spPr>
+        <p:txBody>
+          <a:bodyPr wrap="square" lIns="36000" tIns="0" rIns="36000" bIns="0" anchor="t" anchorCtr="0">
+            <a:spAutoFit/>
+          </a:bodyPr>
+          <a:lstStyle/>
+          <a:p>
+            <a:pPr marL="174592" lvl="1" indent="-174592" defTabSz="1162668" fontAlgn="base">
+              <a:lnSpc>
+                <a:spcPct val="120000"/>
+              </a:lnSpc>
+              <a:spcAft>
+                <a:spcPts val="300"/>
+              </a:spcAft>
+              <a:buClr>
+                <a:srgbClr val="50B8D1"/>
+              </a:buClr>
+              <a:buSzPct val="120000"/>
+              <a:buBlip>
+                <a:blip r:embed="rId4"/>
+              </a:buBlip>
+              <a:tabLst>
+                <a:tab pos="566990" algn="l"/>
+                <a:tab pos="8777977" algn="r"/>
+              </a:tabLst>
+            </a:pPr>
+            <a:r>
+              <a:rPr kumimoji="1" lang="ko-KR" altLang="en-US" sz="1100" b="1" spc="-22" dirty="0">
+                <a:ln>
+                  <a:solidFill>
+                    <a:srgbClr val="ADADAD">
+                      <a:alpha val="0"/>
+                    </a:srgbClr>
+                  </a:solidFill>
+                </a:ln>
+                <a:latin typeface="KoPub돋움체 Medium" panose="02020603020101020101" pitchFamily="18" charset="-127"/>
+                <a:ea typeface="KoPub돋움체 Bold" panose="02020603020101020101"/>
+                <a:cs typeface="뫼비우스 Bold" pitchFamily="2" charset="-127"/>
+                <a:sym typeface="Monotype Sorts"/>
+              </a:rPr>
+              <a:t>고품질 및 국내 배터리 팩 요구  </a:t>
+            </a:r>
+            <a:endParaRPr kumimoji="1" lang="en-US" altLang="ko-KR" sz="1100" b="1" spc="-22" dirty="0">
+              <a:ln>
+                <a:solidFill>
+                  <a:srgbClr val="ADADAD">
+                    <a:alpha val="0"/>
+                  </a:srgbClr>
+                </a:solidFill>
+              </a:ln>
+              <a:latin typeface="KoPub돋움체 Medium" panose="02020603020101020101" pitchFamily="18" charset="-127"/>
+              <a:ea typeface="KoPub돋움체 Bold" panose="02020603020101020101"/>
+              <a:cs typeface="뫼비우스 Bold" pitchFamily="2" charset="-127"/>
+              <a:sym typeface="Monotype Sorts"/>
+            </a:endParaRPr>
+          </a:p>
+          <a:p>
+            <a:pPr marL="174592" lvl="1" indent="-174592" defTabSz="1162668" fontAlgn="base" latinLnBrk="0">
+              <a:spcAft>
+                <a:spcPts val="300"/>
+              </a:spcAft>
+              <a:buClr>
+                <a:srgbClr val="50B8D1"/>
+              </a:buClr>
+              <a:buSzPct val="120000"/>
+              <a:buBlip>
+                <a:blip r:embed="rId4"/>
+              </a:buBlip>
+              <a:tabLst>
+                <a:tab pos="566990" algn="l"/>
+                <a:tab pos="8777977" algn="r"/>
+              </a:tabLst>
+            </a:pPr>
+            <a:r>
+              <a:rPr lang="ko-KR" altLang="en-US" sz="1100" b="1" dirty="0">
+                <a:ln>
+                  <a:solidFill>
+                    <a:prstClr val="white">
+                      <a:alpha val="0"/>
+                    </a:prstClr>
+                  </a:solidFill>
+                </a:ln>
+                <a:solidFill>
+                  <a:prstClr val="black"/>
+                </a:solidFill>
+                <a:latin typeface="KoPub돋움체 Bold" panose="02020603020101020101" pitchFamily="18" charset="-127"/>
+                <a:ea typeface="KoPub돋움체 Bold" panose="02020603020101020101"/>
+                <a:cs typeface="Arial" pitchFamily="34" charset="0"/>
+              </a:rPr>
+              <a:t>제품설계</a:t>
+            </a:r>
+            <a:r>
+              <a:rPr lang="en-US" altLang="ko-KR" sz="1100" b="1" dirty="0">
+                <a:ln>
+                  <a:solidFill>
+                    <a:prstClr val="white">
+                      <a:alpha val="0"/>
+                    </a:prstClr>
+                  </a:solidFill>
+                </a:ln>
+                <a:solidFill>
+                  <a:prstClr val="black"/>
+                </a:solidFill>
+                <a:latin typeface="KoPub돋움체 Bold" panose="02020603020101020101" pitchFamily="18" charset="-127"/>
+                <a:ea typeface="KoPub돋움체 Bold" panose="02020603020101020101"/>
+                <a:cs typeface="Arial" pitchFamily="34" charset="0"/>
+              </a:rPr>
+              <a:t>, </a:t>
+            </a:r>
+            <a:r>
+              <a:rPr lang="ko-KR" altLang="en-US" sz="1100" b="1" dirty="0">
+                <a:ln>
+                  <a:solidFill>
+                    <a:prstClr val="white">
+                      <a:alpha val="0"/>
+                    </a:prstClr>
+                  </a:solidFill>
+                </a:ln>
+                <a:solidFill>
+                  <a:prstClr val="black"/>
+                </a:solidFill>
+                <a:latin typeface="KoPub돋움체 Bold" panose="02020603020101020101" pitchFamily="18" charset="-127"/>
+                <a:ea typeface="KoPub돋움체 Bold" panose="02020603020101020101"/>
+                <a:cs typeface="Arial" pitchFamily="34" charset="0"/>
+              </a:rPr>
+              <a:t>보수를 위해 추진시스템을 일괄 발주를 선호함 </a:t>
+            </a:r>
+            <a:endParaRPr lang="en-US" altLang="ko-KR" sz="1100" b="1" dirty="0">
+              <a:ln>
+                <a:solidFill>
+                  <a:prstClr val="white">
+                    <a:alpha val="0"/>
+                  </a:prstClr>
+                </a:solidFill>
+              </a:ln>
+              <a:solidFill>
+                <a:prstClr val="black"/>
+              </a:solidFill>
+              <a:latin typeface="KoPub돋움체 Bold" panose="02020603020101020101" pitchFamily="18" charset="-127"/>
+              <a:ea typeface="KoPub돋움체 Bold" panose="02020603020101020101"/>
+              <a:cs typeface="Arial" pitchFamily="34" charset="0"/>
+            </a:endParaRPr>
+          </a:p>
+        </p:txBody>
+      </p:sp>
+      <p:sp>
+        <p:nvSpPr>
+          <p:cNvPr id="18" name="TextBox 17">
+            <a:extLst>
+              <a:ext uri="{FF2B5EF4-FFF2-40B4-BE49-F238E27FC236}">
+                <a16:creationId xmlns:a16="http://schemas.microsoft.com/office/drawing/2014/main" id="{BC6F3298-EA20-B9DD-18C4-72F12B53BDF7}"/>
+              </a:ext>
+            </a:extLst>
+          </p:cNvPr>
+          <p:cNvSpPr txBox="1"/>
+          <p:nvPr/>
+        </p:nvSpPr>
+        <p:spPr>
+          <a:xfrm>
+            <a:off x="6128335" y="2928218"/>
+            <a:ext cx="1148263" cy="307777"/>
+          </a:xfrm>
+          <a:prstGeom prst="rect">
+            <a:avLst/>
+          </a:prstGeom>
+          <a:noFill/>
+        </p:spPr>
+        <p:txBody>
+          <a:bodyPr wrap="none" rtlCol="0">
+            <a:spAutoFit/>
+          </a:bodyPr>
+          <a:lstStyle/>
+          <a:p>
+            <a:r>
+              <a:rPr lang="en-US" altLang="ko-KR" sz="1400" b="1" dirty="0" err="1">
+                <a:solidFill>
+                  <a:srgbClr val="C00000"/>
+                </a:solidFill>
+              </a:rPr>
+              <a:t>Pyside</a:t>
+            </a:r>
+            <a:r>
+              <a:rPr lang="en-US" altLang="ko-KR" sz="1400" b="1" dirty="0">
+                <a:solidFill>
+                  <a:srgbClr val="C00000"/>
+                </a:solidFill>
+              </a:rPr>
+              <a:t> </a:t>
+            </a:r>
+            <a:r>
+              <a:rPr lang="ko-KR" altLang="en-US" sz="1400" b="1" dirty="0">
+                <a:solidFill>
+                  <a:srgbClr val="C00000"/>
+                </a:solidFill>
+              </a:rPr>
+              <a:t>연동  </a:t>
+            </a:r>
+          </a:p>
+        </p:txBody>
+      </p:sp>
+      <p:sp>
+        <p:nvSpPr>
+          <p:cNvPr id="19" name="TextBox 18">
+            <a:extLst>
+              <a:ext uri="{FF2B5EF4-FFF2-40B4-BE49-F238E27FC236}">
+                <a16:creationId xmlns:a16="http://schemas.microsoft.com/office/drawing/2014/main" id="{F4B59289-C312-5C5F-2BE0-F9B7ABF5FD0C}"/>
+              </a:ext>
+            </a:extLst>
+          </p:cNvPr>
+          <p:cNvSpPr txBox="1"/>
+          <p:nvPr/>
+        </p:nvSpPr>
+        <p:spPr>
+          <a:xfrm>
+            <a:off x="6143721" y="4633772"/>
+            <a:ext cx="1667636" cy="307777"/>
+          </a:xfrm>
+          <a:prstGeom prst="rect">
+            <a:avLst/>
+          </a:prstGeom>
+          <a:noFill/>
+        </p:spPr>
+        <p:txBody>
+          <a:bodyPr wrap="none" rtlCol="0">
+            <a:spAutoFit/>
+          </a:bodyPr>
+          <a:lstStyle/>
+          <a:p>
+            <a:r>
+              <a:rPr lang="en-US" altLang="ko-KR" sz="1400" b="1" dirty="0" err="1">
+                <a:solidFill>
+                  <a:srgbClr val="C00000"/>
+                </a:solidFill>
+              </a:rPr>
+              <a:t>Pyside</a:t>
+            </a:r>
+            <a:r>
+              <a:rPr lang="en-US" altLang="ko-KR" sz="1400" b="1" dirty="0">
+                <a:solidFill>
+                  <a:srgbClr val="C00000"/>
+                </a:solidFill>
+              </a:rPr>
+              <a:t> </a:t>
+            </a:r>
+            <a:r>
+              <a:rPr lang="ko-KR" altLang="en-US" sz="1400" b="1" dirty="0">
+                <a:solidFill>
+                  <a:srgbClr val="C00000"/>
+                </a:solidFill>
+              </a:rPr>
+              <a:t>실행 방법  </a:t>
+            </a:r>
+            <a:r>
+              <a:rPr lang="en-US" altLang="ko-KR" sz="1400" b="1" dirty="0">
+                <a:solidFill>
+                  <a:srgbClr val="C00000"/>
+                </a:solidFill>
+              </a:rPr>
+              <a:t> </a:t>
+            </a:r>
+            <a:r>
+              <a:rPr lang="ko-KR" altLang="en-US" sz="1400" b="1" dirty="0">
+                <a:solidFill>
+                  <a:srgbClr val="C00000"/>
+                </a:solidFill>
+              </a:rPr>
+              <a:t>  </a:t>
+            </a:r>
+          </a:p>
+        </p:txBody>
+      </p:sp>
     </p:spTree>
     <p:extLst>
       <p:ext uri="{BB962C8B-B14F-4D97-AF65-F5344CB8AC3E}">
@@ -8891,6 +10146,131 @@
 </file>
 
 <file path=ppt/slides/slide14.xml><?xml version="1.0" encoding="utf-8"?>
+<p:sld xmlns:a="http://schemas.openxmlformats.org/drawingml/2006/main" xmlns:r="http://schemas.openxmlformats.org/officeDocument/2006/relationships" xmlns:p="http://schemas.openxmlformats.org/presentationml/2006/main">
+  <p:cSld>
+    <p:spTree>
+      <p:nvGrpSpPr>
+        <p:cNvPr id="1" name=""/>
+        <p:cNvGrpSpPr/>
+        <p:nvPr/>
+      </p:nvGrpSpPr>
+      <p:grpSpPr>
+        <a:xfrm>
+          <a:off x="0" y="0"/>
+          <a:ext cx="0" cy="0"/>
+          <a:chOff x="0" y="0"/>
+          <a:chExt cx="0" cy="0"/>
+        </a:xfrm>
+      </p:grpSpPr>
+      <p:sp>
+        <p:nvSpPr>
+          <p:cNvPr id="2" name="TextBox 1">
+            <a:extLst>
+              <a:ext uri="{FF2B5EF4-FFF2-40B4-BE49-F238E27FC236}">
+                <a16:creationId xmlns:a16="http://schemas.microsoft.com/office/drawing/2014/main" id="{5AA38ACC-E371-F6FF-6957-6A100EF74187}"/>
+              </a:ext>
+            </a:extLst>
+          </p:cNvPr>
+          <p:cNvSpPr txBox="1"/>
+          <p:nvPr/>
+        </p:nvSpPr>
+        <p:spPr>
+          <a:xfrm>
+            <a:off x="1098977" y="32670"/>
+            <a:ext cx="8045023" cy="461665"/>
+          </a:xfrm>
+          <a:prstGeom prst="rect">
+            <a:avLst/>
+          </a:prstGeom>
+          <a:noFill/>
+        </p:spPr>
+        <p:txBody>
+          <a:bodyPr wrap="square" anchor="ctr">
+            <a:spAutoFit/>
+          </a:bodyPr>
+          <a:lstStyle/>
+          <a:p>
+            <a:r>
+              <a:rPr lang="en-US" altLang="ko-KR" sz="2400" b="1" dirty="0">
+                <a:latin typeface="+mj-ea"/>
+                <a:ea typeface="+mj-ea"/>
+              </a:rPr>
+              <a:t>01-Pyside </a:t>
+            </a:r>
+            <a:r>
+              <a:rPr lang="ko-KR" altLang="en-US" sz="2400" b="1" dirty="0">
+                <a:latin typeface="+mj-ea"/>
+                <a:ea typeface="+mj-ea"/>
+              </a:rPr>
+              <a:t>학습 필요성 </a:t>
+            </a:r>
+            <a:endParaRPr sz="2400" b="1" dirty="0">
+              <a:latin typeface="+mj-ea"/>
+              <a:ea typeface="+mj-ea"/>
+            </a:endParaRPr>
+          </a:p>
+        </p:txBody>
+      </p:sp>
+      <p:sp>
+        <p:nvSpPr>
+          <p:cNvPr id="3" name="TextBox 2">
+            <a:extLst>
+              <a:ext uri="{FF2B5EF4-FFF2-40B4-BE49-F238E27FC236}">
+                <a16:creationId xmlns:a16="http://schemas.microsoft.com/office/drawing/2014/main" id="{005679BA-2944-52A3-2AE2-D7757DD7F894}"/>
+              </a:ext>
+            </a:extLst>
+          </p:cNvPr>
+          <p:cNvSpPr txBox="1"/>
+          <p:nvPr/>
+        </p:nvSpPr>
+        <p:spPr>
+          <a:xfrm>
+            <a:off x="505326" y="32670"/>
+            <a:ext cx="532899" cy="523220"/>
+          </a:xfrm>
+          <a:prstGeom prst="rect">
+            <a:avLst/>
+          </a:prstGeom>
+          <a:noFill/>
+        </p:spPr>
+        <p:txBody>
+          <a:bodyPr wrap="square">
+            <a:spAutoFit/>
+          </a:bodyPr>
+          <a:lstStyle/>
+          <a:p>
+            <a:r>
+              <a:rPr lang="en-US" altLang="ko-KR" sz="2800" b="1" dirty="0">
+                <a:solidFill>
+                  <a:schemeClr val="bg1"/>
+                </a:solidFill>
+                <a:latin typeface="맑은 고딕" panose="020B0503020000020004" pitchFamily="50" charset="-127"/>
+                <a:ea typeface="맑은 고딕" panose="020B0503020000020004" pitchFamily="50" charset="-127"/>
+              </a:rPr>
+              <a:t>Ⅲ</a:t>
+            </a:r>
+            <a:endParaRPr sz="2800" b="1" dirty="0">
+              <a:solidFill>
+                <a:schemeClr val="bg1"/>
+              </a:solidFill>
+            </a:endParaRPr>
+          </a:p>
+        </p:txBody>
+      </p:sp>
+    </p:spTree>
+    <p:extLst>
+      <p:ext uri="{BB962C8B-B14F-4D97-AF65-F5344CB8AC3E}">
+        <p14:creationId xmlns:p14="http://schemas.microsoft.com/office/powerpoint/2010/main" val="67444996"/>
+      </p:ext>
+    </p:extLst>
+  </p:cSld>
+  <p:clrMapOvr>
+    <a:masterClrMapping/>
+  </p:clrMapOvr>
+</p:sld>
+</file>
+
+<file path=ppt/slides/slide15.xml><?xml version="1.0" encoding="utf-8"?>
 <p:sld xmlns:a="http://schemas.openxmlformats.org/drawingml/2006/main" xmlns:r="http://schemas.openxmlformats.org/officeDocument/2006/relationships" xmlns:p="http://schemas.openxmlformats.org/presentationml/2006/main">
   <p:cSld>
     <p:spTree>
@@ -10187,7 +11567,7 @@
         <p:spPr>
           <a:xfrm>
             <a:off x="6101324" y="1289339"/>
-            <a:ext cx="1821332" cy="307777"/>
+            <a:ext cx="1601721" cy="307777"/>
           </a:xfrm>
           <a:prstGeom prst="rect">
             <a:avLst/>
@@ -10203,10 +11583,10 @@
             <a:r>
               <a:rPr lang="ko-KR" altLang="en-US" sz="1400" b="1" dirty="0">
                 <a:solidFill>
-                  <a:schemeClr val="bg1"/>
-                </a:solidFill>
-              </a:rPr>
-              <a:t>버전 및 협력 필요성  </a:t>
+                  <a:srgbClr val="C00000"/>
+                </a:solidFill>
+              </a:rPr>
+              <a:t>버전 및 협력 목표 </a:t>
             </a:r>
           </a:p>
         </p:txBody>
@@ -10226,7 +11606,7 @@
         <p:spPr>
           <a:xfrm>
             <a:off x="6101324" y="3003609"/>
-            <a:ext cx="1601721" cy="307777"/>
+            <a:ext cx="1641796" cy="307777"/>
           </a:xfrm>
           <a:prstGeom prst="rect">
             <a:avLst/>
@@ -10242,10 +11622,10 @@
             <a:r>
               <a:rPr lang="ko-KR" altLang="en-US" sz="1400" b="1" dirty="0">
                 <a:solidFill>
-                  <a:schemeClr val="bg1"/>
-                </a:solidFill>
-              </a:rPr>
-              <a:t>소프트웨어 선정   </a:t>
+                  <a:srgbClr val="C00000"/>
+                </a:solidFill>
+              </a:rPr>
+              <a:t>소프트웨어 목표    </a:t>
             </a:r>
           </a:p>
         </p:txBody>
@@ -10265,7 +11645,7 @@
         <p:spPr>
           <a:xfrm>
             <a:off x="6101324" y="4735558"/>
-            <a:ext cx="1202573" cy="307777"/>
+            <a:ext cx="1162498" cy="307777"/>
           </a:xfrm>
           <a:prstGeom prst="rect">
             <a:avLst/>
@@ -10281,10 +11661,10 @@
             <a:r>
               <a:rPr lang="ko-KR" altLang="en-US" sz="1400" b="1" dirty="0">
                 <a:solidFill>
-                  <a:schemeClr val="bg1"/>
-                </a:solidFill>
-              </a:rPr>
-              <a:t>저장소 선정 </a:t>
+                  <a:srgbClr val="C00000"/>
+                </a:solidFill>
+              </a:rPr>
+              <a:t>저장소 목표 </a:t>
             </a:r>
           </a:p>
         </p:txBody>
@@ -10306,7 +11686,7 @@
         <p:spPr bwMode="auto">
           <a:xfrm>
             <a:off x="6146141" y="1692638"/>
-            <a:ext cx="2778027" cy="580159"/>
+            <a:ext cx="2778027" cy="821763"/>
           </a:xfrm>
           <a:prstGeom prst="rect">
             <a:avLst/>
@@ -10353,6 +11733,100 @@
                     </a:srgbClr>
                   </a:solidFill>
                 </a:ln>
+                <a:solidFill>
+                  <a:srgbClr val="C00000"/>
+                </a:solidFill>
+                <a:latin typeface="KoPub돋움체 Medium" panose="02020603020101020101" pitchFamily="18" charset="-127"/>
+                <a:ea typeface="KoPub돋움체 Bold" panose="02020603020101020101"/>
+                <a:cs typeface="뫼비우스 Bold" pitchFamily="2" charset="-127"/>
+                <a:sym typeface="Monotype Sorts"/>
+              </a:rPr>
+              <a:t>생활에 코팅 </a:t>
+            </a:r>
+            <a:r>
+              <a:rPr kumimoji="1" lang="en-US" altLang="ko-KR" sz="1100" b="1" spc="-22" dirty="0">
+                <a:ln>
+                  <a:solidFill>
+                    <a:srgbClr val="ADADAD">
+                      <a:alpha val="0"/>
+                    </a:srgbClr>
+                  </a:solidFill>
+                </a:ln>
+                <a:solidFill>
+                  <a:srgbClr val="C00000"/>
+                </a:solidFill>
+                <a:latin typeface="KoPub돋움체 Medium" panose="02020603020101020101" pitchFamily="18" charset="-127"/>
+                <a:ea typeface="KoPub돋움체 Bold" panose="02020603020101020101"/>
+                <a:cs typeface="뫼비우스 Bold" pitchFamily="2" charset="-127"/>
+                <a:sym typeface="Monotype Sorts"/>
+              </a:rPr>
+              <a:t>-&gt; GIT </a:t>
+            </a:r>
+            <a:r>
+              <a:rPr kumimoji="1" lang="ko-KR" altLang="en-US" sz="1100" b="1" spc="-22" dirty="0">
+                <a:ln>
+                  <a:solidFill>
+                    <a:srgbClr val="ADADAD">
+                      <a:alpha val="0"/>
+                    </a:srgbClr>
+                  </a:solidFill>
+                </a:ln>
+                <a:solidFill>
+                  <a:srgbClr val="C00000"/>
+                </a:solidFill>
+                <a:latin typeface="KoPub돋움체 Medium" panose="02020603020101020101" pitchFamily="18" charset="-127"/>
+                <a:ea typeface="KoPub돋움체 Bold" panose="02020603020101020101"/>
+                <a:cs typeface="뫼비우스 Bold" pitchFamily="2" charset="-127"/>
+                <a:sym typeface="Monotype Sorts"/>
+              </a:rPr>
+              <a:t>강의 내용 </a:t>
+            </a:r>
+            <a:endParaRPr kumimoji="1" lang="en-US" altLang="ko-KR" sz="1100" b="1" spc="-22" dirty="0">
+              <a:ln>
+                <a:solidFill>
+                  <a:srgbClr val="ADADAD">
+                    <a:alpha val="0"/>
+                  </a:srgbClr>
+                </a:solidFill>
+              </a:ln>
+              <a:solidFill>
+                <a:srgbClr val="C00000"/>
+              </a:solidFill>
+              <a:latin typeface="KoPub돋움체 Medium" panose="02020603020101020101" pitchFamily="18" charset="-127"/>
+              <a:ea typeface="KoPub돋움체 Bold" panose="02020603020101020101"/>
+              <a:cs typeface="뫼비우스 Bold" pitchFamily="2" charset="-127"/>
+              <a:sym typeface="Monotype Sorts"/>
+            </a:endParaRPr>
+          </a:p>
+          <a:p>
+            <a:pPr marL="174592" lvl="1" indent="-174592" defTabSz="1162668" fontAlgn="base">
+              <a:lnSpc>
+                <a:spcPct val="120000"/>
+              </a:lnSpc>
+              <a:spcAft>
+                <a:spcPts val="300"/>
+              </a:spcAft>
+              <a:buClr>
+                <a:srgbClr val="50B8D1"/>
+              </a:buClr>
+              <a:buSzPct val="120000"/>
+              <a:buBlip>
+                <a:blip r:embed="rId5"/>
+              </a:buBlip>
+              <a:tabLst>
+                <a:tab pos="566990" algn="l"/>
+                <a:tab pos="8777977" algn="r"/>
+              </a:tabLst>
+            </a:pPr>
+            <a:r>
+              <a:rPr kumimoji="1" lang="ko-KR" altLang="en-US" sz="1100" b="1" spc="-22" dirty="0">
+                <a:ln>
+                  <a:solidFill>
+                    <a:srgbClr val="ADADAD">
+                      <a:alpha val="0"/>
+                    </a:srgbClr>
+                  </a:solidFill>
+                </a:ln>
                 <a:latin typeface="KoPub돋움체 Medium" panose="02020603020101020101" pitchFamily="18" charset="-127"/>
                 <a:ea typeface="KoPub돋움체 Bold" panose="02020603020101020101"/>
                 <a:cs typeface="뫼비우스 Bold" pitchFamily="2" charset="-127"/>
@@ -10480,7 +11954,7 @@
         <p:spPr bwMode="auto">
           <a:xfrm>
             <a:off x="6146140" y="3406889"/>
-            <a:ext cx="2778027" cy="580159"/>
+            <a:ext cx="2778027" cy="1063368"/>
           </a:xfrm>
           <a:prstGeom prst="rect">
             <a:avLst/>
@@ -10527,6 +12001,156 @@
                     </a:srgbClr>
                   </a:solidFill>
                 </a:ln>
+                <a:solidFill>
+                  <a:srgbClr val="C00000"/>
+                </a:solidFill>
+                <a:latin typeface="KoPub돋움체 Medium" panose="02020603020101020101" pitchFamily="18" charset="-127"/>
+                <a:ea typeface="KoPub돋움체 Bold" panose="02020603020101020101"/>
+                <a:cs typeface="뫼비우스 Bold" pitchFamily="2" charset="-127"/>
+                <a:sym typeface="Monotype Sorts"/>
+              </a:rPr>
+              <a:t>생활에 코팅 </a:t>
+            </a:r>
+            <a:r>
+              <a:rPr kumimoji="1" lang="en-US" altLang="ko-KR" sz="1100" b="1" spc="-22" dirty="0">
+                <a:ln>
+                  <a:solidFill>
+                    <a:srgbClr val="ADADAD">
+                      <a:alpha val="0"/>
+                    </a:srgbClr>
+                  </a:solidFill>
+                </a:ln>
+                <a:solidFill>
+                  <a:srgbClr val="C00000"/>
+                </a:solidFill>
+                <a:latin typeface="KoPub돋움체 Medium" panose="02020603020101020101" pitchFamily="18" charset="-127"/>
+                <a:ea typeface="KoPub돋움체 Bold" panose="02020603020101020101"/>
+                <a:cs typeface="뫼비우스 Bold" pitchFamily="2" charset="-127"/>
+                <a:sym typeface="Monotype Sorts"/>
+              </a:rPr>
+              <a:t>-&gt; GIT </a:t>
+            </a:r>
+            <a:r>
+              <a:rPr kumimoji="1" lang="ko-KR" altLang="en-US" sz="1100" b="1" spc="-22" dirty="0">
+                <a:ln>
+                  <a:solidFill>
+                    <a:srgbClr val="ADADAD">
+                      <a:alpha val="0"/>
+                    </a:srgbClr>
+                  </a:solidFill>
+                </a:ln>
+                <a:solidFill>
+                  <a:srgbClr val="C00000"/>
+                </a:solidFill>
+                <a:latin typeface="KoPub돋움체 Medium" panose="02020603020101020101" pitchFamily="18" charset="-127"/>
+                <a:ea typeface="KoPub돋움체 Bold" panose="02020603020101020101"/>
+                <a:cs typeface="뫼비우스 Bold" pitchFamily="2" charset="-127"/>
+                <a:sym typeface="Monotype Sorts"/>
+              </a:rPr>
+              <a:t>강의 내용 </a:t>
+            </a:r>
+            <a:endParaRPr kumimoji="1" lang="en-US" altLang="ko-KR" sz="1100" b="1" spc="-22" dirty="0">
+              <a:ln>
+                <a:solidFill>
+                  <a:srgbClr val="ADADAD">
+                    <a:alpha val="0"/>
+                  </a:srgbClr>
+                </a:solidFill>
+              </a:ln>
+              <a:solidFill>
+                <a:srgbClr val="C00000"/>
+              </a:solidFill>
+              <a:latin typeface="KoPub돋움체 Medium" panose="02020603020101020101" pitchFamily="18" charset="-127"/>
+              <a:ea typeface="KoPub돋움체 Bold" panose="02020603020101020101"/>
+              <a:cs typeface="뫼비우스 Bold" pitchFamily="2" charset="-127"/>
+              <a:sym typeface="Monotype Sorts"/>
+            </a:endParaRPr>
+          </a:p>
+          <a:p>
+            <a:pPr marL="174592" lvl="1" indent="-174592" defTabSz="1162668" fontAlgn="base">
+              <a:lnSpc>
+                <a:spcPct val="120000"/>
+              </a:lnSpc>
+              <a:spcAft>
+                <a:spcPts val="300"/>
+              </a:spcAft>
+              <a:buClr>
+                <a:srgbClr val="50B8D1"/>
+              </a:buClr>
+              <a:buSzPct val="120000"/>
+              <a:buBlip>
+                <a:blip r:embed="rId5"/>
+              </a:buBlip>
+              <a:tabLst>
+                <a:tab pos="566990" algn="l"/>
+                <a:tab pos="8777977" algn="r"/>
+              </a:tabLst>
+            </a:pPr>
+            <a:r>
+              <a:rPr kumimoji="1" lang="ko-KR" altLang="en-US" sz="1100" b="1" spc="-22" dirty="0">
+                <a:ln>
+                  <a:solidFill>
+                    <a:srgbClr val="ADADAD">
+                      <a:alpha val="0"/>
+                    </a:srgbClr>
+                  </a:solidFill>
+                </a:ln>
+                <a:solidFill>
+                  <a:srgbClr val="C00000"/>
+                </a:solidFill>
+                <a:latin typeface="KoPub돋움체 Medium" panose="02020603020101020101" pitchFamily="18" charset="-127"/>
+                <a:ea typeface="KoPub돋움체 Bold" panose="02020603020101020101"/>
+                <a:cs typeface="뫼비우스 Bold" pitchFamily="2" charset="-127"/>
+                <a:sym typeface="Monotype Sorts"/>
+              </a:rPr>
+              <a:t>기능 및 정의  </a:t>
+            </a:r>
+            <a:endParaRPr kumimoji="1" lang="en-US" altLang="ko-KR" sz="1100" b="1" spc="-22" dirty="0">
+              <a:ln>
+                <a:solidFill>
+                  <a:srgbClr val="ADADAD">
+                    <a:alpha val="0"/>
+                  </a:srgbClr>
+                </a:solidFill>
+              </a:ln>
+              <a:solidFill>
+                <a:srgbClr val="C00000"/>
+              </a:solidFill>
+              <a:latin typeface="KoPub돋움체 Medium" panose="02020603020101020101" pitchFamily="18" charset="-127"/>
+              <a:ea typeface="KoPub돋움체 Bold" panose="02020603020101020101"/>
+              <a:cs typeface="뫼비우스 Bold" pitchFamily="2" charset="-127"/>
+              <a:sym typeface="Monotype Sorts"/>
+            </a:endParaRPr>
+          </a:p>
+          <a:p>
+            <a:pPr marL="174592" lvl="1" indent="-174592" defTabSz="1162668" fontAlgn="base">
+              <a:lnSpc>
+                <a:spcPct val="120000"/>
+              </a:lnSpc>
+              <a:spcAft>
+                <a:spcPts val="300"/>
+              </a:spcAft>
+              <a:buClr>
+                <a:srgbClr val="50B8D1"/>
+              </a:buClr>
+              <a:buSzPct val="120000"/>
+              <a:buBlip>
+                <a:blip r:embed="rId5"/>
+              </a:buBlip>
+              <a:tabLst>
+                <a:tab pos="566990" algn="l"/>
+                <a:tab pos="8777977" algn="r"/>
+              </a:tabLst>
+            </a:pPr>
+            <a:r>
+              <a:rPr kumimoji="1" lang="ko-KR" altLang="en-US" sz="1100" b="1" spc="-22" dirty="0">
+                <a:ln>
+                  <a:solidFill>
+                    <a:srgbClr val="ADADAD">
+                      <a:alpha val="0"/>
+                    </a:srgbClr>
+                  </a:solidFill>
+                </a:ln>
                 <a:latin typeface="KoPub돋움체 Medium" panose="02020603020101020101" pitchFamily="18" charset="-127"/>
                 <a:ea typeface="KoPub돋움체 Bold" panose="02020603020101020101"/>
                 <a:cs typeface="뫼비우스 Bold" pitchFamily="2" charset="-127"/>
@@ -10654,7 +12278,7 @@
         <p:spPr bwMode="auto">
           <a:xfrm>
             <a:off x="6132170" y="5127984"/>
-            <a:ext cx="2778027" cy="580159"/>
+            <a:ext cx="2778027" cy="183127"/>
           </a:xfrm>
           <a:prstGeom prst="rect">
             <a:avLst/>
@@ -10701,12 +12325,53 @@
                     </a:srgbClr>
                   </a:solidFill>
                 </a:ln>
+                <a:solidFill>
+                  <a:srgbClr val="C00000"/>
+                </a:solidFill>
                 <a:latin typeface="KoPub돋움체 Medium" panose="02020603020101020101" pitchFamily="18" charset="-127"/>
                 <a:ea typeface="KoPub돋움체 Bold" panose="02020603020101020101"/>
                 <a:cs typeface="뫼비우스 Bold" pitchFamily="2" charset="-127"/>
                 <a:sym typeface="Monotype Sorts"/>
               </a:rPr>
-              <a:t>고품질 및 국내 배터리 팩 요구  </a:t>
+              <a:t>생활에 코팅 </a:t>
+            </a:r>
+            <a:r>
+              <a:rPr kumimoji="1" lang="en-US" altLang="ko-KR" sz="1100" b="1" spc="-22" dirty="0">
+                <a:ln>
+                  <a:solidFill>
+                    <a:srgbClr val="ADADAD">
+                      <a:alpha val="0"/>
+                    </a:srgbClr>
+                  </a:solidFill>
+                </a:ln>
+                <a:solidFill>
+                  <a:srgbClr val="C00000"/>
+                </a:solidFill>
+                <a:latin typeface="KoPub돋움체 Medium" panose="02020603020101020101" pitchFamily="18" charset="-127"/>
+                <a:ea typeface="KoPub돋움체 Bold" panose="02020603020101020101"/>
+                <a:cs typeface="뫼비우스 Bold" pitchFamily="2" charset="-127"/>
+                <a:sym typeface="Monotype Sorts"/>
+              </a:rPr>
+              <a:t>-&gt; GIT </a:t>
+            </a:r>
+            <a:r>
+              <a:rPr kumimoji="1" lang="ko-KR" altLang="en-US" sz="1100" b="1" spc="-22" dirty="0">
+                <a:ln>
+                  <a:solidFill>
+                    <a:srgbClr val="ADADAD">
+                      <a:alpha val="0"/>
+                    </a:srgbClr>
+                  </a:solidFill>
+                </a:ln>
+                <a:solidFill>
+                  <a:srgbClr val="C00000"/>
+                </a:solidFill>
+                <a:latin typeface="KoPub돋움체 Medium" panose="02020603020101020101" pitchFamily="18" charset="-127"/>
+                <a:ea typeface="KoPub돋움체 Bold" panose="02020603020101020101"/>
+                <a:cs typeface="뫼비우스 Bold" pitchFamily="2" charset="-127"/>
+                <a:sym typeface="Monotype Sorts"/>
+              </a:rPr>
+              <a:t>강의 내용  </a:t>
             </a:r>
             <a:endParaRPr kumimoji="1" lang="en-US" altLang="ko-KR" sz="1100" b="1" spc="-22" dirty="0">
               <a:ln>
@@ -10722,91 +12387,74 @@
               <a:sym typeface="Monotype Sorts"/>
             </a:endParaRPr>
           </a:p>
+        </p:txBody>
+      </p:sp>
+      <p:sp>
+        <p:nvSpPr>
+          <p:cNvPr id="3" name="TextBox 2">
+            <a:extLst>
+              <a:ext uri="{FF2B5EF4-FFF2-40B4-BE49-F238E27FC236}">
+                <a16:creationId xmlns:a16="http://schemas.microsoft.com/office/drawing/2014/main" id="{310A03AE-5B7D-1E87-0C78-AA9F1BB3580F}"/>
+              </a:ext>
+            </a:extLst>
+          </p:cNvPr>
+          <p:cNvSpPr txBox="1"/>
+          <p:nvPr/>
+        </p:nvSpPr>
+        <p:spPr>
+          <a:xfrm>
+            <a:off x="27991" y="684660"/>
+            <a:ext cx="8201609" cy="584775"/>
+          </a:xfrm>
+          <a:prstGeom prst="rect">
+            <a:avLst/>
+          </a:prstGeom>
+          <a:noFill/>
+        </p:spPr>
+        <p:txBody>
+          <a:bodyPr wrap="square" anchor="ctr">
+            <a:spAutoFit/>
+          </a:bodyPr>
+          <a:lstStyle/>
           <a:p>
-            <a:pPr marL="174592" lvl="1" indent="-174592" defTabSz="1162668" fontAlgn="base" latinLnBrk="0">
-              <a:spcAft>
-                <a:spcPts val="300"/>
-              </a:spcAft>
-              <a:buClr>
-                <a:srgbClr val="50B8D1"/>
-              </a:buClr>
-              <a:buSzPct val="120000"/>
-              <a:buBlip>
-                <a:blip r:embed="rId5"/>
-              </a:buBlip>
-              <a:tabLst>
-                <a:tab pos="566990" algn="l"/>
-                <a:tab pos="8777977" algn="r"/>
-              </a:tabLst>
-            </a:pPr>
-            <a:r>
-              <a:rPr lang="ko-KR" altLang="en-US" sz="1100" b="1" dirty="0">
-                <a:ln>
-                  <a:solidFill>
-                    <a:prstClr val="white">
-                      <a:alpha val="0"/>
-                    </a:prstClr>
-                  </a:solidFill>
-                </a:ln>
-                <a:solidFill>
-                  <a:prstClr val="black"/>
-                </a:solidFill>
-                <a:latin typeface="KoPub돋움체 Bold" panose="02020603020101020101" pitchFamily="18" charset="-127"/>
-                <a:ea typeface="KoPub돋움체 Bold" panose="02020603020101020101"/>
-                <a:cs typeface="Arial" pitchFamily="34" charset="0"/>
-              </a:rPr>
-              <a:t>제품설계</a:t>
-            </a:r>
-            <a:r>
-              <a:rPr lang="en-US" altLang="ko-KR" sz="1100" b="1" dirty="0">
-                <a:ln>
-                  <a:solidFill>
-                    <a:prstClr val="white">
-                      <a:alpha val="0"/>
-                    </a:prstClr>
-                  </a:solidFill>
-                </a:ln>
-                <a:solidFill>
-                  <a:prstClr val="black"/>
-                </a:solidFill>
-                <a:latin typeface="KoPub돋움체 Bold" panose="02020603020101020101" pitchFamily="18" charset="-127"/>
-                <a:ea typeface="KoPub돋움체 Bold" panose="02020603020101020101"/>
-                <a:cs typeface="Arial" pitchFamily="34" charset="0"/>
-              </a:rPr>
-              <a:t>, </a:t>
-            </a:r>
-            <a:r>
-              <a:rPr lang="ko-KR" altLang="en-US" sz="1100" b="1" dirty="0">
-                <a:ln>
-                  <a:solidFill>
-                    <a:prstClr val="white">
-                      <a:alpha val="0"/>
-                    </a:prstClr>
-                  </a:solidFill>
-                </a:ln>
-                <a:solidFill>
-                  <a:prstClr val="black"/>
-                </a:solidFill>
-                <a:latin typeface="KoPub돋움체 Bold" panose="02020603020101020101" pitchFamily="18" charset="-127"/>
-                <a:ea typeface="KoPub돋움체 Bold" panose="02020603020101020101"/>
-                <a:cs typeface="Arial" pitchFamily="34" charset="0"/>
-              </a:rPr>
-              <a:t>보수를 위해 추진시스템을 일괄 발주를 선호함 </a:t>
-            </a:r>
-            <a:endParaRPr lang="en-US" altLang="ko-KR" sz="1100" b="1" dirty="0">
-              <a:ln>
-                <a:solidFill>
-                  <a:prstClr val="white">
-                    <a:alpha val="0"/>
-                  </a:prstClr>
-                </a:solidFill>
-              </a:ln>
+            <a:r>
+              <a:rPr lang="ko-KR" altLang="en-US" sz="1600" b="1" dirty="0">
+                <a:solidFill>
+                  <a:srgbClr val="C00000"/>
+                </a:solidFill>
+                <a:latin typeface="+mj-ea"/>
+                <a:ea typeface="+mj-ea"/>
+              </a:rPr>
+              <a:t>버전 관리 및 협업 필요성 대해 정리하세요 </a:t>
+            </a:r>
+            <a:r>
+              <a:rPr lang="en-US" altLang="ko-KR" sz="1600" b="1" dirty="0">
+                <a:solidFill>
+                  <a:srgbClr val="C00000"/>
+                </a:solidFill>
+                <a:latin typeface="+mj-ea"/>
+                <a:ea typeface="+mj-ea"/>
+              </a:rPr>
+              <a:t>~~</a:t>
+            </a:r>
+          </a:p>
+          <a:p>
+            <a:r>
+              <a:rPr lang="ko-KR" altLang="en-US" sz="1600" b="1" dirty="0">
+                <a:solidFill>
+                  <a:srgbClr val="C00000"/>
+                </a:solidFill>
+                <a:latin typeface="+mj-ea"/>
+                <a:ea typeface="+mj-ea"/>
+              </a:rPr>
+              <a:t>강</a:t>
+            </a:r>
+            <a:endParaRPr sz="1600" b="1" dirty="0">
               <a:solidFill>
-                <a:prstClr val="black"/>
+                <a:srgbClr val="C00000"/>
               </a:solidFill>
-              <a:latin typeface="KoPub돋움체 Bold" panose="02020603020101020101" pitchFamily="18" charset="-127"/>
-              <a:ea typeface="KoPub돋움체 Bold" panose="02020603020101020101"/>
-              <a:cs typeface="Arial" pitchFamily="34" charset="0"/>
+              <a:latin typeface="+mj-ea"/>
+              <a:ea typeface="+mj-ea"/>
             </a:endParaRPr>
           </a:p>
         </p:txBody>
